--- a/Lectures2019/MutationOfTriangularMesh.pptx
+++ b/Lectures2019/MutationOfTriangularMesh.pptx
@@ -4,42 +4,56 @@
   <p:sldMasterIdLst>
     <p:sldMasterId id="2147483648" r:id="rId1"/>
   </p:sldMasterIdLst>
+  <p:handoutMasterIdLst>
+    <p:handoutMasterId r:id="rId45"/>
+  </p:handoutMasterIdLst>
   <p:sldIdLst>
     <p:sldId id="256" r:id="rId2"/>
     <p:sldId id="257" r:id="rId3"/>
     <p:sldId id="259" r:id="rId4"/>
     <p:sldId id="258" r:id="rId5"/>
     <p:sldId id="260" r:id="rId6"/>
-    <p:sldId id="261" r:id="rId7"/>
-    <p:sldId id="262" r:id="rId8"/>
-    <p:sldId id="265" r:id="rId9"/>
-    <p:sldId id="266" r:id="rId10"/>
-    <p:sldId id="263" r:id="rId11"/>
-    <p:sldId id="267" r:id="rId12"/>
-    <p:sldId id="268" r:id="rId13"/>
-    <p:sldId id="269" r:id="rId14"/>
-    <p:sldId id="278" r:id="rId15"/>
-    <p:sldId id="279" r:id="rId16"/>
-    <p:sldId id="272" r:id="rId17"/>
-    <p:sldId id="273" r:id="rId18"/>
-    <p:sldId id="274" r:id="rId19"/>
-    <p:sldId id="275" r:id="rId20"/>
-    <p:sldId id="276" r:id="rId21"/>
-    <p:sldId id="277" r:id="rId22"/>
-    <p:sldId id="285" r:id="rId23"/>
-    <p:sldId id="283" r:id="rId24"/>
-    <p:sldId id="282" r:id="rId25"/>
-    <p:sldId id="280" r:id="rId26"/>
-    <p:sldId id="281" r:id="rId27"/>
-    <p:sldId id="286" r:id="rId28"/>
-    <p:sldId id="284" r:id="rId29"/>
-    <p:sldId id="287" r:id="rId30"/>
-    <p:sldId id="288" r:id="rId31"/>
-    <p:sldId id="289" r:id="rId32"/>
-    <p:sldId id="290" r:id="rId33"/>
+    <p:sldId id="310" r:id="rId7"/>
+    <p:sldId id="267" r:id="rId8"/>
+    <p:sldId id="269" r:id="rId9"/>
+    <p:sldId id="278" r:id="rId10"/>
+    <p:sldId id="279" r:id="rId11"/>
+    <p:sldId id="308" r:id="rId12"/>
+    <p:sldId id="303" r:id="rId13"/>
+    <p:sldId id="304" r:id="rId14"/>
+    <p:sldId id="305" r:id="rId15"/>
+    <p:sldId id="306" r:id="rId16"/>
+    <p:sldId id="307" r:id="rId17"/>
+    <p:sldId id="309" r:id="rId18"/>
+    <p:sldId id="294" r:id="rId19"/>
+    <p:sldId id="272" r:id="rId20"/>
+    <p:sldId id="311" r:id="rId21"/>
+    <p:sldId id="275" r:id="rId22"/>
+    <p:sldId id="298" r:id="rId23"/>
+    <p:sldId id="273" r:id="rId24"/>
+    <p:sldId id="291" r:id="rId25"/>
+    <p:sldId id="292" r:id="rId26"/>
+    <p:sldId id="293" r:id="rId27"/>
+    <p:sldId id="276" r:id="rId28"/>
+    <p:sldId id="277" r:id="rId29"/>
+    <p:sldId id="285" r:id="rId30"/>
+    <p:sldId id="283" r:id="rId31"/>
+    <p:sldId id="299" r:id="rId32"/>
+    <p:sldId id="300" r:id="rId33"/>
+    <p:sldId id="301" r:id="rId34"/>
+    <p:sldId id="302" r:id="rId35"/>
+    <p:sldId id="282" r:id="rId36"/>
+    <p:sldId id="280" r:id="rId37"/>
+    <p:sldId id="281" r:id="rId38"/>
+    <p:sldId id="286" r:id="rId39"/>
+    <p:sldId id="284" r:id="rId40"/>
+    <p:sldId id="287" r:id="rId41"/>
+    <p:sldId id="288" r:id="rId42"/>
+    <p:sldId id="289" r:id="rId43"/>
+    <p:sldId id="290" r:id="rId44"/>
   </p:sldIdLst>
   <p:sldSz cx="12192000" cy="6858000"/>
-  <p:notesSz cx="6858000" cy="9144000"/>
+  <p:notesSz cx="6735763" cy="9866313"/>
   <p:defaultTextStyle>
     <a:defPPr>
       <a:defRPr lang="ja-JP"/>
@@ -135,7 +149,177 @@
       </a:defRPr>
     </a:lvl9pPr>
   </p:defaultTextStyle>
+  <p:extLst>
+    <p:ext uri="{EFAFB233-063F-42B5-8137-9DF3F51BA10A}">
+      <p15:sldGuideLst xmlns:p15="http://schemas.microsoft.com/office/powerpoint/2012/main"/>
+    </p:ext>
+  </p:extLst>
 </p:presentation>
+</file>
+
+<file path=ppt/handoutMasters/handoutMaster1.xml><?xml version="1.0" encoding="utf-8"?>
+<p:handoutMaster xmlns:a="http://schemas.openxmlformats.org/drawingml/2006/main" xmlns:r="http://schemas.openxmlformats.org/officeDocument/2006/relationships" xmlns:p="http://schemas.openxmlformats.org/presentationml/2006/main">
+  <p:cSld>
+    <p:bg>
+      <p:bgRef idx="1001">
+        <a:schemeClr val="bg1"/>
+      </p:bgRef>
+    </p:bg>
+    <p:spTree>
+      <p:nvGrpSpPr>
+        <p:cNvPr id="1" name=""/>
+        <p:cNvGrpSpPr/>
+        <p:nvPr/>
+      </p:nvGrpSpPr>
+      <p:grpSpPr>
+        <a:xfrm>
+          <a:off x="0" y="0"/>
+          <a:ext cx="0" cy="0"/>
+          <a:chOff x="0" y="0"/>
+          <a:chExt cx="0" cy="0"/>
+        </a:xfrm>
+      </p:grpSpPr>
+      <p:sp>
+        <p:nvSpPr>
+          <p:cNvPr id="2" name="ヘッダー プレースホルダー 1"/>
+          <p:cNvSpPr>
+            <a:spLocks noGrp="1"/>
+          </p:cNvSpPr>
+          <p:nvPr>
+            <p:ph type="hdr" sz="quarter"/>
+          </p:nvPr>
+        </p:nvSpPr>
+        <p:spPr>
+          <a:xfrm>
+            <a:off x="0" y="0"/>
+            <a:ext cx="2918831" cy="495029"/>
+          </a:xfrm>
+          <a:prstGeom prst="rect">
+            <a:avLst/>
+          </a:prstGeom>
+        </p:spPr>
+        <p:txBody>
+          <a:bodyPr vert="horz" lIns="91440" tIns="45720" rIns="91440" bIns="45720" rtlCol="0"/>
+          <a:lstStyle>
+            <a:lvl1pPr algn="l">
+              <a:defRPr sz="1200"/>
+            </a:lvl1pPr>
+          </a:lstStyle>
+          <a:p>
+            <a:endParaRPr kumimoji="1" lang="ja-JP" altLang="en-US"/>
+          </a:p>
+        </p:txBody>
+      </p:sp>
+      <p:sp>
+        <p:nvSpPr>
+          <p:cNvPr id="3" name="日付プレースホルダー 2"/>
+          <p:cNvSpPr>
+            <a:spLocks noGrp="1"/>
+          </p:cNvSpPr>
+          <p:nvPr>
+            <p:ph type="dt" sz="quarter" idx="1"/>
+          </p:nvPr>
+        </p:nvSpPr>
+        <p:spPr>
+          <a:xfrm>
+            <a:off x="3815373" y="0"/>
+            <a:ext cx="2918831" cy="495029"/>
+          </a:xfrm>
+          <a:prstGeom prst="rect">
+            <a:avLst/>
+          </a:prstGeom>
+        </p:spPr>
+        <p:txBody>
+          <a:bodyPr vert="horz" lIns="91440" tIns="45720" rIns="91440" bIns="45720" rtlCol="0"/>
+          <a:lstStyle>
+            <a:lvl1pPr algn="r">
+              <a:defRPr sz="1200"/>
+            </a:lvl1pPr>
+          </a:lstStyle>
+          <a:p>
+            <a:fld id="{38CCC024-2672-404A-A79A-2BEB52B95B1E}" type="datetimeFigureOut">
+              <a:rPr kumimoji="1" lang="ja-JP" altLang="en-US" smtClean="0"/>
+              <a:t>2019/9/17</a:t>
+            </a:fld>
+            <a:endParaRPr kumimoji="1" lang="ja-JP" altLang="en-US"/>
+          </a:p>
+        </p:txBody>
+      </p:sp>
+      <p:sp>
+        <p:nvSpPr>
+          <p:cNvPr id="4" name="フッター プレースホルダー 3"/>
+          <p:cNvSpPr>
+            <a:spLocks noGrp="1"/>
+          </p:cNvSpPr>
+          <p:nvPr>
+            <p:ph type="ftr" sz="quarter" idx="2"/>
+          </p:nvPr>
+        </p:nvSpPr>
+        <p:spPr>
+          <a:xfrm>
+            <a:off x="0" y="9371286"/>
+            <a:ext cx="2918831" cy="495028"/>
+          </a:xfrm>
+          <a:prstGeom prst="rect">
+            <a:avLst/>
+          </a:prstGeom>
+        </p:spPr>
+        <p:txBody>
+          <a:bodyPr vert="horz" lIns="91440" tIns="45720" rIns="91440" bIns="45720" rtlCol="0" anchor="b"/>
+          <a:lstStyle>
+            <a:lvl1pPr algn="l">
+              <a:defRPr sz="1200"/>
+            </a:lvl1pPr>
+          </a:lstStyle>
+          <a:p>
+            <a:endParaRPr kumimoji="1" lang="ja-JP" altLang="en-US"/>
+          </a:p>
+        </p:txBody>
+      </p:sp>
+      <p:sp>
+        <p:nvSpPr>
+          <p:cNvPr id="5" name="スライド番号プレースホルダー 4"/>
+          <p:cNvSpPr>
+            <a:spLocks noGrp="1"/>
+          </p:cNvSpPr>
+          <p:nvPr>
+            <p:ph type="sldNum" sz="quarter" idx="3"/>
+          </p:nvPr>
+        </p:nvSpPr>
+        <p:spPr>
+          <a:xfrm>
+            <a:off x="3815373" y="9371286"/>
+            <a:ext cx="2918831" cy="495028"/>
+          </a:xfrm>
+          <a:prstGeom prst="rect">
+            <a:avLst/>
+          </a:prstGeom>
+        </p:spPr>
+        <p:txBody>
+          <a:bodyPr vert="horz" lIns="91440" tIns="45720" rIns="91440" bIns="45720" rtlCol="0" anchor="b"/>
+          <a:lstStyle>
+            <a:lvl1pPr algn="r">
+              <a:defRPr sz="1200"/>
+            </a:lvl1pPr>
+          </a:lstStyle>
+          <a:p>
+            <a:fld id="{D4A89EF0-D915-493F-812B-FAFD75714369}" type="slidenum">
+              <a:rPr kumimoji="1" lang="ja-JP" altLang="en-US" smtClean="0"/>
+              <a:t>‹#›</a:t>
+            </a:fld>
+            <a:endParaRPr kumimoji="1" lang="ja-JP" altLang="en-US"/>
+          </a:p>
+        </p:txBody>
+      </p:sp>
+    </p:spTree>
+    <p:extLst>
+      <p:ext uri="{BB962C8B-B14F-4D97-AF65-F5344CB8AC3E}">
+        <p14:creationId xmlns:p14="http://schemas.microsoft.com/office/powerpoint/2010/main" val="2322756855"/>
+      </p:ext>
+    </p:extLst>
+  </p:cSld>
+  <p:clrMap bg1="lt1" tx1="dk1" bg2="lt2" tx2="dk2" accent1="accent1" accent2="accent2" accent3="accent3" accent4="accent4" accent5="accent5" accent6="accent6" hlink="hlink" folHlink="folHlink"/>
+</p:handoutMaster>
 </file>
 
 <file path=ppt/slideLayouts/slideLayout1.xml><?xml version="1.0" encoding="utf-8"?>
@@ -269,7 +453,7 @@
           <a:p>
             <a:fld id="{8C36E4E4-294E-4674-8C96-9900DB209D68}" type="datetimeFigureOut">
               <a:rPr kumimoji="1" lang="ja-JP" altLang="en-US" smtClean="0"/>
-              <a:t>2019/9/15</a:t>
+              <a:t>2019/9/17</a:t>
             </a:fld>
             <a:endParaRPr kumimoji="1" lang="ja-JP" altLang="en-US"/>
           </a:p>
@@ -471,7 +655,7 @@
           <a:p>
             <a:fld id="{8C36E4E4-294E-4674-8C96-9900DB209D68}" type="datetimeFigureOut">
               <a:rPr kumimoji="1" lang="ja-JP" altLang="en-US" smtClean="0"/>
-              <a:t>2019/9/15</a:t>
+              <a:t>2019/9/17</a:t>
             </a:fld>
             <a:endParaRPr kumimoji="1" lang="ja-JP" altLang="en-US"/>
           </a:p>
@@ -683,7 +867,7 @@
           <a:p>
             <a:fld id="{8C36E4E4-294E-4674-8C96-9900DB209D68}" type="datetimeFigureOut">
               <a:rPr kumimoji="1" lang="ja-JP" altLang="en-US" smtClean="0"/>
-              <a:t>2019/9/15</a:t>
+              <a:t>2019/9/17</a:t>
             </a:fld>
             <a:endParaRPr kumimoji="1" lang="ja-JP" altLang="en-US"/>
           </a:p>
@@ -885,7 +1069,7 @@
           <a:p>
             <a:fld id="{8C36E4E4-294E-4674-8C96-9900DB209D68}" type="datetimeFigureOut">
               <a:rPr kumimoji="1" lang="ja-JP" altLang="en-US" smtClean="0"/>
-              <a:t>2019/9/15</a:t>
+              <a:t>2019/9/17</a:t>
             </a:fld>
             <a:endParaRPr kumimoji="1" lang="ja-JP" altLang="en-US"/>
           </a:p>
@@ -1131,7 +1315,7 @@
           <a:p>
             <a:fld id="{8C36E4E4-294E-4674-8C96-9900DB209D68}" type="datetimeFigureOut">
               <a:rPr kumimoji="1" lang="ja-JP" altLang="en-US" smtClean="0"/>
-              <a:t>2019/9/15</a:t>
+              <a:t>2019/9/17</a:t>
             </a:fld>
             <a:endParaRPr kumimoji="1" lang="ja-JP" altLang="en-US"/>
           </a:p>
@@ -1427,7 +1611,7 @@
           <a:p>
             <a:fld id="{8C36E4E4-294E-4674-8C96-9900DB209D68}" type="datetimeFigureOut">
               <a:rPr kumimoji="1" lang="ja-JP" altLang="en-US" smtClean="0"/>
-              <a:t>2019/9/15</a:t>
+              <a:t>2019/9/17</a:t>
             </a:fld>
             <a:endParaRPr kumimoji="1" lang="ja-JP" altLang="en-US"/>
           </a:p>
@@ -1858,7 +2042,7 @@
           <a:p>
             <a:fld id="{8C36E4E4-294E-4674-8C96-9900DB209D68}" type="datetimeFigureOut">
               <a:rPr kumimoji="1" lang="ja-JP" altLang="en-US" smtClean="0"/>
-              <a:t>2019/9/15</a:t>
+              <a:t>2019/9/17</a:t>
             </a:fld>
             <a:endParaRPr kumimoji="1" lang="ja-JP" altLang="en-US"/>
           </a:p>
@@ -1976,7 +2160,7 @@
           <a:p>
             <a:fld id="{8C36E4E4-294E-4674-8C96-9900DB209D68}" type="datetimeFigureOut">
               <a:rPr kumimoji="1" lang="ja-JP" altLang="en-US" smtClean="0"/>
-              <a:t>2019/9/15</a:t>
+              <a:t>2019/9/17</a:t>
             </a:fld>
             <a:endParaRPr kumimoji="1" lang="ja-JP" altLang="en-US"/>
           </a:p>
@@ -2071,7 +2255,7 @@
           <a:p>
             <a:fld id="{8C36E4E4-294E-4674-8C96-9900DB209D68}" type="datetimeFigureOut">
               <a:rPr kumimoji="1" lang="ja-JP" altLang="en-US" smtClean="0"/>
-              <a:t>2019/9/15</a:t>
+              <a:t>2019/9/17</a:t>
             </a:fld>
             <a:endParaRPr kumimoji="1" lang="ja-JP" altLang="en-US"/>
           </a:p>
@@ -2380,7 +2564,7 @@
           <a:p>
             <a:fld id="{8C36E4E4-294E-4674-8C96-9900DB209D68}" type="datetimeFigureOut">
               <a:rPr kumimoji="1" lang="ja-JP" altLang="en-US" smtClean="0"/>
-              <a:t>2019/9/15</a:t>
+              <a:t>2019/9/17</a:t>
             </a:fld>
             <a:endParaRPr kumimoji="1" lang="ja-JP" altLang="en-US"/>
           </a:p>
@@ -2633,7 +2817,7 @@
           <a:p>
             <a:fld id="{8C36E4E4-294E-4674-8C96-9900DB209D68}" type="datetimeFigureOut">
               <a:rPr kumimoji="1" lang="ja-JP" altLang="en-US" smtClean="0"/>
-              <a:t>2019/9/15</a:t>
+              <a:t>2019/9/17</a:t>
             </a:fld>
             <a:endParaRPr kumimoji="1" lang="ja-JP" altLang="en-US"/>
           </a:p>
@@ -2878,7 +3062,7 @@
           <a:p>
             <a:fld id="{8C36E4E4-294E-4674-8C96-9900DB209D68}" type="datetimeFigureOut">
               <a:rPr kumimoji="1" lang="ja-JP" altLang="en-US" smtClean="0"/>
-              <a:t>2019/9/15</a:t>
+              <a:t>2019/9/17</a:t>
             </a:fld>
             <a:endParaRPr kumimoji="1" lang="ja-JP" altLang="en-US"/>
           </a:p>
@@ -3399,16 +3583,16 @@
           <a:lstStyle/>
           <a:p>
             <a:r>
-              <a:rPr lang="en-US" altLang="ja-JP" dirty="0" smtClean="0"/>
-              <a:t>Random planar curves and Schramm-</a:t>
-            </a:r>
-            <a:r>
-              <a:rPr lang="en-US" altLang="ja-JP" dirty="0" err="1" smtClean="0"/>
-              <a:t>Loewner</a:t>
-            </a:r>
-            <a:r>
-              <a:rPr lang="en-US" altLang="ja-JP" dirty="0" smtClean="0"/>
-              <a:t> evolutions</a:t>
+              <a:rPr kumimoji="1" lang="en-US" altLang="ja-JP" dirty="0" smtClean="0"/>
+              <a:t>Hyperbolic geometry &amp; </a:t>
+            </a:r>
+            <a:r>
+              <a:rPr kumimoji="1" lang="en-US" altLang="ja-JP" dirty="0" err="1" smtClean="0"/>
+              <a:t>Croche</a:t>
+            </a:r>
+            <a:r>
+              <a:rPr kumimoji="1" lang="en-US" altLang="ja-JP" dirty="0" smtClean="0"/>
+              <a:t> Knitting</a:t>
             </a:r>
             <a:endParaRPr kumimoji="1" lang="ja-JP" altLang="en-US" dirty="0"/>
           </a:p>
@@ -3430,13 +3614,280 @@
           <a:lstStyle/>
           <a:p>
             <a:endParaRPr kumimoji="1" lang="ja-JP" altLang="en-US"/>
+          </a:p>
+        </p:txBody>
+      </p:sp>
+      <p:pic>
+        <p:nvPicPr>
+          <p:cNvPr id="10242" name="Picture 2" descr="ãhyperbolic geometry crochet mathãã®ç»åæ¤ç´¢çµæ"/>
+          <p:cNvPicPr>
+            <a:picLocks noChangeAspect="1" noChangeArrowheads="1"/>
+          </p:cNvPicPr>
+          <p:nvPr/>
+        </p:nvPicPr>
+        <p:blipFill>
+          <a:blip r:embed="rId2">
+            <a:extLst>
+              <a:ext uri="{28A0092B-C50C-407E-A947-70E740481C1C}">
+                <a14:useLocalDpi xmlns:a14="http://schemas.microsoft.com/office/drawing/2010/main" val="0"/>
+              </a:ext>
+            </a:extLst>
+          </a:blip>
+          <a:srcRect/>
+          <a:stretch>
+            <a:fillRect/>
+          </a:stretch>
+        </p:blipFill>
+        <p:spPr bwMode="auto">
+          <a:xfrm>
+            <a:off x="199821" y="1825625"/>
+            <a:ext cx="4047714" cy="4593152"/>
+          </a:xfrm>
+          <a:prstGeom prst="rect">
+            <a:avLst/>
+          </a:prstGeom>
+          <a:noFill/>
+          <a:extLst>
+            <a:ext uri="{909E8E84-426E-40DD-AFC4-6F175D3DCCD1}">
+              <a14:hiddenFill xmlns:a14="http://schemas.microsoft.com/office/drawing/2010/main">
+                <a:solidFill>
+                  <a:srgbClr val="FFFFFF"/>
+                </a:solidFill>
+              </a14:hiddenFill>
+            </a:ext>
+          </a:extLst>
+        </p:spPr>
+      </p:pic>
+      <p:pic>
+        <p:nvPicPr>
+          <p:cNvPr id="10244" name="Picture 4" descr="é¢é£ç»å"/>
+          <p:cNvPicPr>
+            <a:picLocks noChangeAspect="1" noChangeArrowheads="1"/>
+          </p:cNvPicPr>
+          <p:nvPr/>
+        </p:nvPicPr>
+        <p:blipFill>
+          <a:blip r:embed="rId3">
+            <a:extLst>
+              <a:ext uri="{28A0092B-C50C-407E-A947-70E740481C1C}">
+                <a14:useLocalDpi xmlns:a14="http://schemas.microsoft.com/office/drawing/2010/main" val="0"/>
+              </a:ext>
+            </a:extLst>
+          </a:blip>
+          <a:srcRect/>
+          <a:stretch>
+            <a:fillRect/>
+          </a:stretch>
+        </p:blipFill>
+        <p:spPr bwMode="auto">
+          <a:xfrm>
+            <a:off x="4483508" y="1825625"/>
+            <a:ext cx="3673065" cy="2754799"/>
+          </a:xfrm>
+          <a:prstGeom prst="rect">
+            <a:avLst/>
+          </a:prstGeom>
+          <a:noFill/>
+          <a:extLst>
+            <a:ext uri="{909E8E84-426E-40DD-AFC4-6F175D3DCCD1}">
+              <a14:hiddenFill xmlns:a14="http://schemas.microsoft.com/office/drawing/2010/main">
+                <a:solidFill>
+                  <a:srgbClr val="FFFFFF"/>
+                </a:solidFill>
+              </a14:hiddenFill>
+            </a:ext>
+          </a:extLst>
+        </p:spPr>
+      </p:pic>
+      <p:pic>
+        <p:nvPicPr>
+          <p:cNvPr id="10246" name="Picture 6" descr="ãhyperbolic geometry crochet mathãã®ç»åæ¤ç´¢çµæ"/>
+          <p:cNvPicPr>
+            <a:picLocks noChangeAspect="1" noChangeArrowheads="1"/>
+          </p:cNvPicPr>
+          <p:nvPr/>
+        </p:nvPicPr>
+        <p:blipFill>
+          <a:blip r:embed="rId4" cstate="print">
+            <a:extLst>
+              <a:ext uri="{28A0092B-C50C-407E-A947-70E740481C1C}">
+                <a14:useLocalDpi xmlns:a14="http://schemas.microsoft.com/office/drawing/2010/main" val="0"/>
+              </a:ext>
+            </a:extLst>
+          </a:blip>
+          <a:srcRect/>
+          <a:stretch>
+            <a:fillRect/>
+          </a:stretch>
+        </p:blipFill>
+        <p:spPr bwMode="auto">
+          <a:xfrm>
+            <a:off x="8156573" y="1825625"/>
+            <a:ext cx="4117492" cy="2454592"/>
+          </a:xfrm>
+          <a:prstGeom prst="rect">
+            <a:avLst/>
+          </a:prstGeom>
+          <a:noFill/>
+          <a:extLst>
+            <a:ext uri="{909E8E84-426E-40DD-AFC4-6F175D3DCCD1}">
+              <a14:hiddenFill xmlns:a14="http://schemas.microsoft.com/office/drawing/2010/main">
+                <a:solidFill>
+                  <a:srgbClr val="FFFFFF"/>
+                </a:solidFill>
+              </a14:hiddenFill>
+            </a:ext>
+          </a:extLst>
+        </p:spPr>
+      </p:pic>
+      <p:pic>
+        <p:nvPicPr>
+          <p:cNvPr id="10248" name="Picture 8" descr="ãhyperbolic geometry crochet mathãã®ç»åæ¤ç´¢çµæ"/>
+          <p:cNvPicPr>
+            <a:picLocks noChangeAspect="1" noChangeArrowheads="1"/>
+          </p:cNvPicPr>
+          <p:nvPr/>
+        </p:nvPicPr>
+        <p:blipFill>
+          <a:blip r:embed="rId5" cstate="print">
+            <a:extLst>
+              <a:ext uri="{28A0092B-C50C-407E-A947-70E740481C1C}">
+                <a14:useLocalDpi xmlns:a14="http://schemas.microsoft.com/office/drawing/2010/main" val="0"/>
+              </a:ext>
+            </a:extLst>
+          </a:blip>
+          <a:srcRect/>
+          <a:stretch>
+            <a:fillRect/>
+          </a:stretch>
+        </p:blipFill>
+        <p:spPr bwMode="auto">
+          <a:xfrm>
+            <a:off x="4247535" y="4561424"/>
+            <a:ext cx="3447018" cy="2296576"/>
+          </a:xfrm>
+          <a:prstGeom prst="rect">
+            <a:avLst/>
+          </a:prstGeom>
+          <a:noFill/>
+          <a:extLst>
+            <a:ext uri="{909E8E84-426E-40DD-AFC4-6F175D3DCCD1}">
+              <a14:hiddenFill xmlns:a14="http://schemas.microsoft.com/office/drawing/2010/main">
+                <a:solidFill>
+                  <a:srgbClr val="FFFFFF"/>
+                </a:solidFill>
+              </a14:hiddenFill>
+            </a:ext>
+          </a:extLst>
+        </p:spPr>
+      </p:pic>
+      <p:pic>
+        <p:nvPicPr>
+          <p:cNvPr id="10250" name="Picture 10" descr="ãããé è¨å· vãã®ç»åæ¤ç´¢çµæ"/>
+          <p:cNvPicPr>
+            <a:picLocks noChangeAspect="1" noChangeArrowheads="1"/>
+          </p:cNvPicPr>
+          <p:nvPr/>
+        </p:nvPicPr>
+        <p:blipFill>
+          <a:blip r:embed="rId6">
+            <a:extLst>
+              <a:ext uri="{28A0092B-C50C-407E-A947-70E740481C1C}">
+                <a14:useLocalDpi xmlns:a14="http://schemas.microsoft.com/office/drawing/2010/main" val="0"/>
+              </a:ext>
+            </a:extLst>
+          </a:blip>
+          <a:srcRect/>
+          <a:stretch>
+            <a:fillRect/>
+          </a:stretch>
+        </p:blipFill>
+        <p:spPr bwMode="auto">
+          <a:xfrm>
+            <a:off x="8231186" y="4400549"/>
+            <a:ext cx="3048000" cy="2457451"/>
+          </a:xfrm>
+          <a:prstGeom prst="rect">
+            <a:avLst/>
+          </a:prstGeom>
+          <a:noFill/>
+          <a:extLst>
+            <a:ext uri="{909E8E84-426E-40DD-AFC4-6F175D3DCCD1}">
+              <a14:hiddenFill xmlns:a14="http://schemas.microsoft.com/office/drawing/2010/main">
+                <a:solidFill>
+                  <a:srgbClr val="FFFFFF"/>
+                </a:solidFill>
+              </a14:hiddenFill>
+            </a:ext>
+          </a:extLst>
+        </p:spPr>
+      </p:pic>
+      <p:sp>
+        <p:nvSpPr>
+          <p:cNvPr id="4" name="正方形/長方形 3"/>
+          <p:cNvSpPr/>
+          <p:nvPr/>
+        </p:nvSpPr>
+        <p:spPr>
+          <a:xfrm>
+            <a:off x="9432911" y="1811020"/>
+            <a:ext cx="2759089" cy="369332"/>
+          </a:xfrm>
+          <a:prstGeom prst="rect">
+            <a:avLst/>
+          </a:prstGeom>
+        </p:spPr>
+        <p:txBody>
+          <a:bodyPr wrap="none">
+            <a:spAutoFit/>
+          </a:bodyPr>
+          <a:lstStyle/>
+          <a:p>
+            <a:r>
+              <a:rPr lang="en-US" altLang="ja-JP">
+                <a:hlinkClick r:id="rId7"/>
+              </a:rPr>
+              <a:t>http://lugezi.com/imgs/</a:t>
+            </a:r>
+            <a:endParaRPr lang="ja-JP" altLang="en-US" dirty="0"/>
+          </a:p>
+        </p:txBody>
+      </p:sp>
+      <p:sp>
+        <p:nvSpPr>
+          <p:cNvPr id="5" name="正方形/長方形 4"/>
+          <p:cNvSpPr/>
+          <p:nvPr/>
+        </p:nvSpPr>
+        <p:spPr>
+          <a:xfrm>
+            <a:off x="4344986" y="3934093"/>
+            <a:ext cx="6096000" cy="646331"/>
+          </a:xfrm>
+          <a:prstGeom prst="rect">
+            <a:avLst/>
+          </a:prstGeom>
+        </p:spPr>
+        <p:txBody>
+          <a:bodyPr>
+            <a:spAutoFit/>
+          </a:bodyPr>
+          <a:lstStyle/>
+          <a:p>
+            <a:r>
+              <a:rPr lang="en-US" altLang="ja-JP" dirty="0">
+                <a:hlinkClick r:id="rId8"/>
+              </a:rPr>
+              <a:t>https://crochetcoralreef.org/contributors/daina_taimina.php</a:t>
+            </a:r>
+            <a:endParaRPr lang="ja-JP" altLang="en-US" dirty="0"/>
           </a:p>
         </p:txBody>
       </p:sp>
     </p:spTree>
     <p:extLst>
       <p:ext uri="{BB962C8B-B14F-4D97-AF65-F5344CB8AC3E}">
-        <p14:creationId xmlns:p14="http://schemas.microsoft.com/office/powerpoint/2010/main" val="4168022792"/>
+        <p14:creationId xmlns:p14="http://schemas.microsoft.com/office/powerpoint/2010/main" val="2545403817"/>
       </p:ext>
     </p:extLst>
   </p:cSld>
@@ -3480,7 +3931,7 @@
           <a:p>
             <a:r>
               <a:rPr kumimoji="1" lang="en-US" altLang="ja-JP" dirty="0" smtClean="0"/>
-              <a:t>Planar graph</a:t>
+              <a:t>Stochastic representation of S2-isomorphic shapes</a:t>
             </a:r>
             <a:endParaRPr kumimoji="1" lang="ja-JP" altLang="en-US" dirty="0"/>
           </a:p>
@@ -3508,7 +3959,7 @@
     </p:spTree>
     <p:extLst>
       <p:ext uri="{BB962C8B-B14F-4D97-AF65-F5344CB8AC3E}">
-        <p14:creationId xmlns:p14="http://schemas.microsoft.com/office/powerpoint/2010/main" val="2071683285"/>
+        <p14:creationId xmlns:p14="http://schemas.microsoft.com/office/powerpoint/2010/main" val="1017894017"/>
       </p:ext>
     </p:extLst>
   </p:cSld>
@@ -3552,7 +4003,7 @@
           <a:p>
             <a:r>
               <a:rPr kumimoji="1" lang="en-US" altLang="ja-JP" dirty="0" smtClean="0"/>
-              <a:t>Euler Characteristic</a:t>
+              <a:t>Brownian map</a:t>
             </a:r>
             <a:endParaRPr kumimoji="1" lang="ja-JP" altLang="en-US" dirty="0"/>
           </a:p>
@@ -3573,14 +4024,158 @@
           <a:bodyPr/>
           <a:lstStyle/>
           <a:p>
-            <a:endParaRPr kumimoji="1" lang="ja-JP" altLang="en-US"/>
+            <a:endParaRPr kumimoji="1" lang="ja-JP" altLang="en-US" dirty="0"/>
+          </a:p>
+        </p:txBody>
+      </p:sp>
+      <p:pic>
+        <p:nvPicPr>
+          <p:cNvPr id="4098" name="Picture 2" descr="ãBrownian mapãã®ç»åæ¤ç´¢çµæ"/>
+          <p:cNvPicPr>
+            <a:picLocks noChangeAspect="1" noChangeArrowheads="1"/>
+          </p:cNvPicPr>
+          <p:nvPr/>
+        </p:nvPicPr>
+        <p:blipFill>
+          <a:blip r:embed="rId2" cstate="print">
+            <a:extLst>
+              <a:ext uri="{28A0092B-C50C-407E-A947-70E740481C1C}">
+                <a14:useLocalDpi xmlns:a14="http://schemas.microsoft.com/office/drawing/2010/main" val="0"/>
+              </a:ext>
+            </a:extLst>
+          </a:blip>
+          <a:srcRect/>
+          <a:stretch>
+            <a:fillRect/>
+          </a:stretch>
+        </p:blipFill>
+        <p:spPr bwMode="auto">
+          <a:xfrm>
+            <a:off x="437159" y="1825625"/>
+            <a:ext cx="6317602" cy="3892546"/>
+          </a:xfrm>
+          <a:prstGeom prst="rect">
+            <a:avLst/>
+          </a:prstGeom>
+          <a:noFill/>
+          <a:extLst>
+            <a:ext uri="{909E8E84-426E-40DD-AFC4-6F175D3DCCD1}">
+              <a14:hiddenFill xmlns:a14="http://schemas.microsoft.com/office/drawing/2010/main">
+                <a:solidFill>
+                  <a:srgbClr val="FFFFFF"/>
+                </a:solidFill>
+              </a14:hiddenFill>
+            </a:ext>
+          </a:extLst>
+        </p:spPr>
+      </p:pic>
+      <p:sp>
+        <p:nvSpPr>
+          <p:cNvPr id="4" name="正方形/長方形 3"/>
+          <p:cNvSpPr/>
+          <p:nvPr/>
+        </p:nvSpPr>
+        <p:spPr>
+          <a:xfrm>
+            <a:off x="542208" y="6311900"/>
+            <a:ext cx="3821880" cy="369332"/>
+          </a:xfrm>
+          <a:prstGeom prst="rect">
+            <a:avLst/>
+          </a:prstGeom>
+        </p:spPr>
+        <p:txBody>
+          <a:bodyPr wrap="none">
+            <a:spAutoFit/>
+          </a:bodyPr>
+          <a:lstStyle/>
+          <a:p>
+            <a:r>
+              <a:rPr lang="en-US" altLang="ja-JP" dirty="0">
+                <a:hlinkClick r:id="rId3"/>
+              </a:rPr>
+              <a:t>http://bettinel.perso.math.cnrs.fr/</a:t>
+            </a:r>
+            <a:endParaRPr lang="ja-JP" altLang="en-US" dirty="0"/>
+          </a:p>
+        </p:txBody>
+      </p:sp>
+      <p:pic>
+        <p:nvPicPr>
+          <p:cNvPr id="4100" name="Picture 4" descr="http://upload.wikimedia.org/wikipedia/commons/thumb/3/39/Random_walk_in2D_closeup.png/350px-Random_walk_in2D_closeup.png"/>
+          <p:cNvPicPr>
+            <a:picLocks noChangeAspect="1" noChangeArrowheads="1"/>
+          </p:cNvPicPr>
+          <p:nvPr/>
+        </p:nvPicPr>
+        <p:blipFill>
+          <a:blip r:embed="rId4">
+            <a:extLst>
+              <a:ext uri="{28A0092B-C50C-407E-A947-70E740481C1C}">
+                <a14:useLocalDpi xmlns:a14="http://schemas.microsoft.com/office/drawing/2010/main" val="0"/>
+              </a:ext>
+            </a:extLst>
+          </a:blip>
+          <a:srcRect/>
+          <a:stretch>
+            <a:fillRect/>
+          </a:stretch>
+        </p:blipFill>
+        <p:spPr bwMode="auto">
+          <a:xfrm>
+            <a:off x="8020050" y="453256"/>
+            <a:ext cx="3333750" cy="3914776"/>
+          </a:xfrm>
+          <a:prstGeom prst="rect">
+            <a:avLst/>
+          </a:prstGeom>
+          <a:noFill/>
+          <a:extLst>
+            <a:ext uri="{909E8E84-426E-40DD-AFC4-6F175D3DCCD1}">
+              <a14:hiddenFill xmlns:a14="http://schemas.microsoft.com/office/drawing/2010/main">
+                <a:solidFill>
+                  <a:srgbClr val="FFFFFF"/>
+                </a:solidFill>
+              </a14:hiddenFill>
+            </a:ext>
+          </a:extLst>
+        </p:spPr>
+      </p:pic>
+      <p:sp>
+        <p:nvSpPr>
+          <p:cNvPr id="5" name="正方形/長方形 4"/>
+          <p:cNvSpPr/>
+          <p:nvPr/>
+        </p:nvSpPr>
+        <p:spPr>
+          <a:xfrm>
+            <a:off x="7155802" y="4502969"/>
+            <a:ext cx="4886274" cy="369332"/>
+          </a:xfrm>
+          <a:prstGeom prst="rect">
+            <a:avLst/>
+          </a:prstGeom>
+        </p:spPr>
+        <p:txBody>
+          <a:bodyPr wrap="none">
+            <a:spAutoFit/>
+          </a:bodyPr>
+          <a:lstStyle/>
+          <a:p>
+            <a:r>
+              <a:rPr lang="en-US" altLang="ja-JP" dirty="0">
+                <a:hlinkClick r:id="rId5"/>
+              </a:rPr>
+              <a:t>https://en.wikipedia.org/wiki/Random_walk</a:t>
+            </a:r>
+            <a:endParaRPr lang="ja-JP" altLang="en-US" dirty="0"/>
           </a:p>
         </p:txBody>
       </p:sp>
     </p:spTree>
     <p:extLst>
       <p:ext uri="{BB962C8B-B14F-4D97-AF65-F5344CB8AC3E}">
-        <p14:creationId xmlns:p14="http://schemas.microsoft.com/office/powerpoint/2010/main" val="1221312755"/>
+        <p14:creationId xmlns:p14="http://schemas.microsoft.com/office/powerpoint/2010/main" val="3502541478"/>
       </p:ext>
     </p:extLst>
   </p:cSld>
@@ -3623,8 +4218,16 @@
           <a:lstStyle/>
           <a:p>
             <a:r>
-              <a:rPr kumimoji="1" lang="en-US" altLang="ja-JP" dirty="0" smtClean="0"/>
-              <a:t>Dual Graph</a:t>
+              <a:rPr lang="en-US" altLang="ja-JP" dirty="0" smtClean="0"/>
+              <a:t>Cori–</a:t>
+            </a:r>
+            <a:r>
+              <a:rPr lang="en-US" altLang="ja-JP" dirty="0" err="1" smtClean="0"/>
+              <a:t>Vauquelin</a:t>
+            </a:r>
+            <a:r>
+              <a:rPr lang="en-US" altLang="ja-JP" dirty="0" smtClean="0"/>
+              <a:t>– Schaeffer bijection</a:t>
             </a:r>
             <a:endParaRPr kumimoji="1" lang="ja-JP" altLang="en-US" dirty="0"/>
           </a:p>
@@ -3645,24 +4248,55 @@
           <a:bodyPr/>
           <a:lstStyle/>
           <a:p>
-            <a:r>
-              <a:rPr kumimoji="1" lang="en-US" altLang="ja-JP" dirty="0" smtClean="0"/>
-              <a:t>Triangular mesh</a:t>
-            </a:r>
-          </a:p>
-          <a:p>
-            <a:r>
-              <a:rPr lang="en-US" altLang="ja-JP" dirty="0" smtClean="0"/>
-              <a:t>Polygon</a:t>
-            </a:r>
-            <a:endParaRPr kumimoji="1" lang="ja-JP" altLang="en-US" dirty="0"/>
-          </a:p>
-        </p:txBody>
-      </p:sp>
+            <a:endParaRPr kumimoji="1" lang="ja-JP" altLang="en-US"/>
+          </a:p>
+        </p:txBody>
+      </p:sp>
+      <p:pic>
+        <p:nvPicPr>
+          <p:cNvPr id="5122" name="Picture 2" descr="https://encrypted-tbn0.gstatic.com/images?q=tbn:ANd9GcSh91l63F-jOhr80HQFoJ7ajgPbg8V0NziFOg6d7Dhj62d3hq3z"/>
+          <p:cNvPicPr>
+            <a:picLocks noChangeAspect="1" noChangeArrowheads="1"/>
+          </p:cNvPicPr>
+          <p:nvPr/>
+        </p:nvPicPr>
+        <p:blipFill>
+          <a:blip r:embed="rId2">
+            <a:extLst>
+              <a:ext uri="{28A0092B-C50C-407E-A947-70E740481C1C}">
+                <a14:useLocalDpi xmlns:a14="http://schemas.microsoft.com/office/drawing/2010/main" val="0"/>
+              </a:ext>
+            </a:extLst>
+          </a:blip>
+          <a:srcRect/>
+          <a:stretch>
+            <a:fillRect/>
+          </a:stretch>
+        </p:blipFill>
+        <p:spPr bwMode="auto">
+          <a:xfrm>
+            <a:off x="368710" y="2030092"/>
+            <a:ext cx="4478389" cy="3586280"/>
+          </a:xfrm>
+          <a:prstGeom prst="rect">
+            <a:avLst/>
+          </a:prstGeom>
+          <a:noFill/>
+          <a:extLst>
+            <a:ext uri="{909E8E84-426E-40DD-AFC4-6F175D3DCCD1}">
+              <a14:hiddenFill xmlns:a14="http://schemas.microsoft.com/office/drawing/2010/main">
+                <a:solidFill>
+                  <a:srgbClr val="FFFFFF"/>
+                </a:solidFill>
+              </a14:hiddenFill>
+            </a:ext>
+          </a:extLst>
+        </p:spPr>
+      </p:pic>
     </p:spTree>
     <p:extLst>
       <p:ext uri="{BB962C8B-B14F-4D97-AF65-F5344CB8AC3E}">
-        <p14:creationId xmlns:p14="http://schemas.microsoft.com/office/powerpoint/2010/main" val="2386994100"/>
+        <p14:creationId xmlns:p14="http://schemas.microsoft.com/office/powerpoint/2010/main" val="2573981101"/>
       </p:ext>
     </p:extLst>
   </p:cSld>
@@ -3706,7 +4340,7 @@
           <a:p>
             <a:r>
               <a:rPr kumimoji="1" lang="en-US" altLang="ja-JP" dirty="0" smtClean="0"/>
-              <a:t>Curvature and Polygon</a:t>
+              <a:t>Brownian excursion</a:t>
             </a:r>
             <a:endParaRPr kumimoji="1" lang="ja-JP" altLang="en-US" dirty="0"/>
           </a:p>
@@ -3727,14 +4361,55 @@
           <a:bodyPr/>
           <a:lstStyle/>
           <a:p>
-            <a:endParaRPr kumimoji="1" lang="ja-JP" altLang="en-US" dirty="0"/>
-          </a:p>
-        </p:txBody>
-      </p:sp>
+            <a:endParaRPr kumimoji="1" lang="ja-JP" altLang="en-US"/>
+          </a:p>
+        </p:txBody>
+      </p:sp>
+      <p:pic>
+        <p:nvPicPr>
+          <p:cNvPr id="6146" name="Picture 2" descr="ãCoriâVauquelinâ Schaeffer bijectionãã®ç»åæ¤ç´¢çµæ"/>
+          <p:cNvPicPr>
+            <a:picLocks noChangeAspect="1" noChangeArrowheads="1"/>
+          </p:cNvPicPr>
+          <p:nvPr/>
+        </p:nvPicPr>
+        <p:blipFill>
+          <a:blip r:embed="rId2">
+            <a:extLst>
+              <a:ext uri="{28A0092B-C50C-407E-A947-70E740481C1C}">
+                <a14:useLocalDpi xmlns:a14="http://schemas.microsoft.com/office/drawing/2010/main" val="0"/>
+              </a:ext>
+            </a:extLst>
+          </a:blip>
+          <a:srcRect/>
+          <a:stretch>
+            <a:fillRect/>
+          </a:stretch>
+        </p:blipFill>
+        <p:spPr bwMode="auto">
+          <a:xfrm>
+            <a:off x="1336316" y="1434796"/>
+            <a:ext cx="9519367" cy="5132995"/>
+          </a:xfrm>
+          <a:prstGeom prst="rect">
+            <a:avLst/>
+          </a:prstGeom>
+          <a:noFill/>
+          <a:extLst>
+            <a:ext uri="{909E8E84-426E-40DD-AFC4-6F175D3DCCD1}">
+              <a14:hiddenFill xmlns:a14="http://schemas.microsoft.com/office/drawing/2010/main">
+                <a:solidFill>
+                  <a:srgbClr val="FFFFFF"/>
+                </a:solidFill>
+              </a14:hiddenFill>
+            </a:ext>
+          </a:extLst>
+        </p:spPr>
+      </p:pic>
     </p:spTree>
     <p:extLst>
       <p:ext uri="{BB962C8B-B14F-4D97-AF65-F5344CB8AC3E}">
-        <p14:creationId xmlns:p14="http://schemas.microsoft.com/office/powerpoint/2010/main" val="552391641"/>
+        <p14:creationId xmlns:p14="http://schemas.microsoft.com/office/powerpoint/2010/main" val="508330391"/>
       </p:ext>
     </p:extLst>
   </p:cSld>
@@ -3778,15 +4453,7 @@
           <a:p>
             <a:r>
               <a:rPr kumimoji="1" lang="en-US" altLang="ja-JP" dirty="0" smtClean="0"/>
-              <a:t>Hyperbolic geometry &amp; </a:t>
-            </a:r>
-            <a:r>
-              <a:rPr kumimoji="1" lang="en-US" altLang="ja-JP" dirty="0" err="1" smtClean="0"/>
-              <a:t>Croche</a:t>
-            </a:r>
-            <a:r>
-              <a:rPr kumimoji="1" lang="en-US" altLang="ja-JP" dirty="0" smtClean="0"/>
-              <a:t> Knitting</a:t>
+              <a:t>Brownian motion on Tree</a:t>
             </a:r>
             <a:endParaRPr kumimoji="1" lang="ja-JP" altLang="en-US" dirty="0"/>
           </a:p>
@@ -3811,10 +4478,51 @@
           </a:p>
         </p:txBody>
       </p:sp>
+      <p:pic>
+        <p:nvPicPr>
+          <p:cNvPr id="7170" name="Picture 2" descr="ãCoriâVauquelinâ Schaeffer bijectionãã®ç»åæ¤ç´¢çµæ"/>
+          <p:cNvPicPr>
+            <a:picLocks noChangeAspect="1" noChangeArrowheads="1"/>
+          </p:cNvPicPr>
+          <p:nvPr/>
+        </p:nvPicPr>
+        <p:blipFill>
+          <a:blip r:embed="rId2">
+            <a:extLst>
+              <a:ext uri="{28A0092B-C50C-407E-A947-70E740481C1C}">
+                <a14:useLocalDpi xmlns:a14="http://schemas.microsoft.com/office/drawing/2010/main" val="0"/>
+              </a:ext>
+            </a:extLst>
+          </a:blip>
+          <a:srcRect/>
+          <a:stretch>
+            <a:fillRect/>
+          </a:stretch>
+        </p:blipFill>
+        <p:spPr bwMode="auto">
+          <a:xfrm>
+            <a:off x="1809750" y="1591469"/>
+            <a:ext cx="8572500" cy="4819650"/>
+          </a:xfrm>
+          <a:prstGeom prst="rect">
+            <a:avLst/>
+          </a:prstGeom>
+          <a:noFill/>
+          <a:extLst>
+            <a:ext uri="{909E8E84-426E-40DD-AFC4-6F175D3DCCD1}">
+              <a14:hiddenFill xmlns:a14="http://schemas.microsoft.com/office/drawing/2010/main">
+                <a:solidFill>
+                  <a:srgbClr val="FFFFFF"/>
+                </a:solidFill>
+              </a14:hiddenFill>
+            </a:ext>
+          </a:extLst>
+        </p:spPr>
+      </p:pic>
     </p:spTree>
     <p:extLst>
       <p:ext uri="{BB962C8B-B14F-4D97-AF65-F5344CB8AC3E}">
-        <p14:creationId xmlns:p14="http://schemas.microsoft.com/office/powerpoint/2010/main" val="2545403817"/>
+        <p14:creationId xmlns:p14="http://schemas.microsoft.com/office/powerpoint/2010/main" val="2846398704"/>
       </p:ext>
     </p:extLst>
   </p:cSld>
@@ -3857,8 +4565,16 @@
           <a:lstStyle/>
           <a:p>
             <a:r>
-              <a:rPr kumimoji="1" lang="en-US" altLang="ja-JP" dirty="0" smtClean="0"/>
-              <a:t>Quiver</a:t>
+              <a:rPr lang="en-US" altLang="ja-JP" dirty="0" smtClean="0"/>
+              <a:t>Random planar curves and Schramm-</a:t>
+            </a:r>
+            <a:r>
+              <a:rPr lang="en-US" altLang="ja-JP" dirty="0" err="1" smtClean="0"/>
+              <a:t>Loewner</a:t>
+            </a:r>
+            <a:r>
+              <a:rPr lang="en-US" altLang="ja-JP" dirty="0" smtClean="0"/>
+              <a:t> evolutions</a:t>
             </a:r>
             <a:endParaRPr kumimoji="1" lang="ja-JP" altLang="en-US" dirty="0"/>
           </a:p>
@@ -3879,14 +4595,36 @@
           <a:bodyPr/>
           <a:lstStyle/>
           <a:p>
-            <a:endParaRPr kumimoji="1" lang="ja-JP" altLang="en-US"/>
+            <a:r>
+              <a:rPr lang="en-US" altLang="ja-JP" dirty="0">
+                <a:hlinkClick r:id="rId2"/>
+              </a:rPr>
+              <a:t>https://</a:t>
+            </a:r>
+            <a:r>
+              <a:rPr lang="en-US" altLang="ja-JP" dirty="0" smtClean="0">
+                <a:hlinkClick r:id="rId2"/>
+              </a:rPr>
+              <a:t>www.youtube.com/watch?v=NkdlqW1hmlY</a:t>
+            </a:r>
+            <a:endParaRPr lang="en-US" altLang="ja-JP" dirty="0" smtClean="0"/>
+          </a:p>
+          <a:p>
+            <a:endParaRPr kumimoji="1" lang="en-US" altLang="ja-JP" dirty="0"/>
+          </a:p>
+          <a:p>
+            <a:r>
+              <a:rPr lang="en-US" altLang="ja-JP" dirty="0" smtClean="0"/>
+              <a:t>Driven by one-dimensional random walk</a:t>
+            </a:r>
+            <a:endParaRPr kumimoji="1" lang="ja-JP" altLang="en-US" dirty="0"/>
           </a:p>
         </p:txBody>
       </p:sp>
     </p:spTree>
     <p:extLst>
       <p:ext uri="{BB962C8B-B14F-4D97-AF65-F5344CB8AC3E}">
-        <p14:creationId xmlns:p14="http://schemas.microsoft.com/office/powerpoint/2010/main" val="3147743835"/>
+        <p14:creationId xmlns:p14="http://schemas.microsoft.com/office/powerpoint/2010/main" val="2497081990"/>
       </p:ext>
     </p:extLst>
   </p:cSld>
@@ -3913,6 +4651,47 @@
           <a:chExt cx="0" cy="0"/>
         </a:xfrm>
       </p:grpSpPr>
+      <p:pic>
+        <p:nvPicPr>
+          <p:cNvPr id="4" name="Picture 2" descr="ãQuiverãã®ç»åæ¤ç´¢çµæ"/>
+          <p:cNvPicPr>
+            <a:picLocks noChangeAspect="1" noChangeArrowheads="1"/>
+          </p:cNvPicPr>
+          <p:nvPr/>
+        </p:nvPicPr>
+        <p:blipFill>
+          <a:blip r:embed="rId2" cstate="print">
+            <a:extLst>
+              <a:ext uri="{28A0092B-C50C-407E-A947-70E740481C1C}">
+                <a14:useLocalDpi xmlns:a14="http://schemas.microsoft.com/office/drawing/2010/main" val="0"/>
+              </a:ext>
+            </a:extLst>
+          </a:blip>
+          <a:srcRect/>
+          <a:stretch>
+            <a:fillRect/>
+          </a:stretch>
+        </p:blipFill>
+        <p:spPr bwMode="auto">
+          <a:xfrm>
+            <a:off x="9050594" y="0"/>
+            <a:ext cx="3141406" cy="3141406"/>
+          </a:xfrm>
+          <a:prstGeom prst="rect">
+            <a:avLst/>
+          </a:prstGeom>
+          <a:noFill/>
+          <a:extLst>
+            <a:ext uri="{909E8E84-426E-40DD-AFC4-6F175D3DCCD1}">
+              <a14:hiddenFill xmlns:a14="http://schemas.microsoft.com/office/drawing/2010/main">
+                <a:solidFill>
+                  <a:srgbClr val="FFFFFF"/>
+                </a:solidFill>
+              </a14:hiddenFill>
+            </a:ext>
+          </a:extLst>
+        </p:spPr>
+      </p:pic>
       <p:sp>
         <p:nvSpPr>
           <p:cNvPr id="2" name="タイトル 1"/>
@@ -3930,7 +4709,7 @@
           <a:p>
             <a:r>
               <a:rPr kumimoji="1" lang="en-US" altLang="ja-JP" dirty="0" smtClean="0"/>
-              <a:t>Cluster algebra</a:t>
+              <a:t>Stochastic representation of triangular meshes</a:t>
             </a:r>
             <a:endParaRPr kumimoji="1" lang="ja-JP" altLang="en-US" dirty="0"/>
           </a:p>
@@ -3946,19 +4725,113 @@
             <p:ph idx="1"/>
           </p:nvPr>
         </p:nvSpPr>
-        <p:spPr/>
-        <p:txBody>
-          <a:bodyPr/>
-          <a:lstStyle/>
-          <a:p>
-            <a:endParaRPr kumimoji="1" lang="ja-JP" altLang="en-US"/>
+        <p:spPr>
+          <a:xfrm>
+            <a:off x="838200" y="1825625"/>
+            <a:ext cx="8600768" cy="4855394"/>
+          </a:xfrm>
+        </p:spPr>
+        <p:txBody>
+          <a:bodyPr>
+            <a:normAutofit/>
+          </a:bodyPr>
+          <a:lstStyle/>
+          <a:p>
+            <a:r>
+              <a:rPr lang="en-US" altLang="ja-JP" dirty="0" smtClean="0"/>
+              <a:t>A</a:t>
+            </a:r>
+            <a:r>
+              <a:rPr lang="en-US" altLang="ja-JP" dirty="0"/>
+              <a:t> </a:t>
+            </a:r>
+            <a:r>
+              <a:rPr lang="en-US" altLang="ja-JP" b="1" dirty="0"/>
+              <a:t>quiver</a:t>
+            </a:r>
+            <a:r>
+              <a:rPr lang="en-US" altLang="ja-JP" dirty="0"/>
+              <a:t> is a </a:t>
+            </a:r>
+            <a:r>
+              <a:rPr lang="en-US" altLang="ja-JP" dirty="0">
+                <a:hlinkClick r:id="rId3" tooltip="Directed graph"/>
+              </a:rPr>
+              <a:t>directed </a:t>
+            </a:r>
+            <a:r>
+              <a:rPr lang="en-US" altLang="ja-JP" dirty="0" smtClean="0">
+                <a:hlinkClick r:id="rId3" tooltip="Directed graph"/>
+              </a:rPr>
+              <a:t>graph</a:t>
+            </a:r>
+            <a:r>
+              <a:rPr lang="en-US" altLang="ja-JP" dirty="0" smtClean="0"/>
+              <a:t>, used in representation theory.</a:t>
+            </a:r>
+          </a:p>
+          <a:p>
+            <a:r>
+              <a:rPr lang="en-US" altLang="ja-JP" dirty="0" smtClean="0"/>
+              <a:t>A quiver transforms to another quiver; mutation of quiver.</a:t>
+            </a:r>
+          </a:p>
+          <a:p>
+            <a:r>
+              <a:rPr kumimoji="1" lang="en-US" altLang="ja-JP" dirty="0" smtClean="0"/>
+              <a:t>The mutations of quivers are accompanied by algebraic expressions, “cluster algebra”.</a:t>
+            </a:r>
+          </a:p>
+          <a:p>
+            <a:r>
+              <a:rPr lang="en-US" altLang="ja-JP" dirty="0" smtClean="0"/>
+              <a:t>This feature of quivers supports mathematically sound generation of variation of quivers.</a:t>
+            </a:r>
+          </a:p>
+          <a:p>
+            <a:r>
+              <a:rPr kumimoji="1" lang="en-US" altLang="ja-JP" dirty="0" smtClean="0"/>
+              <a:t>If triangular meshes have their quiver expression, stochastic changes of triangular meshes can be expressed as mutations of quivers.</a:t>
+            </a:r>
+            <a:endParaRPr kumimoji="1" lang="ja-JP" altLang="en-US" dirty="0"/>
+          </a:p>
+        </p:txBody>
+      </p:sp>
+      <p:sp>
+        <p:nvSpPr>
+          <p:cNvPr id="5" name="正方形/長方形 4"/>
+          <p:cNvSpPr/>
+          <p:nvPr/>
+        </p:nvSpPr>
+        <p:spPr>
+          <a:xfrm>
+            <a:off x="9438968" y="3276343"/>
+            <a:ext cx="2926080" cy="600164"/>
+          </a:xfrm>
+          <a:prstGeom prst="rect">
+            <a:avLst/>
+          </a:prstGeom>
+        </p:spPr>
+        <p:txBody>
+          <a:bodyPr wrap="square">
+            <a:spAutoFit/>
+          </a:bodyPr>
+          <a:lstStyle/>
+          <a:p>
+            <a:r>
+              <a:rPr lang="en-US" altLang="ja-JP" sz="1100" dirty="0">
+                <a:hlinkClick r:id="rId4"/>
+              </a:rPr>
+              <a:t>https://www.cgtrader.com/3d-models/military/other/low-poly-arrow-quiver-and-bow</a:t>
+            </a:r>
+            <a:endParaRPr lang="ja-JP" altLang="en-US" sz="1100" dirty="0"/>
           </a:p>
         </p:txBody>
       </p:sp>
     </p:spTree>
     <p:extLst>
       <p:ext uri="{BB962C8B-B14F-4D97-AF65-F5344CB8AC3E}">
-        <p14:creationId xmlns:p14="http://schemas.microsoft.com/office/powerpoint/2010/main" val="3960271840"/>
+        <p14:creationId xmlns:p14="http://schemas.microsoft.com/office/powerpoint/2010/main" val="2285194282"/>
       </p:ext>
     </p:extLst>
   </p:cSld>
@@ -4002,7 +4875,7 @@
           <a:p>
             <a:r>
               <a:rPr kumimoji="1" lang="en-US" altLang="ja-JP" dirty="0" smtClean="0"/>
-              <a:t>Mutation of quiver</a:t>
+              <a:t>Quiver</a:t>
             </a:r>
             <a:endParaRPr kumimoji="1" lang="ja-JP" altLang="en-US" dirty="0"/>
           </a:p>
@@ -4018,19 +4891,73 @@
             <p:ph idx="1"/>
           </p:nvPr>
         </p:nvSpPr>
-        <p:spPr/>
-        <p:txBody>
-          <a:bodyPr/>
-          <a:lstStyle/>
-          <a:p>
-            <a:endParaRPr kumimoji="1" lang="ja-JP" altLang="en-US"/>
-          </a:p>
-        </p:txBody>
-      </p:sp>
+        <p:spPr>
+          <a:xfrm>
+            <a:off x="838200" y="1825625"/>
+            <a:ext cx="4898923" cy="4351338"/>
+          </a:xfrm>
+        </p:spPr>
+        <p:txBody>
+          <a:bodyPr/>
+          <a:lstStyle/>
+          <a:p>
+            <a:r>
+              <a:rPr kumimoji="1" lang="en-US" altLang="ja-JP" dirty="0" smtClean="0"/>
+              <a:t>A directed graph</a:t>
+            </a:r>
+          </a:p>
+          <a:p>
+            <a:r>
+              <a:rPr lang="en-US" altLang="ja-JP" dirty="0" smtClean="0"/>
+              <a:t>No loop</a:t>
+            </a:r>
+          </a:p>
+          <a:p>
+            <a:r>
+              <a:rPr kumimoji="1" lang="en-US" altLang="ja-JP" dirty="0" smtClean="0"/>
+              <a:t>Multiple edges are allowed</a:t>
+            </a:r>
+          </a:p>
+          <a:p>
+            <a:r>
+              <a:rPr lang="en-US" altLang="ja-JP" dirty="0" smtClean="0"/>
+              <a:t>Edges in opposite directions should be cancelled.</a:t>
+            </a:r>
+            <a:endParaRPr kumimoji="1" lang="en-US" altLang="ja-JP" dirty="0" smtClean="0"/>
+          </a:p>
+          <a:p>
+            <a:endParaRPr kumimoji="1" lang="ja-JP" altLang="en-US" dirty="0"/>
+          </a:p>
+        </p:txBody>
+      </p:sp>
+      <p:pic>
+        <p:nvPicPr>
+          <p:cNvPr id="4" name="図 3"/>
+          <p:cNvPicPr>
+            <a:picLocks noChangeAspect="1"/>
+          </p:cNvPicPr>
+          <p:nvPr/>
+        </p:nvPicPr>
+        <p:blipFill>
+          <a:blip r:embed="rId2"/>
+          <a:stretch>
+            <a:fillRect/>
+          </a:stretch>
+        </p:blipFill>
+        <p:spPr>
+          <a:xfrm>
+            <a:off x="5881950" y="1165122"/>
+            <a:ext cx="6310050" cy="3224366"/>
+          </a:xfrm>
+          <a:prstGeom prst="rect">
+            <a:avLst/>
+          </a:prstGeom>
+        </p:spPr>
+      </p:pic>
     </p:spTree>
     <p:extLst>
       <p:ext uri="{BB962C8B-B14F-4D97-AF65-F5344CB8AC3E}">
-        <p14:creationId xmlns:p14="http://schemas.microsoft.com/office/powerpoint/2010/main" val="378699566"/>
+        <p14:creationId xmlns:p14="http://schemas.microsoft.com/office/powerpoint/2010/main" val="3242161959"/>
       </p:ext>
     </p:extLst>
   </p:cSld>
@@ -4073,36 +5000,87 @@
           <a:lstStyle/>
           <a:p>
             <a:r>
+              <a:rPr kumimoji="1" lang="en-US" altLang="ja-JP" dirty="0" smtClean="0"/>
+              <a:t>Quiver</a:t>
+            </a:r>
+            <a:endParaRPr kumimoji="1" lang="ja-JP" altLang="en-US" dirty="0"/>
+          </a:p>
+        </p:txBody>
+      </p:sp>
+      <p:sp>
+        <p:nvSpPr>
+          <p:cNvPr id="3" name="コンテンツ プレースホルダー 2"/>
+          <p:cNvSpPr>
+            <a:spLocks noGrp="1"/>
+          </p:cNvSpPr>
+          <p:nvPr>
+            <p:ph idx="1"/>
+          </p:nvPr>
+        </p:nvSpPr>
+        <p:spPr/>
+        <p:txBody>
+          <a:bodyPr/>
+          <a:lstStyle/>
+          <a:p>
+            <a:r>
+              <a:rPr kumimoji="1" lang="en-US" altLang="ja-JP" dirty="0" smtClean="0"/>
+              <a:t>Matrix representation</a:t>
+            </a:r>
+          </a:p>
+          <a:p>
+            <a:r>
               <a:rPr lang="en-US" altLang="ja-JP" dirty="0" smtClean="0"/>
-              <a:t>Quiver representation of polygon/dual polygon</a:t>
+              <a:t>Skew-symmetric matrix (A^T = -A)</a:t>
             </a:r>
             <a:endParaRPr kumimoji="1" lang="ja-JP" altLang="en-US" dirty="0"/>
           </a:p>
         </p:txBody>
       </p:sp>
-      <p:sp>
-        <p:nvSpPr>
-          <p:cNvPr id="3" name="コンテンツ プレースホルダー 2"/>
-          <p:cNvSpPr>
-            <a:spLocks noGrp="1"/>
-          </p:cNvSpPr>
-          <p:nvPr>
-            <p:ph idx="1"/>
-          </p:nvPr>
-        </p:nvSpPr>
-        <p:spPr/>
-        <p:txBody>
-          <a:bodyPr/>
-          <a:lstStyle/>
-          <a:p>
-            <a:endParaRPr kumimoji="1" lang="ja-JP" altLang="en-US"/>
-          </a:p>
-        </p:txBody>
-      </p:sp>
+      <p:pic>
+        <p:nvPicPr>
+          <p:cNvPr id="11268" name="Picture 4" descr="é¢é£ç»å"/>
+          <p:cNvPicPr>
+            <a:picLocks noChangeAspect="1" noChangeArrowheads="1"/>
+          </p:cNvPicPr>
+          <p:nvPr/>
+        </p:nvPicPr>
+        <p:blipFill>
+          <a:blip r:embed="rId2">
+            <a:extLst>
+              <a:ext uri="{28A0092B-C50C-407E-A947-70E740481C1C}">
+                <a14:useLocalDpi xmlns:a14="http://schemas.microsoft.com/office/drawing/2010/main" val="0"/>
+              </a:ext>
+            </a:extLst>
+          </a:blip>
+          <a:srcRect/>
+          <a:stretch>
+            <a:fillRect/>
+          </a:stretch>
+        </p:blipFill>
+        <p:spPr bwMode="auto">
+          <a:xfrm>
+            <a:off x="602226" y="2839495"/>
+            <a:ext cx="7155058" cy="3816032"/>
+          </a:xfrm>
+          <a:prstGeom prst="rect">
+            <a:avLst/>
+          </a:prstGeom>
+          <a:noFill/>
+          <a:extLst>
+            <a:ext uri="{909E8E84-426E-40DD-AFC4-6F175D3DCCD1}">
+              <a14:hiddenFill xmlns:a14="http://schemas.microsoft.com/office/drawing/2010/main">
+                <a:solidFill>
+                  <a:srgbClr val="FFFFFF"/>
+                </a:solidFill>
+              </a14:hiddenFill>
+            </a:ext>
+          </a:extLst>
+        </p:spPr>
+      </p:pic>
     </p:spTree>
     <p:extLst>
       <p:ext uri="{BB962C8B-B14F-4D97-AF65-F5344CB8AC3E}">
-        <p14:creationId xmlns:p14="http://schemas.microsoft.com/office/powerpoint/2010/main" val="1270423273"/>
+        <p14:creationId xmlns:p14="http://schemas.microsoft.com/office/powerpoint/2010/main" val="3147743835"/>
       </p:ext>
     </p:extLst>
   </p:cSld>
@@ -4168,6 +5146,78 @@
           <a:lstStyle/>
           <a:p>
             <a:endParaRPr kumimoji="1" lang="ja-JP" altLang="en-US"/>
+          </a:p>
+        </p:txBody>
+      </p:sp>
+      <p:pic>
+        <p:nvPicPr>
+          <p:cNvPr id="1026" name="Picture 2" descr="https://upload.wikimedia.org/wikipedia/commons/1/10/Illu_cell_structure.jpg"/>
+          <p:cNvPicPr>
+            <a:picLocks noChangeAspect="1" noChangeArrowheads="1"/>
+          </p:cNvPicPr>
+          <p:nvPr/>
+        </p:nvPicPr>
+        <p:blipFill>
+          <a:blip r:embed="rId2">
+            <a:extLst>
+              <a:ext uri="{28A0092B-C50C-407E-A947-70E740481C1C}">
+                <a14:useLocalDpi xmlns:a14="http://schemas.microsoft.com/office/drawing/2010/main" val="0"/>
+              </a:ext>
+            </a:extLst>
+          </a:blip>
+          <a:srcRect/>
+          <a:stretch>
+            <a:fillRect/>
+          </a:stretch>
+        </p:blipFill>
+        <p:spPr bwMode="auto">
+          <a:xfrm>
+            <a:off x="2212259" y="570175"/>
+            <a:ext cx="9615948" cy="5381234"/>
+          </a:xfrm>
+          <a:prstGeom prst="rect">
+            <a:avLst/>
+          </a:prstGeom>
+          <a:noFill/>
+          <a:extLst>
+            <a:ext uri="{909E8E84-426E-40DD-AFC4-6F175D3DCCD1}">
+              <a14:hiddenFill xmlns:a14="http://schemas.microsoft.com/office/drawing/2010/main">
+                <a:solidFill>
+                  <a:srgbClr val="FFFFFF"/>
+                </a:solidFill>
+              </a14:hiddenFill>
+            </a:ext>
+          </a:extLst>
+        </p:spPr>
+      </p:pic>
+      <p:sp>
+        <p:nvSpPr>
+          <p:cNvPr id="4" name="正方形/長方形 3"/>
+          <p:cNvSpPr/>
+          <p:nvPr/>
+        </p:nvSpPr>
+        <p:spPr>
+          <a:xfrm>
+            <a:off x="7020233" y="6349616"/>
+            <a:ext cx="4681090" cy="369332"/>
+          </a:xfrm>
+          <a:prstGeom prst="rect">
+            <a:avLst/>
+          </a:prstGeom>
+        </p:spPr>
+        <p:txBody>
+          <a:bodyPr wrap="none">
+            <a:spAutoFit/>
+          </a:bodyPr>
+          <a:lstStyle/>
+          <a:p>
+            <a:r>
+              <a:rPr lang="en-US" altLang="ja-JP" dirty="0">
+                <a:hlinkClick r:id="rId3"/>
+              </a:rPr>
+              <a:t>https://en.wikipedia.org/wiki/Cell_biology</a:t>
+            </a:r>
+            <a:endParaRPr lang="ja-JP" altLang="en-US" dirty="0"/>
           </a:p>
         </p:txBody>
       </p:sp>
@@ -4218,7 +5268,7 @@
           <a:p>
             <a:r>
               <a:rPr kumimoji="1" lang="en-US" altLang="ja-JP" dirty="0" smtClean="0"/>
-              <a:t>Mutation of polygon/dual polygon</a:t>
+              <a:t>Mutations of Quivers</a:t>
             </a:r>
             <a:endParaRPr kumimoji="1" lang="ja-JP" altLang="en-US" dirty="0"/>
           </a:p>
@@ -4234,19 +5284,83 @@
             <p:ph idx="1"/>
           </p:nvPr>
         </p:nvSpPr>
-        <p:spPr/>
-        <p:txBody>
-          <a:bodyPr/>
-          <a:lstStyle/>
-          <a:p>
-            <a:endParaRPr kumimoji="1" lang="ja-JP" altLang="en-US"/>
-          </a:p>
-        </p:txBody>
-      </p:sp>
+        <p:spPr>
+          <a:xfrm>
+            <a:off x="838200" y="1825625"/>
+            <a:ext cx="6093542" cy="4351338"/>
+          </a:xfrm>
+        </p:spPr>
+        <p:txBody>
+          <a:bodyPr/>
+          <a:lstStyle/>
+          <a:p>
+            <a:r>
+              <a:rPr lang="en-US" altLang="ja-JP" dirty="0" smtClean="0"/>
+              <a:t>Select one of Vs,</a:t>
+            </a:r>
+            <a:r>
+              <a:rPr lang="ja-JP" altLang="en-US" dirty="0"/>
+              <a:t> </a:t>
+            </a:r>
+            <a:r>
+              <a:rPr lang="en-US" altLang="ja-JP" dirty="0" smtClean="0"/>
+              <a:t>A.</a:t>
+            </a:r>
+          </a:p>
+          <a:p>
+            <a:r>
+              <a:rPr lang="en-US" altLang="ja-JP" dirty="0" smtClean="0"/>
+              <a:t>Reverse direction of edges connecting to A.</a:t>
+            </a:r>
+          </a:p>
+          <a:p>
+            <a:r>
+              <a:rPr lang="en-US" altLang="ja-JP" dirty="0" smtClean="0"/>
+              <a:t>If B and C are adjacent to A, count the number, N, of the ways to go from B to C  (or C to B) via A. Add N edges between B and C.</a:t>
+            </a:r>
+          </a:p>
+          <a:p>
+            <a:r>
+              <a:rPr lang="en-US" altLang="ja-JP" dirty="0" smtClean="0"/>
+              <a:t>Cancel the edges in opposite directions.</a:t>
+            </a:r>
+          </a:p>
+          <a:p>
+            <a:endParaRPr lang="en-US" altLang="ja-JP" dirty="0" smtClean="0"/>
+          </a:p>
+          <a:p>
+            <a:endParaRPr kumimoji="1" lang="ja-JP" altLang="en-US" dirty="0"/>
+          </a:p>
+        </p:txBody>
+      </p:sp>
+      <p:pic>
+        <p:nvPicPr>
+          <p:cNvPr id="4" name="図 3"/>
+          <p:cNvPicPr>
+            <a:picLocks noChangeAspect="1"/>
+          </p:cNvPicPr>
+          <p:nvPr/>
+        </p:nvPicPr>
+        <p:blipFill>
+          <a:blip r:embed="rId2"/>
+          <a:stretch>
+            <a:fillRect/>
+          </a:stretch>
+        </p:blipFill>
+        <p:spPr>
+          <a:xfrm>
+            <a:off x="5903452" y="-2683001"/>
+            <a:ext cx="6288548" cy="5366002"/>
+          </a:xfrm>
+          <a:prstGeom prst="rect">
+            <a:avLst/>
+          </a:prstGeom>
+        </p:spPr>
+      </p:pic>
     </p:spTree>
     <p:extLst>
       <p:ext uri="{BB962C8B-B14F-4D97-AF65-F5344CB8AC3E}">
-        <p14:creationId xmlns:p14="http://schemas.microsoft.com/office/powerpoint/2010/main" val="1944628863"/>
+        <p14:creationId xmlns:p14="http://schemas.microsoft.com/office/powerpoint/2010/main" val="2611704816"/>
       </p:ext>
     </p:extLst>
   </p:cSld>
@@ -4289,8 +5403,8 @@
           <a:lstStyle/>
           <a:p>
             <a:r>
-              <a:rPr kumimoji="1" lang="en-US" altLang="ja-JP" dirty="0" smtClean="0"/>
-              <a:t>Enumeration of triangular mesh</a:t>
+              <a:rPr lang="en-US" altLang="ja-JP" dirty="0" smtClean="0"/>
+              <a:t>Quiver representation of polygon/dual polygon</a:t>
             </a:r>
             <a:endParaRPr kumimoji="1" lang="ja-JP" altLang="en-US" dirty="0"/>
           </a:p>
@@ -4315,10 +5429,34 @@
           </a:p>
         </p:txBody>
       </p:sp>
+      <p:pic>
+        <p:nvPicPr>
+          <p:cNvPr id="4" name="図 3"/>
+          <p:cNvPicPr>
+            <a:picLocks noChangeAspect="1"/>
+          </p:cNvPicPr>
+          <p:nvPr/>
+        </p:nvPicPr>
+        <p:blipFill>
+          <a:blip r:embed="rId2"/>
+          <a:stretch>
+            <a:fillRect/>
+          </a:stretch>
+        </p:blipFill>
+        <p:spPr>
+          <a:xfrm>
+            <a:off x="2552700" y="1276350"/>
+            <a:ext cx="7086600" cy="4305300"/>
+          </a:xfrm>
+          <a:prstGeom prst="rect">
+            <a:avLst/>
+          </a:prstGeom>
+        </p:spPr>
+      </p:pic>
     </p:spTree>
     <p:extLst>
       <p:ext uri="{BB962C8B-B14F-4D97-AF65-F5344CB8AC3E}">
-        <p14:creationId xmlns:p14="http://schemas.microsoft.com/office/powerpoint/2010/main" val="526203833"/>
+        <p14:creationId xmlns:p14="http://schemas.microsoft.com/office/powerpoint/2010/main" val="1270423273"/>
       </p:ext>
     </p:extLst>
   </p:cSld>
@@ -4383,10 +5521,34 @@
           </a:p>
         </p:txBody>
       </p:sp>
+      <p:pic>
+        <p:nvPicPr>
+          <p:cNvPr id="4" name="図 3"/>
+          <p:cNvPicPr>
+            <a:picLocks noChangeAspect="1"/>
+          </p:cNvPicPr>
+          <p:nvPr/>
+        </p:nvPicPr>
+        <p:blipFill>
+          <a:blip r:embed="rId2"/>
+          <a:stretch>
+            <a:fillRect/>
+          </a:stretch>
+        </p:blipFill>
+        <p:spPr>
+          <a:xfrm>
+            <a:off x="2547937" y="-1776413"/>
+            <a:ext cx="7096125" cy="10410825"/>
+          </a:xfrm>
+          <a:prstGeom prst="rect">
+            <a:avLst/>
+          </a:prstGeom>
+        </p:spPr>
+      </p:pic>
     </p:spTree>
     <p:extLst>
       <p:ext uri="{BB962C8B-B14F-4D97-AF65-F5344CB8AC3E}">
-        <p14:creationId xmlns:p14="http://schemas.microsoft.com/office/powerpoint/2010/main" val="2510536377"/>
+        <p14:creationId xmlns:p14="http://schemas.microsoft.com/office/powerpoint/2010/main" val="4092160273"/>
       </p:ext>
     </p:extLst>
   </p:cSld>
@@ -4430,7 +5592,7 @@
           <a:p>
             <a:r>
               <a:rPr kumimoji="1" lang="en-US" altLang="ja-JP" dirty="0" smtClean="0"/>
-              <a:t>Cycles and Ihara’s zeta function</a:t>
+              <a:t>Cluster algebra</a:t>
             </a:r>
             <a:endParaRPr kumimoji="1" lang="ja-JP" altLang="en-US" dirty="0"/>
           </a:p>
@@ -4448,17 +5610,89 @@
         </p:nvSpPr>
         <p:spPr/>
         <p:txBody>
-          <a:bodyPr/>
-          <a:lstStyle/>
-          <a:p>
-            <a:endParaRPr kumimoji="1" lang="ja-JP" altLang="en-US"/>
-          </a:p>
-        </p:txBody>
-      </p:sp>
+          <a:bodyPr>
+            <a:normAutofit lnSpcReduction="10000"/>
+          </a:bodyPr>
+          <a:lstStyle/>
+          <a:p>
+            <a:r>
+              <a:rPr lang="en-US" altLang="ja-JP" dirty="0" smtClean="0"/>
+              <a:t>Quiver has cluster algebra.</a:t>
+            </a:r>
+          </a:p>
+          <a:p>
+            <a:r>
+              <a:rPr kumimoji="1" lang="en-US" altLang="ja-JP" dirty="0" smtClean="0"/>
+              <a:t>Each </a:t>
+            </a:r>
+            <a:r>
+              <a:rPr lang="en-US" altLang="ja-JP" dirty="0" smtClean="0"/>
+              <a:t>vertex of quiver corresponds to one of the elements </a:t>
+            </a:r>
+            <a:r>
+              <a:rPr kumimoji="1" lang="en-US" altLang="ja-JP" dirty="0" smtClean="0"/>
+              <a:t>of the algebra.</a:t>
+            </a:r>
+          </a:p>
+          <a:p>
+            <a:r>
+              <a:rPr lang="en-US" altLang="ja-JP" dirty="0" smtClean="0"/>
+              <a:t>The elements are rational polynomials.</a:t>
+            </a:r>
+          </a:p>
+          <a:p>
+            <a:r>
+              <a:rPr kumimoji="1" lang="en-US" altLang="ja-JP" dirty="0" smtClean="0"/>
+              <a:t>Mutations of quiver changes the elements to another set of elements.</a:t>
+            </a:r>
+          </a:p>
+          <a:p>
+            <a:r>
+              <a:rPr lang="en-US" altLang="ja-JP" dirty="0" smtClean="0"/>
+              <a:t>The whole rational polynomial elements and their quiver-mutational changes define an algebraic structure.</a:t>
+            </a:r>
+          </a:p>
+          <a:p>
+            <a:r>
+              <a:rPr lang="en-US" altLang="ja-JP" dirty="0" smtClean="0"/>
+              <a:t>Cluster algebra has been applied to: Various algebraic studies, geometry, knot theory, mathematical physics …</a:t>
+            </a:r>
+            <a:r>
+              <a:rPr kumimoji="1" lang="en-US" altLang="ja-JP" dirty="0" smtClean="0"/>
+              <a:t> </a:t>
+            </a:r>
+            <a:endParaRPr kumimoji="1" lang="ja-JP" altLang="en-US" dirty="0"/>
+          </a:p>
+        </p:txBody>
+      </p:sp>
+      <p:pic>
+        <p:nvPicPr>
+          <p:cNvPr id="4" name="図 3"/>
+          <p:cNvPicPr>
+            <a:picLocks noChangeAspect="1"/>
+          </p:cNvPicPr>
+          <p:nvPr/>
+        </p:nvPicPr>
+        <p:blipFill>
+          <a:blip r:embed="rId2"/>
+          <a:stretch>
+            <a:fillRect/>
+          </a:stretch>
+        </p:blipFill>
+        <p:spPr>
+          <a:xfrm>
+            <a:off x="2562225" y="6713743"/>
+            <a:ext cx="7067550" cy="4905375"/>
+          </a:xfrm>
+          <a:prstGeom prst="rect">
+            <a:avLst/>
+          </a:prstGeom>
+        </p:spPr>
+      </p:pic>
     </p:spTree>
     <p:extLst>
       <p:ext uri="{BB962C8B-B14F-4D97-AF65-F5344CB8AC3E}">
-        <p14:creationId xmlns:p14="http://schemas.microsoft.com/office/powerpoint/2010/main" val="3157674134"/>
+        <p14:creationId xmlns:p14="http://schemas.microsoft.com/office/powerpoint/2010/main" val="3960271840"/>
       </p:ext>
     </p:extLst>
   </p:cSld>
@@ -4500,37 +5734,43 @@
           <a:bodyPr/>
           <a:lstStyle/>
           <a:p>
-            <a:r>
-              <a:rPr kumimoji="1" lang="en-US" altLang="ja-JP" dirty="0" smtClean="0"/>
-              <a:t>Edge-connection matrix</a:t>
-            </a:r>
-            <a:endParaRPr kumimoji="1" lang="ja-JP" altLang="en-US" dirty="0"/>
-          </a:p>
-        </p:txBody>
-      </p:sp>
-      <p:sp>
-        <p:nvSpPr>
-          <p:cNvPr id="3" name="コンテンツ プレースホルダー 2"/>
-          <p:cNvSpPr>
-            <a:spLocks noGrp="1"/>
-          </p:cNvSpPr>
+            <a:endParaRPr kumimoji="1" lang="ja-JP" altLang="en-US"/>
+          </a:p>
+        </p:txBody>
+      </p:sp>
+      <p:pic>
+        <p:nvPicPr>
+          <p:cNvPr id="4" name="コンテンツ プレースホルダー 3"/>
+          <p:cNvPicPr>
+            <a:picLocks noGrp="1" noChangeAspect="1"/>
+          </p:cNvPicPr>
           <p:nvPr>
             <p:ph idx="1"/>
           </p:nvPr>
-        </p:nvSpPr>
-        <p:spPr/>
-        <p:txBody>
-          <a:bodyPr/>
-          <a:lstStyle/>
-          <a:p>
-            <a:endParaRPr kumimoji="1" lang="ja-JP" altLang="en-US"/>
-          </a:p>
-        </p:txBody>
-      </p:sp>
+        </p:nvPicPr>
+        <p:blipFill>
+          <a:blip r:embed="rId2" cstate="print">
+            <a:extLst>
+              <a:ext uri="{28A0092B-C50C-407E-A947-70E740481C1C}">
+                <a14:useLocalDpi xmlns:a14="http://schemas.microsoft.com/office/drawing/2010/main" val="0"/>
+              </a:ext>
+            </a:extLst>
+          </a:blip>
+          <a:stretch>
+            <a:fillRect/>
+          </a:stretch>
+        </p:blipFill>
+        <p:spPr>
+          <a:xfrm>
+            <a:off x="2053959" y="493162"/>
+            <a:ext cx="7281769" cy="10300181"/>
+          </a:xfrm>
+        </p:spPr>
+      </p:pic>
     </p:spTree>
     <p:extLst>
       <p:ext uri="{BB962C8B-B14F-4D97-AF65-F5344CB8AC3E}">
-        <p14:creationId xmlns:p14="http://schemas.microsoft.com/office/powerpoint/2010/main" val="3906608018"/>
+        <p14:creationId xmlns:p14="http://schemas.microsoft.com/office/powerpoint/2010/main" val="1001997707"/>
       </p:ext>
     </p:extLst>
   </p:cSld>
@@ -4572,37 +5812,43 @@
           <a:bodyPr/>
           <a:lstStyle/>
           <a:p>
-            <a:r>
-              <a:rPr kumimoji="1" lang="en-US" altLang="ja-JP" dirty="0" smtClean="0"/>
-              <a:t>Regular graph</a:t>
-            </a:r>
-            <a:endParaRPr kumimoji="1" lang="ja-JP" altLang="en-US" dirty="0"/>
-          </a:p>
-        </p:txBody>
-      </p:sp>
-      <p:sp>
-        <p:nvSpPr>
-          <p:cNvPr id="3" name="コンテンツ プレースホルダー 2"/>
-          <p:cNvSpPr>
-            <a:spLocks noGrp="1"/>
-          </p:cNvSpPr>
+            <a:endParaRPr kumimoji="1" lang="ja-JP" altLang="en-US"/>
+          </a:p>
+        </p:txBody>
+      </p:sp>
+      <p:pic>
+        <p:nvPicPr>
+          <p:cNvPr id="4" name="コンテンツ プレースホルダー 3"/>
+          <p:cNvPicPr>
+            <a:picLocks noGrp="1" noChangeAspect="1"/>
+          </p:cNvPicPr>
           <p:nvPr>
             <p:ph idx="1"/>
           </p:nvPr>
-        </p:nvSpPr>
-        <p:spPr/>
-        <p:txBody>
-          <a:bodyPr/>
-          <a:lstStyle/>
-          <a:p>
-            <a:endParaRPr kumimoji="1" lang="ja-JP" altLang="en-US"/>
-          </a:p>
-        </p:txBody>
-      </p:sp>
+        </p:nvPicPr>
+        <p:blipFill>
+          <a:blip r:embed="rId2" cstate="print">
+            <a:extLst>
+              <a:ext uri="{28A0092B-C50C-407E-A947-70E740481C1C}">
+                <a14:useLocalDpi xmlns:a14="http://schemas.microsoft.com/office/drawing/2010/main" val="0"/>
+              </a:ext>
+            </a:extLst>
+          </a:blip>
+          <a:stretch>
+            <a:fillRect/>
+          </a:stretch>
+        </p:blipFill>
+        <p:spPr>
+          <a:xfrm>
+            <a:off x="1758991" y="-202987"/>
+            <a:ext cx="6470609" cy="9152782"/>
+          </a:xfrm>
+        </p:spPr>
+      </p:pic>
     </p:spTree>
     <p:extLst>
       <p:ext uri="{BB962C8B-B14F-4D97-AF65-F5344CB8AC3E}">
-        <p14:creationId xmlns:p14="http://schemas.microsoft.com/office/powerpoint/2010/main" val="42199349"/>
+        <p14:creationId xmlns:p14="http://schemas.microsoft.com/office/powerpoint/2010/main" val="2542936593"/>
       </p:ext>
     </p:extLst>
   </p:cSld>
@@ -4644,37 +5890,43 @@
           <a:bodyPr/>
           <a:lstStyle/>
           <a:p>
-            <a:r>
-              <a:rPr kumimoji="1" lang="en-US" altLang="ja-JP" dirty="0" smtClean="0"/>
-              <a:t>3-regular graph</a:t>
-            </a:r>
-            <a:endParaRPr kumimoji="1" lang="ja-JP" altLang="en-US" dirty="0"/>
-          </a:p>
-        </p:txBody>
-      </p:sp>
-      <p:sp>
-        <p:nvSpPr>
-          <p:cNvPr id="3" name="コンテンツ プレースホルダー 2"/>
-          <p:cNvSpPr>
-            <a:spLocks noGrp="1"/>
-          </p:cNvSpPr>
+            <a:endParaRPr kumimoji="1" lang="ja-JP" altLang="en-US"/>
+          </a:p>
+        </p:txBody>
+      </p:sp>
+      <p:pic>
+        <p:nvPicPr>
+          <p:cNvPr id="4" name="コンテンツ プレースホルダー 3"/>
+          <p:cNvPicPr>
+            <a:picLocks noGrp="1" noChangeAspect="1"/>
+          </p:cNvPicPr>
           <p:nvPr>
             <p:ph idx="1"/>
           </p:nvPr>
-        </p:nvSpPr>
-        <p:spPr/>
-        <p:txBody>
-          <a:bodyPr/>
-          <a:lstStyle/>
-          <a:p>
-            <a:endParaRPr kumimoji="1" lang="ja-JP" altLang="en-US"/>
-          </a:p>
-        </p:txBody>
-      </p:sp>
+        </p:nvPicPr>
+        <p:blipFill>
+          <a:blip r:embed="rId2" cstate="print">
+            <a:extLst>
+              <a:ext uri="{28A0092B-C50C-407E-A947-70E740481C1C}">
+                <a14:useLocalDpi xmlns:a14="http://schemas.microsoft.com/office/drawing/2010/main" val="0"/>
+              </a:ext>
+            </a:extLst>
+          </a:blip>
+          <a:stretch>
+            <a:fillRect/>
+          </a:stretch>
+        </p:blipFill>
+        <p:spPr>
+          <a:xfrm>
+            <a:off x="2393172" y="-3152665"/>
+            <a:ext cx="6470609" cy="9152782"/>
+          </a:xfrm>
+        </p:spPr>
+      </p:pic>
     </p:spTree>
     <p:extLst>
       <p:ext uri="{BB962C8B-B14F-4D97-AF65-F5344CB8AC3E}">
-        <p14:creationId xmlns:p14="http://schemas.microsoft.com/office/powerpoint/2010/main" val="1078632650"/>
+        <p14:creationId xmlns:p14="http://schemas.microsoft.com/office/powerpoint/2010/main" val="1812943007"/>
       </p:ext>
     </p:extLst>
   </p:cSld>
@@ -4718,7 +5970,7 @@
           <a:p>
             <a:r>
               <a:rPr kumimoji="1" lang="en-US" altLang="ja-JP" dirty="0" smtClean="0"/>
-              <a:t>Edge connection matrix of 3-regular graph</a:t>
+              <a:t>Mutation of polygon/dual polygon</a:t>
             </a:r>
             <a:endParaRPr kumimoji="1" lang="ja-JP" altLang="en-US" dirty="0"/>
           </a:p>
@@ -4739,18 +5991,14 @@
           <a:bodyPr/>
           <a:lstStyle/>
           <a:p>
-            <a:r>
-              <a:rPr kumimoji="1" lang="en-US" altLang="ja-JP" dirty="0" smtClean="0"/>
-              <a:t>Sum of two permutation matrices</a:t>
-            </a:r>
-            <a:endParaRPr kumimoji="1" lang="ja-JP" altLang="en-US" dirty="0"/>
+            <a:endParaRPr kumimoji="1" lang="ja-JP" altLang="en-US"/>
           </a:p>
         </p:txBody>
       </p:sp>
     </p:spTree>
     <p:extLst>
       <p:ext uri="{BB962C8B-B14F-4D97-AF65-F5344CB8AC3E}">
-        <p14:creationId xmlns:p14="http://schemas.microsoft.com/office/powerpoint/2010/main" val="4104105056"/>
+        <p14:creationId xmlns:p14="http://schemas.microsoft.com/office/powerpoint/2010/main" val="1944628863"/>
       </p:ext>
     </p:extLst>
   </p:cSld>
@@ -4793,16 +6041,8 @@
           <a:lstStyle/>
           <a:p>
             <a:r>
-              <a:rPr lang="en-US" altLang="ja-JP" dirty="0" smtClean="0"/>
-              <a:t>“Straight path</a:t>
-            </a:r>
-            <a:r>
-              <a:rPr lang="en-US" altLang="ja-JP" dirty="0" smtClean="0"/>
-              <a:t>”</a:t>
-            </a:r>
-            <a:r>
-              <a:rPr lang="en-US" altLang="ja-JP" dirty="0" smtClean="0"/>
-              <a:t> of 3-regular graph</a:t>
+              <a:rPr kumimoji="1" lang="en-US" altLang="ja-JP" dirty="0" smtClean="0"/>
+              <a:t>Enumeration of triangular mesh</a:t>
             </a:r>
             <a:endParaRPr kumimoji="1" lang="ja-JP" altLang="en-US" dirty="0"/>
           </a:p>
@@ -4830,7 +6070,7 @@
     </p:spTree>
     <p:extLst>
       <p:ext uri="{BB962C8B-B14F-4D97-AF65-F5344CB8AC3E}">
-        <p14:creationId xmlns:p14="http://schemas.microsoft.com/office/powerpoint/2010/main" val="326939466"/>
+        <p14:creationId xmlns:p14="http://schemas.microsoft.com/office/powerpoint/2010/main" val="526203833"/>
       </p:ext>
     </p:extLst>
   </p:cSld>
@@ -4872,11 +6112,7 @@
           <a:bodyPr/>
           <a:lstStyle/>
           <a:p>
-            <a:r>
-              <a:rPr kumimoji="1" lang="en-US" altLang="ja-JP" dirty="0" smtClean="0"/>
-              <a:t>“Straight paths” of 3-regular graph </a:t>
-            </a:r>
-            <a:endParaRPr kumimoji="1" lang="ja-JP" altLang="en-US" dirty="0"/>
+            <a:endParaRPr kumimoji="1" lang="ja-JP" altLang="en-US"/>
           </a:p>
         </p:txBody>
       </p:sp>
@@ -4895,18 +6131,14 @@
           <a:bodyPr/>
           <a:lstStyle/>
           <a:p>
-            <a:r>
-              <a:rPr kumimoji="1" lang="en-US" altLang="ja-JP" dirty="0" smtClean="0"/>
-              <a:t>Cycles</a:t>
-            </a:r>
-            <a:endParaRPr kumimoji="1" lang="ja-JP" altLang="en-US" dirty="0"/>
+            <a:endParaRPr kumimoji="1" lang="ja-JP" altLang="en-US"/>
           </a:p>
         </p:txBody>
       </p:sp>
     </p:spTree>
     <p:extLst>
       <p:ext uri="{BB962C8B-B14F-4D97-AF65-F5344CB8AC3E}">
-        <p14:creationId xmlns:p14="http://schemas.microsoft.com/office/powerpoint/2010/main" val="603586967"/>
+        <p14:creationId xmlns:p14="http://schemas.microsoft.com/office/powerpoint/2010/main" val="2510536377"/>
       </p:ext>
     </p:extLst>
   </p:cSld>
@@ -4972,10 +6204,104 @@
           <a:lstStyle/>
           <a:p>
             <a:r>
-              <a:rPr kumimoji="1" lang="ja-JP" altLang="en-US" dirty="0" smtClean="0"/>
-              <a:t>清末先生</a:t>
+              <a:rPr lang="en-US" altLang="ja-JP" dirty="0">
+                <a:hlinkClick r:id="rId2"/>
+              </a:rPr>
+              <a:t>https://</a:t>
+            </a:r>
+            <a:r>
+              <a:rPr lang="en-US" altLang="ja-JP" dirty="0" smtClean="0">
+                <a:hlinkClick r:id="rId2"/>
+              </a:rPr>
+              <a:t>science.sciencemag.org/content/360/6386/eaaq1392#media-9</a:t>
+            </a:r>
+            <a:r>
+              <a:rPr lang="ja-JP" altLang="en-US" dirty="0" smtClean="0"/>
+              <a:t>　</a:t>
+            </a:r>
+            <a:endParaRPr lang="en-US" altLang="ja-JP" dirty="0" smtClean="0"/>
+          </a:p>
+          <a:p>
+            <a:r>
+              <a:rPr kumimoji="1" lang="en-US" altLang="ja-JP" dirty="0" smtClean="0"/>
+              <a:t>Movie 9</a:t>
             </a:r>
             <a:endParaRPr kumimoji="1" lang="ja-JP" altLang="en-US" dirty="0"/>
+          </a:p>
+        </p:txBody>
+      </p:sp>
+      <p:sp>
+        <p:nvSpPr>
+          <p:cNvPr id="4" name="正方形/長方形 3"/>
+          <p:cNvSpPr/>
+          <p:nvPr/>
+        </p:nvSpPr>
+        <p:spPr>
+          <a:xfrm>
+            <a:off x="8249265" y="5715298"/>
+            <a:ext cx="3942735" cy="923330"/>
+          </a:xfrm>
+          <a:prstGeom prst="rect">
+            <a:avLst/>
+          </a:prstGeom>
+        </p:spPr>
+        <p:txBody>
+          <a:bodyPr wrap="square">
+            <a:spAutoFit/>
+          </a:bodyPr>
+          <a:lstStyle/>
+          <a:p>
+            <a:r>
+              <a:rPr lang="en-US" altLang="ja-JP" i="1" dirty="0">
+                <a:solidFill>
+                  <a:srgbClr val="666666"/>
+                </a:solidFill>
+                <a:latin typeface="Roboto"/>
+              </a:rPr>
+              <a:t>Science </a:t>
+            </a:r>
+            <a:r>
+              <a:rPr lang="en-US" altLang="ja-JP" dirty="0">
+                <a:solidFill>
+                  <a:srgbClr val="666666"/>
+                </a:solidFill>
+                <a:latin typeface="Roboto"/>
+              </a:rPr>
+              <a:t> 20 Apr 2018:</a:t>
+            </a:r>
+            <a:r>
+              <a:rPr lang="en-US" altLang="ja-JP" dirty="0"/>
+              <a:t/>
+            </a:r>
+            <a:br>
+              <a:rPr lang="en-US" altLang="ja-JP" dirty="0"/>
+            </a:br>
+            <a:r>
+              <a:rPr lang="en-US" altLang="ja-JP" dirty="0">
+                <a:solidFill>
+                  <a:srgbClr val="666666"/>
+                </a:solidFill>
+                <a:latin typeface="Roboto"/>
+              </a:rPr>
+              <a:t>Vol. 360, Issue 6386, eaaq1392</a:t>
+            </a:r>
+            <a:r>
+              <a:rPr lang="en-US" altLang="ja-JP" dirty="0"/>
+              <a:t/>
+            </a:r>
+            <a:br>
+              <a:rPr lang="en-US" altLang="ja-JP" dirty="0"/>
+            </a:br>
+            <a:r>
+              <a:rPr lang="en-US" altLang="ja-JP" dirty="0">
+                <a:solidFill>
+                  <a:srgbClr val="666666"/>
+                </a:solidFill>
+                <a:latin typeface="Roboto"/>
+              </a:rPr>
+              <a:t>DOI: 10.1126/science.aaq1392</a:t>
+            </a:r>
+            <a:endParaRPr lang="ja-JP" altLang="en-US" dirty="0"/>
           </a:p>
         </p:txBody>
       </p:sp>
@@ -5025,8 +6351,8 @@
           <a:lstStyle/>
           <a:p>
             <a:r>
-              <a:rPr lang="en-US" altLang="ja-JP" dirty="0" smtClean="0"/>
-              <a:t>A set of cycles</a:t>
+              <a:rPr kumimoji="1" lang="en-US" altLang="ja-JP" dirty="0" smtClean="0"/>
+              <a:t>Cycles and Ihara’s zeta function</a:t>
             </a:r>
             <a:endParaRPr kumimoji="1" lang="ja-JP" altLang="en-US" dirty="0"/>
           </a:p>
@@ -5054,7 +6380,7 @@
     </p:spTree>
     <p:extLst>
       <p:ext uri="{BB962C8B-B14F-4D97-AF65-F5344CB8AC3E}">
-        <p14:creationId xmlns:p14="http://schemas.microsoft.com/office/powerpoint/2010/main" val="3755802631"/>
+        <p14:creationId xmlns:p14="http://schemas.microsoft.com/office/powerpoint/2010/main" val="3157674134"/>
       </p:ext>
     </p:extLst>
   </p:cSld>
@@ -5119,10 +6445,34 @@
           </a:p>
         </p:txBody>
       </p:sp>
+      <p:pic>
+        <p:nvPicPr>
+          <p:cNvPr id="4" name="図 3"/>
+          <p:cNvPicPr>
+            <a:picLocks noChangeAspect="1"/>
+          </p:cNvPicPr>
+          <p:nvPr/>
+        </p:nvPicPr>
+        <p:blipFill>
+          <a:blip r:embed="rId2"/>
+          <a:stretch>
+            <a:fillRect/>
+          </a:stretch>
+        </p:blipFill>
+        <p:spPr>
+          <a:xfrm>
+            <a:off x="2495550" y="914400"/>
+            <a:ext cx="7200900" cy="5029200"/>
+          </a:xfrm>
+          <a:prstGeom prst="rect">
+            <a:avLst/>
+          </a:prstGeom>
+        </p:spPr>
+      </p:pic>
     </p:spTree>
     <p:extLst>
       <p:ext uri="{BB962C8B-B14F-4D97-AF65-F5344CB8AC3E}">
-        <p14:creationId xmlns:p14="http://schemas.microsoft.com/office/powerpoint/2010/main" val="181224831"/>
+        <p14:creationId xmlns:p14="http://schemas.microsoft.com/office/powerpoint/2010/main" val="3806928543"/>
       </p:ext>
     </p:extLst>
   </p:cSld>
@@ -5164,31 +6514,7 @@
           <a:bodyPr/>
           <a:lstStyle/>
           <a:p>
-            <a:r>
-              <a:rPr kumimoji="1" lang="en-US" altLang="ja-JP" dirty="0" smtClean="0"/>
-              <a:t>Shape(</a:t>
-            </a:r>
-            <a:r>
-              <a:rPr kumimoji="1" lang="ja-JP" altLang="en-US" dirty="0" smtClean="0"/>
-              <a:t>凹凸</a:t>
-            </a:r>
-            <a:r>
-              <a:rPr kumimoji="1" lang="en-US" altLang="ja-JP" dirty="0" smtClean="0"/>
-              <a:t>), Curved surface(</a:t>
-            </a:r>
-            <a:r>
-              <a:rPr kumimoji="1" lang="ja-JP" altLang="en-US" dirty="0" smtClean="0"/>
-              <a:t>凹凸ナシ、</a:t>
-            </a:r>
-            <a:r>
-              <a:rPr lang="ja-JP" altLang="en-US" dirty="0" smtClean="0"/>
-              <a:t>伸び縮みのみ</a:t>
-            </a:r>
-            <a:r>
-              <a:rPr lang="en-US" altLang="ja-JP" dirty="0" smtClean="0"/>
-              <a:t>)</a:t>
-            </a:r>
-            <a:endParaRPr kumimoji="1" lang="ja-JP" altLang="en-US" dirty="0"/>
+            <a:endParaRPr kumimoji="1" lang="ja-JP" altLang="en-US"/>
           </a:p>
         </p:txBody>
       </p:sp>
@@ -5211,10 +6537,582 @@
           </a:p>
         </p:txBody>
       </p:sp>
+      <p:pic>
+        <p:nvPicPr>
+          <p:cNvPr id="4" name="図 3"/>
+          <p:cNvPicPr>
+            <a:picLocks noChangeAspect="1"/>
+          </p:cNvPicPr>
+          <p:nvPr/>
+        </p:nvPicPr>
+        <p:blipFill>
+          <a:blip r:embed="rId2"/>
+          <a:stretch>
+            <a:fillRect/>
+          </a:stretch>
+        </p:blipFill>
+        <p:spPr>
+          <a:xfrm>
+            <a:off x="2357437" y="838200"/>
+            <a:ext cx="7477125" cy="5181600"/>
+          </a:xfrm>
+          <a:prstGeom prst="rect">
+            <a:avLst/>
+          </a:prstGeom>
+        </p:spPr>
+      </p:pic>
     </p:spTree>
     <p:extLst>
       <p:ext uri="{BB962C8B-B14F-4D97-AF65-F5344CB8AC3E}">
-        <p14:creationId xmlns:p14="http://schemas.microsoft.com/office/powerpoint/2010/main" val="900056938"/>
+        <p14:creationId xmlns:p14="http://schemas.microsoft.com/office/powerpoint/2010/main" val="2879068475"/>
+      </p:ext>
+    </p:extLst>
+  </p:cSld>
+  <p:clrMapOvr>
+    <a:masterClrMapping/>
+  </p:clrMapOvr>
+</p:sld>
+</file>
+
+<file path=ppt/slides/slide33.xml><?xml version="1.0" encoding="utf-8"?>
+<p:sld xmlns:a="http://schemas.openxmlformats.org/drawingml/2006/main" xmlns:r="http://schemas.openxmlformats.org/officeDocument/2006/relationships" xmlns:p="http://schemas.openxmlformats.org/presentationml/2006/main">
+  <p:cSld>
+    <p:spTree>
+      <p:nvGrpSpPr>
+        <p:cNvPr id="1" name=""/>
+        <p:cNvGrpSpPr/>
+        <p:nvPr/>
+      </p:nvGrpSpPr>
+      <p:grpSpPr>
+        <a:xfrm>
+          <a:off x="0" y="0"/>
+          <a:ext cx="0" cy="0"/>
+          <a:chOff x="0" y="0"/>
+          <a:chExt cx="0" cy="0"/>
+        </a:xfrm>
+      </p:grpSpPr>
+      <p:sp>
+        <p:nvSpPr>
+          <p:cNvPr id="2" name="タイトル 1"/>
+          <p:cNvSpPr>
+            <a:spLocks noGrp="1"/>
+          </p:cNvSpPr>
+          <p:nvPr>
+            <p:ph type="title"/>
+          </p:nvPr>
+        </p:nvSpPr>
+        <p:spPr/>
+        <p:txBody>
+          <a:bodyPr/>
+          <a:lstStyle/>
+          <a:p>
+            <a:endParaRPr kumimoji="1" lang="ja-JP" altLang="en-US"/>
+          </a:p>
+        </p:txBody>
+      </p:sp>
+      <p:sp>
+        <p:nvSpPr>
+          <p:cNvPr id="3" name="コンテンツ プレースホルダー 2"/>
+          <p:cNvSpPr>
+            <a:spLocks noGrp="1"/>
+          </p:cNvSpPr>
+          <p:nvPr>
+            <p:ph idx="1"/>
+          </p:nvPr>
+        </p:nvSpPr>
+        <p:spPr/>
+        <p:txBody>
+          <a:bodyPr/>
+          <a:lstStyle/>
+          <a:p>
+            <a:endParaRPr kumimoji="1" lang="ja-JP" altLang="en-US"/>
+          </a:p>
+        </p:txBody>
+      </p:sp>
+      <p:pic>
+        <p:nvPicPr>
+          <p:cNvPr id="4" name="図 3"/>
+          <p:cNvPicPr>
+            <a:picLocks noChangeAspect="1"/>
+          </p:cNvPicPr>
+          <p:nvPr/>
+        </p:nvPicPr>
+        <p:blipFill>
+          <a:blip r:embed="rId2"/>
+          <a:stretch>
+            <a:fillRect/>
+          </a:stretch>
+        </p:blipFill>
+        <p:spPr>
+          <a:xfrm>
+            <a:off x="2586037" y="890587"/>
+            <a:ext cx="7019925" cy="5076825"/>
+          </a:xfrm>
+          <a:prstGeom prst="rect">
+            <a:avLst/>
+          </a:prstGeom>
+        </p:spPr>
+      </p:pic>
+    </p:spTree>
+    <p:extLst>
+      <p:ext uri="{BB962C8B-B14F-4D97-AF65-F5344CB8AC3E}">
+        <p14:creationId xmlns:p14="http://schemas.microsoft.com/office/powerpoint/2010/main" val="1572332538"/>
+      </p:ext>
+    </p:extLst>
+  </p:cSld>
+  <p:clrMapOvr>
+    <a:masterClrMapping/>
+  </p:clrMapOvr>
+</p:sld>
+</file>
+
+<file path=ppt/slides/slide34.xml><?xml version="1.0" encoding="utf-8"?>
+<p:sld xmlns:a="http://schemas.openxmlformats.org/drawingml/2006/main" xmlns:r="http://schemas.openxmlformats.org/officeDocument/2006/relationships" xmlns:p="http://schemas.openxmlformats.org/presentationml/2006/main">
+  <p:cSld>
+    <p:spTree>
+      <p:nvGrpSpPr>
+        <p:cNvPr id="1" name=""/>
+        <p:cNvGrpSpPr/>
+        <p:nvPr/>
+      </p:nvGrpSpPr>
+      <p:grpSpPr>
+        <a:xfrm>
+          <a:off x="0" y="0"/>
+          <a:ext cx="0" cy="0"/>
+          <a:chOff x="0" y="0"/>
+          <a:chExt cx="0" cy="0"/>
+        </a:xfrm>
+      </p:grpSpPr>
+      <p:sp>
+        <p:nvSpPr>
+          <p:cNvPr id="2" name="タイトル 1"/>
+          <p:cNvSpPr>
+            <a:spLocks noGrp="1"/>
+          </p:cNvSpPr>
+          <p:nvPr>
+            <p:ph type="title"/>
+          </p:nvPr>
+        </p:nvSpPr>
+        <p:spPr/>
+        <p:txBody>
+          <a:bodyPr/>
+          <a:lstStyle/>
+          <a:p>
+            <a:endParaRPr kumimoji="1" lang="ja-JP" altLang="en-US"/>
+          </a:p>
+        </p:txBody>
+      </p:sp>
+      <p:sp>
+        <p:nvSpPr>
+          <p:cNvPr id="3" name="コンテンツ プレースホルダー 2"/>
+          <p:cNvSpPr>
+            <a:spLocks noGrp="1"/>
+          </p:cNvSpPr>
+          <p:nvPr>
+            <p:ph idx="1"/>
+          </p:nvPr>
+        </p:nvSpPr>
+        <p:spPr/>
+        <p:txBody>
+          <a:bodyPr/>
+          <a:lstStyle/>
+          <a:p>
+            <a:endParaRPr kumimoji="1" lang="ja-JP" altLang="en-US"/>
+          </a:p>
+        </p:txBody>
+      </p:sp>
+      <p:pic>
+        <p:nvPicPr>
+          <p:cNvPr id="4" name="図 3"/>
+          <p:cNvPicPr>
+            <a:picLocks noChangeAspect="1"/>
+          </p:cNvPicPr>
+          <p:nvPr/>
+        </p:nvPicPr>
+        <p:blipFill>
+          <a:blip r:embed="rId2"/>
+          <a:stretch>
+            <a:fillRect/>
+          </a:stretch>
+        </p:blipFill>
+        <p:spPr>
+          <a:xfrm>
+            <a:off x="2481262" y="352425"/>
+            <a:ext cx="7229475" cy="6153150"/>
+          </a:xfrm>
+          <a:prstGeom prst="rect">
+            <a:avLst/>
+          </a:prstGeom>
+        </p:spPr>
+      </p:pic>
+    </p:spTree>
+    <p:extLst>
+      <p:ext uri="{BB962C8B-B14F-4D97-AF65-F5344CB8AC3E}">
+        <p14:creationId xmlns:p14="http://schemas.microsoft.com/office/powerpoint/2010/main" val="3517855255"/>
+      </p:ext>
+    </p:extLst>
+  </p:cSld>
+  <p:clrMapOvr>
+    <a:masterClrMapping/>
+  </p:clrMapOvr>
+</p:sld>
+</file>
+
+<file path=ppt/slides/slide35.xml><?xml version="1.0" encoding="utf-8"?>
+<p:sld xmlns:a="http://schemas.openxmlformats.org/drawingml/2006/main" xmlns:r="http://schemas.openxmlformats.org/officeDocument/2006/relationships" xmlns:p="http://schemas.openxmlformats.org/presentationml/2006/main">
+  <p:cSld>
+    <p:spTree>
+      <p:nvGrpSpPr>
+        <p:cNvPr id="1" name=""/>
+        <p:cNvGrpSpPr/>
+        <p:nvPr/>
+      </p:nvGrpSpPr>
+      <p:grpSpPr>
+        <a:xfrm>
+          <a:off x="0" y="0"/>
+          <a:ext cx="0" cy="0"/>
+          <a:chOff x="0" y="0"/>
+          <a:chExt cx="0" cy="0"/>
+        </a:xfrm>
+      </p:grpSpPr>
+      <p:sp>
+        <p:nvSpPr>
+          <p:cNvPr id="2" name="タイトル 1"/>
+          <p:cNvSpPr>
+            <a:spLocks noGrp="1"/>
+          </p:cNvSpPr>
+          <p:nvPr>
+            <p:ph type="title"/>
+          </p:nvPr>
+        </p:nvSpPr>
+        <p:spPr/>
+        <p:txBody>
+          <a:bodyPr/>
+          <a:lstStyle/>
+          <a:p>
+            <a:r>
+              <a:rPr kumimoji="1" lang="en-US" altLang="ja-JP" dirty="0" smtClean="0"/>
+              <a:t>Edge-connection matrix</a:t>
+            </a:r>
+            <a:endParaRPr kumimoji="1" lang="ja-JP" altLang="en-US" dirty="0"/>
+          </a:p>
+        </p:txBody>
+      </p:sp>
+      <p:sp>
+        <p:nvSpPr>
+          <p:cNvPr id="3" name="コンテンツ プレースホルダー 2"/>
+          <p:cNvSpPr>
+            <a:spLocks noGrp="1"/>
+          </p:cNvSpPr>
+          <p:nvPr>
+            <p:ph idx="1"/>
+          </p:nvPr>
+        </p:nvSpPr>
+        <p:spPr/>
+        <p:txBody>
+          <a:bodyPr/>
+          <a:lstStyle/>
+          <a:p>
+            <a:endParaRPr kumimoji="1" lang="ja-JP" altLang="en-US"/>
+          </a:p>
+        </p:txBody>
+      </p:sp>
+    </p:spTree>
+    <p:extLst>
+      <p:ext uri="{BB962C8B-B14F-4D97-AF65-F5344CB8AC3E}">
+        <p14:creationId xmlns:p14="http://schemas.microsoft.com/office/powerpoint/2010/main" val="3906608018"/>
+      </p:ext>
+    </p:extLst>
+  </p:cSld>
+  <p:clrMapOvr>
+    <a:masterClrMapping/>
+  </p:clrMapOvr>
+</p:sld>
+</file>
+
+<file path=ppt/slides/slide36.xml><?xml version="1.0" encoding="utf-8"?>
+<p:sld xmlns:a="http://schemas.openxmlformats.org/drawingml/2006/main" xmlns:r="http://schemas.openxmlformats.org/officeDocument/2006/relationships" xmlns:p="http://schemas.openxmlformats.org/presentationml/2006/main">
+  <p:cSld>
+    <p:spTree>
+      <p:nvGrpSpPr>
+        <p:cNvPr id="1" name=""/>
+        <p:cNvGrpSpPr/>
+        <p:nvPr/>
+      </p:nvGrpSpPr>
+      <p:grpSpPr>
+        <a:xfrm>
+          <a:off x="0" y="0"/>
+          <a:ext cx="0" cy="0"/>
+          <a:chOff x="0" y="0"/>
+          <a:chExt cx="0" cy="0"/>
+        </a:xfrm>
+      </p:grpSpPr>
+      <p:sp>
+        <p:nvSpPr>
+          <p:cNvPr id="2" name="タイトル 1"/>
+          <p:cNvSpPr>
+            <a:spLocks noGrp="1"/>
+          </p:cNvSpPr>
+          <p:nvPr>
+            <p:ph type="title"/>
+          </p:nvPr>
+        </p:nvSpPr>
+        <p:spPr/>
+        <p:txBody>
+          <a:bodyPr/>
+          <a:lstStyle/>
+          <a:p>
+            <a:r>
+              <a:rPr kumimoji="1" lang="en-US" altLang="ja-JP" dirty="0" smtClean="0"/>
+              <a:t>Regular graph</a:t>
+            </a:r>
+            <a:endParaRPr kumimoji="1" lang="ja-JP" altLang="en-US" dirty="0"/>
+          </a:p>
+        </p:txBody>
+      </p:sp>
+      <p:sp>
+        <p:nvSpPr>
+          <p:cNvPr id="3" name="コンテンツ プレースホルダー 2"/>
+          <p:cNvSpPr>
+            <a:spLocks noGrp="1"/>
+          </p:cNvSpPr>
+          <p:nvPr>
+            <p:ph idx="1"/>
+          </p:nvPr>
+        </p:nvSpPr>
+        <p:spPr/>
+        <p:txBody>
+          <a:bodyPr/>
+          <a:lstStyle/>
+          <a:p>
+            <a:endParaRPr kumimoji="1" lang="ja-JP" altLang="en-US"/>
+          </a:p>
+        </p:txBody>
+      </p:sp>
+    </p:spTree>
+    <p:extLst>
+      <p:ext uri="{BB962C8B-B14F-4D97-AF65-F5344CB8AC3E}">
+        <p14:creationId xmlns:p14="http://schemas.microsoft.com/office/powerpoint/2010/main" val="42199349"/>
+      </p:ext>
+    </p:extLst>
+  </p:cSld>
+  <p:clrMapOvr>
+    <a:masterClrMapping/>
+  </p:clrMapOvr>
+</p:sld>
+</file>
+
+<file path=ppt/slides/slide37.xml><?xml version="1.0" encoding="utf-8"?>
+<p:sld xmlns:a="http://schemas.openxmlformats.org/drawingml/2006/main" xmlns:r="http://schemas.openxmlformats.org/officeDocument/2006/relationships" xmlns:p="http://schemas.openxmlformats.org/presentationml/2006/main">
+  <p:cSld>
+    <p:spTree>
+      <p:nvGrpSpPr>
+        <p:cNvPr id="1" name=""/>
+        <p:cNvGrpSpPr/>
+        <p:nvPr/>
+      </p:nvGrpSpPr>
+      <p:grpSpPr>
+        <a:xfrm>
+          <a:off x="0" y="0"/>
+          <a:ext cx="0" cy="0"/>
+          <a:chOff x="0" y="0"/>
+          <a:chExt cx="0" cy="0"/>
+        </a:xfrm>
+      </p:grpSpPr>
+      <p:sp>
+        <p:nvSpPr>
+          <p:cNvPr id="2" name="タイトル 1"/>
+          <p:cNvSpPr>
+            <a:spLocks noGrp="1"/>
+          </p:cNvSpPr>
+          <p:nvPr>
+            <p:ph type="title"/>
+          </p:nvPr>
+        </p:nvSpPr>
+        <p:spPr/>
+        <p:txBody>
+          <a:bodyPr/>
+          <a:lstStyle/>
+          <a:p>
+            <a:r>
+              <a:rPr kumimoji="1" lang="en-US" altLang="ja-JP" dirty="0" smtClean="0"/>
+              <a:t>3-regular graph</a:t>
+            </a:r>
+            <a:endParaRPr kumimoji="1" lang="ja-JP" altLang="en-US" dirty="0"/>
+          </a:p>
+        </p:txBody>
+      </p:sp>
+      <p:sp>
+        <p:nvSpPr>
+          <p:cNvPr id="3" name="コンテンツ プレースホルダー 2"/>
+          <p:cNvSpPr>
+            <a:spLocks noGrp="1"/>
+          </p:cNvSpPr>
+          <p:nvPr>
+            <p:ph idx="1"/>
+          </p:nvPr>
+        </p:nvSpPr>
+        <p:spPr/>
+        <p:txBody>
+          <a:bodyPr/>
+          <a:lstStyle/>
+          <a:p>
+            <a:endParaRPr kumimoji="1" lang="ja-JP" altLang="en-US"/>
+          </a:p>
+        </p:txBody>
+      </p:sp>
+    </p:spTree>
+    <p:extLst>
+      <p:ext uri="{BB962C8B-B14F-4D97-AF65-F5344CB8AC3E}">
+        <p14:creationId xmlns:p14="http://schemas.microsoft.com/office/powerpoint/2010/main" val="1078632650"/>
+      </p:ext>
+    </p:extLst>
+  </p:cSld>
+  <p:clrMapOvr>
+    <a:masterClrMapping/>
+  </p:clrMapOvr>
+</p:sld>
+</file>
+
+<file path=ppt/slides/slide38.xml><?xml version="1.0" encoding="utf-8"?>
+<p:sld xmlns:a="http://schemas.openxmlformats.org/drawingml/2006/main" xmlns:r="http://schemas.openxmlformats.org/officeDocument/2006/relationships" xmlns:p="http://schemas.openxmlformats.org/presentationml/2006/main">
+  <p:cSld>
+    <p:spTree>
+      <p:nvGrpSpPr>
+        <p:cNvPr id="1" name=""/>
+        <p:cNvGrpSpPr/>
+        <p:nvPr/>
+      </p:nvGrpSpPr>
+      <p:grpSpPr>
+        <a:xfrm>
+          <a:off x="0" y="0"/>
+          <a:ext cx="0" cy="0"/>
+          <a:chOff x="0" y="0"/>
+          <a:chExt cx="0" cy="0"/>
+        </a:xfrm>
+      </p:grpSpPr>
+      <p:sp>
+        <p:nvSpPr>
+          <p:cNvPr id="2" name="タイトル 1"/>
+          <p:cNvSpPr>
+            <a:spLocks noGrp="1"/>
+          </p:cNvSpPr>
+          <p:nvPr>
+            <p:ph type="title"/>
+          </p:nvPr>
+        </p:nvSpPr>
+        <p:spPr/>
+        <p:txBody>
+          <a:bodyPr/>
+          <a:lstStyle/>
+          <a:p>
+            <a:r>
+              <a:rPr kumimoji="1" lang="en-US" altLang="ja-JP" dirty="0" smtClean="0"/>
+              <a:t>Edge connection matrix of 3-regular graph</a:t>
+            </a:r>
+            <a:endParaRPr kumimoji="1" lang="ja-JP" altLang="en-US" dirty="0"/>
+          </a:p>
+        </p:txBody>
+      </p:sp>
+      <p:sp>
+        <p:nvSpPr>
+          <p:cNvPr id="3" name="コンテンツ プレースホルダー 2"/>
+          <p:cNvSpPr>
+            <a:spLocks noGrp="1"/>
+          </p:cNvSpPr>
+          <p:nvPr>
+            <p:ph idx="1"/>
+          </p:nvPr>
+        </p:nvSpPr>
+        <p:spPr/>
+        <p:txBody>
+          <a:bodyPr/>
+          <a:lstStyle/>
+          <a:p>
+            <a:r>
+              <a:rPr kumimoji="1" lang="en-US" altLang="ja-JP" dirty="0" smtClean="0"/>
+              <a:t>Sum of two permutation matrices</a:t>
+            </a:r>
+            <a:endParaRPr kumimoji="1" lang="ja-JP" altLang="en-US" dirty="0"/>
+          </a:p>
+        </p:txBody>
+      </p:sp>
+    </p:spTree>
+    <p:extLst>
+      <p:ext uri="{BB962C8B-B14F-4D97-AF65-F5344CB8AC3E}">
+        <p14:creationId xmlns:p14="http://schemas.microsoft.com/office/powerpoint/2010/main" val="4104105056"/>
+      </p:ext>
+    </p:extLst>
+  </p:cSld>
+  <p:clrMapOvr>
+    <a:masterClrMapping/>
+  </p:clrMapOvr>
+</p:sld>
+</file>
+
+<file path=ppt/slides/slide39.xml><?xml version="1.0" encoding="utf-8"?>
+<p:sld xmlns:a="http://schemas.openxmlformats.org/drawingml/2006/main" xmlns:r="http://schemas.openxmlformats.org/officeDocument/2006/relationships" xmlns:p="http://schemas.openxmlformats.org/presentationml/2006/main">
+  <p:cSld>
+    <p:spTree>
+      <p:nvGrpSpPr>
+        <p:cNvPr id="1" name=""/>
+        <p:cNvGrpSpPr/>
+        <p:nvPr/>
+      </p:nvGrpSpPr>
+      <p:grpSpPr>
+        <a:xfrm>
+          <a:off x="0" y="0"/>
+          <a:ext cx="0" cy="0"/>
+          <a:chOff x="0" y="0"/>
+          <a:chExt cx="0" cy="0"/>
+        </a:xfrm>
+      </p:grpSpPr>
+      <p:sp>
+        <p:nvSpPr>
+          <p:cNvPr id="2" name="タイトル 1"/>
+          <p:cNvSpPr>
+            <a:spLocks noGrp="1"/>
+          </p:cNvSpPr>
+          <p:nvPr>
+            <p:ph type="title"/>
+          </p:nvPr>
+        </p:nvSpPr>
+        <p:spPr/>
+        <p:txBody>
+          <a:bodyPr/>
+          <a:lstStyle/>
+          <a:p>
+            <a:r>
+              <a:rPr lang="en-US" altLang="ja-JP" dirty="0" smtClean="0"/>
+              <a:t>“Straight path” of 3-regular graph</a:t>
+            </a:r>
+            <a:endParaRPr kumimoji="1" lang="ja-JP" altLang="en-US" dirty="0"/>
+          </a:p>
+        </p:txBody>
+      </p:sp>
+      <p:sp>
+        <p:nvSpPr>
+          <p:cNvPr id="3" name="コンテンツ プレースホルダー 2"/>
+          <p:cNvSpPr>
+            <a:spLocks noGrp="1"/>
+          </p:cNvSpPr>
+          <p:nvPr>
+            <p:ph idx="1"/>
+          </p:nvPr>
+        </p:nvSpPr>
+        <p:spPr/>
+        <p:txBody>
+          <a:bodyPr/>
+          <a:lstStyle/>
+          <a:p>
+            <a:endParaRPr kumimoji="1" lang="ja-JP" altLang="en-US"/>
+          </a:p>
+        </p:txBody>
+      </p:sp>
+    </p:spTree>
+    <p:extLst>
+      <p:ext uri="{BB962C8B-B14F-4D97-AF65-F5344CB8AC3E}">
+        <p14:creationId xmlns:p14="http://schemas.microsoft.com/office/powerpoint/2010/main" val="326939466"/>
       </p:ext>
     </p:extLst>
   </p:cSld>
@@ -5283,10 +7181,462 @@
           </a:p>
         </p:txBody>
       </p:sp>
+      <p:pic>
+        <p:nvPicPr>
+          <p:cNvPr id="2050" name="Picture 2" descr="ãcell membrane skeleton molecule meshãã®ç»åæ¤ç´¢çµæ"/>
+          <p:cNvPicPr>
+            <a:picLocks noChangeAspect="1" noChangeArrowheads="1"/>
+          </p:cNvPicPr>
+          <p:nvPr/>
+        </p:nvPicPr>
+        <p:blipFill>
+          <a:blip r:embed="rId2">
+            <a:extLst>
+              <a:ext uri="{28A0092B-C50C-407E-A947-70E740481C1C}">
+                <a14:useLocalDpi xmlns:a14="http://schemas.microsoft.com/office/drawing/2010/main" val="0"/>
+              </a:ext>
+            </a:extLst>
+          </a:blip>
+          <a:srcRect/>
+          <a:stretch>
+            <a:fillRect/>
+          </a:stretch>
+        </p:blipFill>
+        <p:spPr bwMode="auto">
+          <a:xfrm>
+            <a:off x="199820" y="1559975"/>
+            <a:ext cx="6076950" cy="4562476"/>
+          </a:xfrm>
+          <a:prstGeom prst="rect">
+            <a:avLst/>
+          </a:prstGeom>
+          <a:noFill/>
+          <a:extLst>
+            <a:ext uri="{909E8E84-426E-40DD-AFC4-6F175D3DCCD1}">
+              <a14:hiddenFill xmlns:a14="http://schemas.microsoft.com/office/drawing/2010/main">
+                <a:solidFill>
+                  <a:srgbClr val="FFFFFF"/>
+                </a:solidFill>
+              </a14:hiddenFill>
+            </a:ext>
+          </a:extLst>
+        </p:spPr>
+      </p:pic>
+      <p:sp>
+        <p:nvSpPr>
+          <p:cNvPr id="4" name="正方形/長方形 3"/>
+          <p:cNvSpPr/>
+          <p:nvPr/>
+        </p:nvSpPr>
+        <p:spPr>
+          <a:xfrm>
+            <a:off x="199820" y="6176963"/>
+            <a:ext cx="6096000" cy="646331"/>
+          </a:xfrm>
+          <a:prstGeom prst="rect">
+            <a:avLst/>
+          </a:prstGeom>
+        </p:spPr>
+        <p:txBody>
+          <a:bodyPr>
+            <a:spAutoFit/>
+          </a:bodyPr>
+          <a:lstStyle/>
+          <a:p>
+            <a:r>
+              <a:rPr lang="en-US" altLang="ja-JP" dirty="0">
+                <a:hlinkClick r:id="rId3"/>
+              </a:rPr>
+              <a:t>https://www.slideshare.net/E_neutron/biological-membranes-transport-related-questions</a:t>
+            </a:r>
+            <a:endParaRPr lang="ja-JP" altLang="en-US" dirty="0"/>
+          </a:p>
+        </p:txBody>
+      </p:sp>
+      <p:pic>
+        <p:nvPicPr>
+          <p:cNvPr id="2056" name="Picture 8" descr="https://upload.wikimedia.org/wikipedia/commons/thumb/3/34/Cytoskeleton_%28Elliptocytosis%29.png/1024px-Cytoskeleton_%28Elliptocytosis%29.png"/>
+          <p:cNvPicPr>
+            <a:picLocks noChangeAspect="1" noChangeArrowheads="1"/>
+          </p:cNvPicPr>
+          <p:nvPr/>
+        </p:nvPicPr>
+        <p:blipFill>
+          <a:blip r:embed="rId4">
+            <a:extLst>
+              <a:ext uri="{28A0092B-C50C-407E-A947-70E740481C1C}">
+                <a14:useLocalDpi xmlns:a14="http://schemas.microsoft.com/office/drawing/2010/main" val="0"/>
+              </a:ext>
+            </a:extLst>
+          </a:blip>
+          <a:srcRect/>
+          <a:stretch>
+            <a:fillRect/>
+          </a:stretch>
+        </p:blipFill>
+        <p:spPr bwMode="auto">
+          <a:xfrm>
+            <a:off x="6517045" y="3067228"/>
+            <a:ext cx="5266915" cy="3055223"/>
+          </a:xfrm>
+          <a:prstGeom prst="rect">
+            <a:avLst/>
+          </a:prstGeom>
+          <a:noFill/>
+          <a:extLst>
+            <a:ext uri="{909E8E84-426E-40DD-AFC4-6F175D3DCCD1}">
+              <a14:hiddenFill xmlns:a14="http://schemas.microsoft.com/office/drawing/2010/main">
+                <a:solidFill>
+                  <a:srgbClr val="FFFFFF"/>
+                </a:solidFill>
+              </a14:hiddenFill>
+            </a:ext>
+          </a:extLst>
+        </p:spPr>
+      </p:pic>
+      <p:sp>
+        <p:nvSpPr>
+          <p:cNvPr id="7" name="正方形/長方形 6"/>
+          <p:cNvSpPr/>
+          <p:nvPr/>
+        </p:nvSpPr>
+        <p:spPr>
+          <a:xfrm>
+            <a:off x="7129278" y="6176963"/>
+            <a:ext cx="4288353" cy="369332"/>
+          </a:xfrm>
+          <a:prstGeom prst="rect">
+            <a:avLst/>
+          </a:prstGeom>
+        </p:spPr>
+        <p:txBody>
+          <a:bodyPr wrap="none">
+            <a:spAutoFit/>
+          </a:bodyPr>
+          <a:lstStyle/>
+          <a:p>
+            <a:r>
+              <a:rPr lang="en-US" altLang="ja-JP" dirty="0">
+                <a:hlinkClick r:id="rId5"/>
+              </a:rPr>
+              <a:t>https://en.wikipedia.org/wiki/Spectrin</a:t>
+            </a:r>
+            <a:endParaRPr lang="ja-JP" altLang="en-US" dirty="0"/>
+          </a:p>
+        </p:txBody>
+      </p:sp>
     </p:spTree>
     <p:extLst>
       <p:ext uri="{BB962C8B-B14F-4D97-AF65-F5344CB8AC3E}">
         <p14:creationId xmlns:p14="http://schemas.microsoft.com/office/powerpoint/2010/main" val="3821622738"/>
+      </p:ext>
+    </p:extLst>
+  </p:cSld>
+  <p:clrMapOvr>
+    <a:masterClrMapping/>
+  </p:clrMapOvr>
+</p:sld>
+</file>
+
+<file path=ppt/slides/slide40.xml><?xml version="1.0" encoding="utf-8"?>
+<p:sld xmlns:a="http://schemas.openxmlformats.org/drawingml/2006/main" xmlns:r="http://schemas.openxmlformats.org/officeDocument/2006/relationships" xmlns:p="http://schemas.openxmlformats.org/presentationml/2006/main">
+  <p:cSld>
+    <p:spTree>
+      <p:nvGrpSpPr>
+        <p:cNvPr id="1" name=""/>
+        <p:cNvGrpSpPr/>
+        <p:nvPr/>
+      </p:nvGrpSpPr>
+      <p:grpSpPr>
+        <a:xfrm>
+          <a:off x="0" y="0"/>
+          <a:ext cx="0" cy="0"/>
+          <a:chOff x="0" y="0"/>
+          <a:chExt cx="0" cy="0"/>
+        </a:xfrm>
+      </p:grpSpPr>
+      <p:sp>
+        <p:nvSpPr>
+          <p:cNvPr id="2" name="タイトル 1"/>
+          <p:cNvSpPr>
+            <a:spLocks noGrp="1"/>
+          </p:cNvSpPr>
+          <p:nvPr>
+            <p:ph type="title"/>
+          </p:nvPr>
+        </p:nvSpPr>
+        <p:spPr/>
+        <p:txBody>
+          <a:bodyPr/>
+          <a:lstStyle/>
+          <a:p>
+            <a:r>
+              <a:rPr kumimoji="1" lang="en-US" altLang="ja-JP" dirty="0" smtClean="0"/>
+              <a:t>“Straight paths” of 3-regular graph </a:t>
+            </a:r>
+            <a:endParaRPr kumimoji="1" lang="ja-JP" altLang="en-US" dirty="0"/>
+          </a:p>
+        </p:txBody>
+      </p:sp>
+      <p:sp>
+        <p:nvSpPr>
+          <p:cNvPr id="3" name="コンテンツ プレースホルダー 2"/>
+          <p:cNvSpPr>
+            <a:spLocks noGrp="1"/>
+          </p:cNvSpPr>
+          <p:nvPr>
+            <p:ph idx="1"/>
+          </p:nvPr>
+        </p:nvSpPr>
+        <p:spPr/>
+        <p:txBody>
+          <a:bodyPr/>
+          <a:lstStyle/>
+          <a:p>
+            <a:r>
+              <a:rPr kumimoji="1" lang="en-US" altLang="ja-JP" dirty="0" smtClean="0"/>
+              <a:t>Cycles</a:t>
+            </a:r>
+            <a:endParaRPr kumimoji="1" lang="ja-JP" altLang="en-US" dirty="0"/>
+          </a:p>
+        </p:txBody>
+      </p:sp>
+    </p:spTree>
+    <p:extLst>
+      <p:ext uri="{BB962C8B-B14F-4D97-AF65-F5344CB8AC3E}">
+        <p14:creationId xmlns:p14="http://schemas.microsoft.com/office/powerpoint/2010/main" val="603586967"/>
+      </p:ext>
+    </p:extLst>
+  </p:cSld>
+  <p:clrMapOvr>
+    <a:masterClrMapping/>
+  </p:clrMapOvr>
+</p:sld>
+</file>
+
+<file path=ppt/slides/slide41.xml><?xml version="1.0" encoding="utf-8"?>
+<p:sld xmlns:a="http://schemas.openxmlformats.org/drawingml/2006/main" xmlns:r="http://schemas.openxmlformats.org/officeDocument/2006/relationships" xmlns:p="http://schemas.openxmlformats.org/presentationml/2006/main">
+  <p:cSld>
+    <p:spTree>
+      <p:nvGrpSpPr>
+        <p:cNvPr id="1" name=""/>
+        <p:cNvGrpSpPr/>
+        <p:nvPr/>
+      </p:nvGrpSpPr>
+      <p:grpSpPr>
+        <a:xfrm>
+          <a:off x="0" y="0"/>
+          <a:ext cx="0" cy="0"/>
+          <a:chOff x="0" y="0"/>
+          <a:chExt cx="0" cy="0"/>
+        </a:xfrm>
+      </p:grpSpPr>
+      <p:sp>
+        <p:nvSpPr>
+          <p:cNvPr id="2" name="タイトル 1"/>
+          <p:cNvSpPr>
+            <a:spLocks noGrp="1"/>
+          </p:cNvSpPr>
+          <p:nvPr>
+            <p:ph type="title"/>
+          </p:nvPr>
+        </p:nvSpPr>
+        <p:spPr/>
+        <p:txBody>
+          <a:bodyPr/>
+          <a:lstStyle/>
+          <a:p>
+            <a:r>
+              <a:rPr lang="en-US" altLang="ja-JP" dirty="0" smtClean="0"/>
+              <a:t>A set of cycles</a:t>
+            </a:r>
+            <a:endParaRPr kumimoji="1" lang="ja-JP" altLang="en-US" dirty="0"/>
+          </a:p>
+        </p:txBody>
+      </p:sp>
+      <p:sp>
+        <p:nvSpPr>
+          <p:cNvPr id="3" name="コンテンツ プレースホルダー 2"/>
+          <p:cNvSpPr>
+            <a:spLocks noGrp="1"/>
+          </p:cNvSpPr>
+          <p:nvPr>
+            <p:ph idx="1"/>
+          </p:nvPr>
+        </p:nvSpPr>
+        <p:spPr/>
+        <p:txBody>
+          <a:bodyPr/>
+          <a:lstStyle/>
+          <a:p>
+            <a:endParaRPr kumimoji="1" lang="ja-JP" altLang="en-US"/>
+          </a:p>
+        </p:txBody>
+      </p:sp>
+    </p:spTree>
+    <p:extLst>
+      <p:ext uri="{BB962C8B-B14F-4D97-AF65-F5344CB8AC3E}">
+        <p14:creationId xmlns:p14="http://schemas.microsoft.com/office/powerpoint/2010/main" val="3755802631"/>
+      </p:ext>
+    </p:extLst>
+  </p:cSld>
+  <p:clrMapOvr>
+    <a:masterClrMapping/>
+  </p:clrMapOvr>
+</p:sld>
+</file>
+
+<file path=ppt/slides/slide42.xml><?xml version="1.0" encoding="utf-8"?>
+<p:sld xmlns:a="http://schemas.openxmlformats.org/drawingml/2006/main" xmlns:r="http://schemas.openxmlformats.org/officeDocument/2006/relationships" xmlns:p="http://schemas.openxmlformats.org/presentationml/2006/main">
+  <p:cSld>
+    <p:spTree>
+      <p:nvGrpSpPr>
+        <p:cNvPr id="1" name=""/>
+        <p:cNvGrpSpPr/>
+        <p:nvPr/>
+      </p:nvGrpSpPr>
+      <p:grpSpPr>
+        <a:xfrm>
+          <a:off x="0" y="0"/>
+          <a:ext cx="0" cy="0"/>
+          <a:chOff x="0" y="0"/>
+          <a:chExt cx="0" cy="0"/>
+        </a:xfrm>
+      </p:grpSpPr>
+      <p:sp>
+        <p:nvSpPr>
+          <p:cNvPr id="2" name="タイトル 1"/>
+          <p:cNvSpPr>
+            <a:spLocks noGrp="1"/>
+          </p:cNvSpPr>
+          <p:nvPr>
+            <p:ph type="title"/>
+          </p:nvPr>
+        </p:nvSpPr>
+        <p:spPr/>
+        <p:txBody>
+          <a:bodyPr/>
+          <a:lstStyle/>
+          <a:p>
+            <a:endParaRPr kumimoji="1" lang="ja-JP" altLang="en-US"/>
+          </a:p>
+        </p:txBody>
+      </p:sp>
+      <p:sp>
+        <p:nvSpPr>
+          <p:cNvPr id="3" name="コンテンツ プレースホルダー 2"/>
+          <p:cNvSpPr>
+            <a:spLocks noGrp="1"/>
+          </p:cNvSpPr>
+          <p:nvPr>
+            <p:ph idx="1"/>
+          </p:nvPr>
+        </p:nvSpPr>
+        <p:spPr/>
+        <p:txBody>
+          <a:bodyPr/>
+          <a:lstStyle/>
+          <a:p>
+            <a:endParaRPr kumimoji="1" lang="ja-JP" altLang="en-US"/>
+          </a:p>
+        </p:txBody>
+      </p:sp>
+    </p:spTree>
+    <p:extLst>
+      <p:ext uri="{BB962C8B-B14F-4D97-AF65-F5344CB8AC3E}">
+        <p14:creationId xmlns:p14="http://schemas.microsoft.com/office/powerpoint/2010/main" val="181224831"/>
+      </p:ext>
+    </p:extLst>
+  </p:cSld>
+  <p:clrMapOvr>
+    <a:masterClrMapping/>
+  </p:clrMapOvr>
+</p:sld>
+</file>
+
+<file path=ppt/slides/slide43.xml><?xml version="1.0" encoding="utf-8"?>
+<p:sld xmlns:a="http://schemas.openxmlformats.org/drawingml/2006/main" xmlns:r="http://schemas.openxmlformats.org/officeDocument/2006/relationships" xmlns:p="http://schemas.openxmlformats.org/presentationml/2006/main">
+  <p:cSld>
+    <p:spTree>
+      <p:nvGrpSpPr>
+        <p:cNvPr id="1" name=""/>
+        <p:cNvGrpSpPr/>
+        <p:nvPr/>
+      </p:nvGrpSpPr>
+      <p:grpSpPr>
+        <a:xfrm>
+          <a:off x="0" y="0"/>
+          <a:ext cx="0" cy="0"/>
+          <a:chOff x="0" y="0"/>
+          <a:chExt cx="0" cy="0"/>
+        </a:xfrm>
+      </p:grpSpPr>
+      <p:sp>
+        <p:nvSpPr>
+          <p:cNvPr id="2" name="タイトル 1"/>
+          <p:cNvSpPr>
+            <a:spLocks noGrp="1"/>
+          </p:cNvSpPr>
+          <p:nvPr>
+            <p:ph type="title"/>
+          </p:nvPr>
+        </p:nvSpPr>
+        <p:spPr/>
+        <p:txBody>
+          <a:bodyPr/>
+          <a:lstStyle/>
+          <a:p>
+            <a:r>
+              <a:rPr kumimoji="1" lang="en-US" altLang="ja-JP" dirty="0" smtClean="0"/>
+              <a:t>Shape(</a:t>
+            </a:r>
+            <a:r>
+              <a:rPr kumimoji="1" lang="ja-JP" altLang="en-US" dirty="0" smtClean="0"/>
+              <a:t>凹凸</a:t>
+            </a:r>
+            <a:r>
+              <a:rPr kumimoji="1" lang="en-US" altLang="ja-JP" dirty="0" smtClean="0"/>
+              <a:t>), Curved surface(</a:t>
+            </a:r>
+            <a:r>
+              <a:rPr kumimoji="1" lang="ja-JP" altLang="en-US" dirty="0" smtClean="0"/>
+              <a:t>凹凸ナシ、</a:t>
+            </a:r>
+            <a:r>
+              <a:rPr lang="ja-JP" altLang="en-US" dirty="0" smtClean="0"/>
+              <a:t>伸び縮みのみ</a:t>
+            </a:r>
+            <a:r>
+              <a:rPr lang="en-US" altLang="ja-JP" dirty="0" smtClean="0"/>
+              <a:t>)</a:t>
+            </a:r>
+            <a:endParaRPr kumimoji="1" lang="ja-JP" altLang="en-US" dirty="0"/>
+          </a:p>
+        </p:txBody>
+      </p:sp>
+      <p:sp>
+        <p:nvSpPr>
+          <p:cNvPr id="3" name="コンテンツ プレースホルダー 2"/>
+          <p:cNvSpPr>
+            <a:spLocks noGrp="1"/>
+          </p:cNvSpPr>
+          <p:nvPr>
+            <p:ph idx="1"/>
+          </p:nvPr>
+        </p:nvSpPr>
+        <p:spPr/>
+        <p:txBody>
+          <a:bodyPr/>
+          <a:lstStyle/>
+          <a:p>
+            <a:endParaRPr kumimoji="1" lang="ja-JP" altLang="en-US"/>
+          </a:p>
+        </p:txBody>
+      </p:sp>
+    </p:spTree>
+    <p:extLst>
+      <p:ext uri="{BB962C8B-B14F-4D97-AF65-F5344CB8AC3E}">
+        <p14:creationId xmlns:p14="http://schemas.microsoft.com/office/powerpoint/2010/main" val="900056938"/>
       </p:ext>
     </p:extLst>
   </p:cSld>
@@ -5336,22 +7686,179 @@
           </a:p>
         </p:txBody>
       </p:sp>
-      <p:sp>
-        <p:nvSpPr>
-          <p:cNvPr id="3" name="コンテンツ プレースホルダー 2"/>
-          <p:cNvSpPr>
-            <a:spLocks noGrp="1"/>
-          </p:cNvSpPr>
-          <p:nvPr>
-            <p:ph idx="1"/>
-          </p:nvPr>
-        </p:nvSpPr>
-        <p:spPr/>
-        <p:txBody>
-          <a:bodyPr/>
-          <a:lstStyle/>
-          <a:p>
-            <a:endParaRPr kumimoji="1" lang="ja-JP" altLang="en-US"/>
+      <p:pic>
+        <p:nvPicPr>
+          <p:cNvPr id="3074" name="Picture 2" descr="https://upload.wikimedia.org/wikipedia/commons/f/fb/Dolphin_triangle_mesh.png"/>
+          <p:cNvPicPr>
+            <a:picLocks noChangeAspect="1" noChangeArrowheads="1"/>
+          </p:cNvPicPr>
+          <p:nvPr/>
+        </p:nvPicPr>
+        <p:blipFill>
+          <a:blip r:embed="rId2">
+            <a:extLst>
+              <a:ext uri="{28A0092B-C50C-407E-A947-70E740481C1C}">
+                <a14:useLocalDpi xmlns:a14="http://schemas.microsoft.com/office/drawing/2010/main" val="0"/>
+              </a:ext>
+            </a:extLst>
+          </a:blip>
+          <a:srcRect/>
+          <a:stretch>
+            <a:fillRect/>
+          </a:stretch>
+        </p:blipFill>
+        <p:spPr bwMode="auto">
+          <a:xfrm>
+            <a:off x="7820850" y="365125"/>
+            <a:ext cx="3889472" cy="2398713"/>
+          </a:xfrm>
+          <a:prstGeom prst="rect">
+            <a:avLst/>
+          </a:prstGeom>
+          <a:noFill/>
+          <a:extLst>
+            <a:ext uri="{909E8E84-426E-40DD-AFC4-6F175D3DCCD1}">
+              <a14:hiddenFill xmlns:a14="http://schemas.microsoft.com/office/drawing/2010/main">
+                <a:solidFill>
+                  <a:srgbClr val="FFFFFF"/>
+                </a:solidFill>
+              </a14:hiddenFill>
+            </a:ext>
+          </a:extLst>
+        </p:spPr>
+      </p:pic>
+      <p:pic>
+        <p:nvPicPr>
+          <p:cNvPr id="3076" name="Picture 4" descr="ãã¡ã¤ã«:Mesh overview.svg"/>
+          <p:cNvPicPr>
+            <a:picLocks noChangeAspect="1" noChangeArrowheads="1"/>
+          </p:cNvPicPr>
+          <p:nvPr/>
+        </p:nvPicPr>
+        <p:blipFill>
+          <a:blip r:embed="rId3">
+            <a:extLst>
+              <a:ext uri="{28A0092B-C50C-407E-A947-70E740481C1C}">
+                <a14:useLocalDpi xmlns:a14="http://schemas.microsoft.com/office/drawing/2010/main" val="0"/>
+              </a:ext>
+            </a:extLst>
+          </a:blip>
+          <a:srcRect/>
+          <a:stretch>
+            <a:fillRect/>
+          </a:stretch>
+        </p:blipFill>
+        <p:spPr bwMode="auto">
+          <a:xfrm>
+            <a:off x="678942" y="2567843"/>
+            <a:ext cx="10254928" cy="3859842"/>
+          </a:xfrm>
+          <a:prstGeom prst="rect">
+            <a:avLst/>
+          </a:prstGeom>
+          <a:noFill/>
+          <a:extLst>
+            <a:ext uri="{909E8E84-426E-40DD-AFC4-6F175D3DCCD1}">
+              <a14:hiddenFill xmlns:a14="http://schemas.microsoft.com/office/drawing/2010/main">
+                <a:solidFill>
+                  <a:srgbClr val="FFFFFF"/>
+                </a:solidFill>
+              </a14:hiddenFill>
+            </a:ext>
+          </a:extLst>
+        </p:spPr>
+      </p:pic>
+      <p:sp>
+        <p:nvSpPr>
+          <p:cNvPr id="4" name="正方形/長方形 3"/>
+          <p:cNvSpPr/>
+          <p:nvPr/>
+        </p:nvSpPr>
+        <p:spPr>
+          <a:xfrm>
+            <a:off x="2049670" y="1580931"/>
+            <a:ext cx="4646098" cy="923330"/>
+          </a:xfrm>
+          <a:prstGeom prst="rect">
+            <a:avLst/>
+          </a:prstGeom>
+        </p:spPr>
+        <p:txBody>
+          <a:bodyPr wrap="square">
+            <a:spAutoFit/>
+          </a:bodyPr>
+          <a:lstStyle/>
+          <a:p>
+            <a:r>
+              <a:rPr lang="en-US" altLang="ja-JP" dirty="0"/>
+              <a:t>The study of </a:t>
+            </a:r>
+            <a:r>
+              <a:rPr lang="en-US" altLang="ja-JP" dirty="0">
+                <a:hlinkClick r:id="rId4" tooltip="Polygon (computer graphics)"/>
+              </a:rPr>
+              <a:t>polygon</a:t>
+            </a:r>
+            <a:r>
+              <a:rPr lang="en-US" altLang="ja-JP" dirty="0"/>
+              <a:t> meshes is a large sub-field of </a:t>
+            </a:r>
+            <a:r>
+              <a:rPr lang="en-US" altLang="ja-JP" dirty="0">
+                <a:hlinkClick r:id="rId5" tooltip="Computer graphics"/>
+              </a:rPr>
+              <a:t>computer </a:t>
+            </a:r>
+            <a:r>
+              <a:rPr lang="en-US" altLang="ja-JP" dirty="0" err="1" smtClean="0">
+                <a:hlinkClick r:id="rId5" tooltip="Computer graphics"/>
+              </a:rPr>
+              <a:t>raphics</a:t>
+            </a:r>
+            <a:r>
+              <a:rPr lang="en-US" altLang="ja-JP" dirty="0" smtClean="0"/>
+              <a:t>(specifically </a:t>
+            </a:r>
+            <a:r>
+              <a:rPr lang="en-US" altLang="ja-JP" dirty="0"/>
+              <a:t>3D computer graphics</a:t>
+            </a:r>
+            <a:r>
+              <a:rPr lang="en-US" altLang="ja-JP" dirty="0" smtClean="0"/>
+              <a:t>).</a:t>
+            </a:r>
+            <a:endParaRPr lang="ja-JP" altLang="en-US" dirty="0"/>
+          </a:p>
+        </p:txBody>
+      </p:sp>
+      <p:sp>
+        <p:nvSpPr>
+          <p:cNvPr id="5" name="正方形/長方形 4"/>
+          <p:cNvSpPr/>
+          <p:nvPr/>
+        </p:nvSpPr>
+        <p:spPr>
+          <a:xfrm>
+            <a:off x="7237474" y="6427685"/>
+            <a:ext cx="4943982" cy="369332"/>
+          </a:xfrm>
+          <a:prstGeom prst="rect">
+            <a:avLst/>
+          </a:prstGeom>
+        </p:spPr>
+        <p:txBody>
+          <a:bodyPr wrap="none">
+            <a:spAutoFit/>
+          </a:bodyPr>
+          <a:lstStyle/>
+          <a:p>
+            <a:r>
+              <a:rPr lang="en-US" altLang="ja-JP" dirty="0">
+                <a:hlinkClick r:id="rId6"/>
+              </a:rPr>
+              <a:t>https://en.wikipedia.org/wiki/Polygon_mesh</a:t>
+            </a:r>
+            <a:endParaRPr lang="ja-JP" altLang="en-US" dirty="0"/>
           </a:p>
         </p:txBody>
       </p:sp>
@@ -5402,7 +7909,7 @@
           <a:p>
             <a:r>
               <a:rPr kumimoji="1" lang="en-US" altLang="ja-JP" dirty="0" smtClean="0"/>
-              <a:t>Brownian map</a:t>
+              <a:t>Contents</a:t>
             </a:r>
             <a:endParaRPr kumimoji="1" lang="ja-JP" altLang="en-US" dirty="0"/>
           </a:p>
@@ -5420,9 +7927,60 @@
         </p:nvSpPr>
         <p:spPr/>
         <p:txBody>
-          <a:bodyPr/>
-          <a:lstStyle/>
-          <a:p>
+          <a:bodyPr>
+            <a:normAutofit lnSpcReduction="10000"/>
+          </a:bodyPr>
+          <a:lstStyle/>
+          <a:p>
+            <a:r>
+              <a:rPr kumimoji="1" lang="en-US" altLang="ja-JP" dirty="0" smtClean="0"/>
+              <a:t>Triangular mesh and its dual</a:t>
+            </a:r>
+          </a:p>
+          <a:p>
+            <a:r>
+              <a:rPr lang="en-US" altLang="ja-JP" dirty="0" smtClean="0"/>
+              <a:t>Curvature and its discrete expression</a:t>
+            </a:r>
+          </a:p>
+          <a:p>
+            <a:r>
+              <a:rPr kumimoji="1" lang="en-US" altLang="ja-JP" dirty="0" smtClean="0"/>
+              <a:t>Stochastic representations of shapes</a:t>
+            </a:r>
+          </a:p>
+          <a:p>
+            <a:r>
+              <a:rPr lang="en-US" altLang="ja-JP" dirty="0" smtClean="0"/>
+              <a:t>Quiver and cluster algebra</a:t>
+            </a:r>
+          </a:p>
+          <a:p>
+            <a:r>
+              <a:rPr kumimoji="1" lang="en-US" altLang="ja-JP" dirty="0" smtClean="0"/>
+              <a:t>Stochastic change of triangular mesh as mutation of quiver</a:t>
+            </a:r>
+          </a:p>
+          <a:p>
+            <a:endParaRPr lang="en-US" altLang="ja-JP" dirty="0"/>
+          </a:p>
+          <a:p>
+            <a:r>
+              <a:rPr kumimoji="1" lang="en-US" altLang="ja-JP" dirty="0" smtClean="0"/>
+              <a:t>3-regular graph and edge connection matrix</a:t>
+            </a:r>
+          </a:p>
+          <a:p>
+            <a:r>
+              <a:rPr lang="en-US" altLang="ja-JP" dirty="0" smtClean="0"/>
+              <a:t>“Straight line” of 3-regular graph</a:t>
+            </a:r>
+          </a:p>
+          <a:p>
+            <a:r>
+              <a:rPr kumimoji="1" lang="en-US" altLang="ja-JP" dirty="0" smtClean="0"/>
+              <a:t>Straight lines are a permutation </a:t>
+            </a:r>
             <a:endParaRPr kumimoji="1" lang="ja-JP" altLang="en-US" dirty="0"/>
           </a:p>
         </p:txBody>
@@ -5430,7 +7988,7 @@
     </p:spTree>
     <p:extLst>
       <p:ext uri="{BB962C8B-B14F-4D97-AF65-F5344CB8AC3E}">
-        <p14:creationId xmlns:p14="http://schemas.microsoft.com/office/powerpoint/2010/main" val="2081563855"/>
+        <p14:creationId xmlns:p14="http://schemas.microsoft.com/office/powerpoint/2010/main" val="2557148815"/>
       </p:ext>
     </p:extLst>
   </p:cSld>
@@ -5473,16 +8031,12 @@
           <a:lstStyle/>
           <a:p>
             <a:r>
-              <a:rPr lang="en-US" altLang="ja-JP" dirty="0" smtClean="0"/>
-              <a:t>Cori–</a:t>
-            </a:r>
-            <a:r>
-              <a:rPr lang="en-US" altLang="ja-JP" dirty="0" err="1" smtClean="0"/>
-              <a:t>Vauquelin</a:t>
-            </a:r>
-            <a:r>
-              <a:rPr lang="en-US" altLang="ja-JP" dirty="0" smtClean="0"/>
-              <a:t>– Schaeffer bijection</a:t>
+              <a:rPr kumimoji="1" lang="en-US" altLang="ja-JP" dirty="0" smtClean="0"/>
+              <a:t>Planar </a:t>
+            </a:r>
+            <a:r>
+              <a:rPr kumimoji="1" lang="en-US" altLang="ja-JP" dirty="0" smtClean="0"/>
+              <a:t>graph and Euler’s formula </a:t>
             </a:r>
             <a:endParaRPr kumimoji="1" lang="ja-JP" altLang="en-US" dirty="0"/>
           </a:p>
@@ -5503,14 +8057,131 @@
           <a:bodyPr/>
           <a:lstStyle/>
           <a:p>
-            <a:endParaRPr kumimoji="1" lang="ja-JP" altLang="en-US"/>
+            <a:r>
+              <a:rPr kumimoji="1" lang="en-US" altLang="ja-JP" dirty="0" smtClean="0"/>
+              <a:t>|V| - |E| + |F| = 2</a:t>
+            </a:r>
+            <a:endParaRPr kumimoji="1" lang="ja-JP" altLang="en-US" dirty="0"/>
+          </a:p>
+        </p:txBody>
+      </p:sp>
+      <p:pic>
+        <p:nvPicPr>
+          <p:cNvPr id="6" name="Picture 4" descr="ãã¡ã¤ã«:Mesh overview.svg"/>
+          <p:cNvPicPr>
+            <a:picLocks noChangeAspect="1" noChangeArrowheads="1"/>
+          </p:cNvPicPr>
+          <p:nvPr/>
+        </p:nvPicPr>
+        <p:blipFill>
+          <a:blip r:embed="rId2">
+            <a:extLst>
+              <a:ext uri="{28A0092B-C50C-407E-A947-70E740481C1C}">
+                <a14:useLocalDpi xmlns:a14="http://schemas.microsoft.com/office/drawing/2010/main" val="0"/>
+              </a:ext>
+            </a:extLst>
+          </a:blip>
+          <a:srcRect/>
+          <a:stretch>
+            <a:fillRect/>
+          </a:stretch>
+        </p:blipFill>
+        <p:spPr bwMode="auto">
+          <a:xfrm>
+            <a:off x="46940" y="4233857"/>
+            <a:ext cx="6249570" cy="2352269"/>
+          </a:xfrm>
+          <a:prstGeom prst="rect">
+            <a:avLst/>
+          </a:prstGeom>
+          <a:noFill/>
+          <a:extLst>
+            <a:ext uri="{909E8E84-426E-40DD-AFC4-6F175D3DCCD1}">
+              <a14:hiddenFill xmlns:a14="http://schemas.microsoft.com/office/drawing/2010/main">
+                <a:solidFill>
+                  <a:srgbClr val="FFFFFF"/>
+                </a:solidFill>
+              </a14:hiddenFill>
+            </a:ext>
+          </a:extLst>
+        </p:spPr>
+      </p:pic>
+      <p:pic>
+        <p:nvPicPr>
+          <p:cNvPr id="8196" name="Picture 4" descr="ãplanar graphãã®ç»åæ¤ç´¢çµæ"/>
+          <p:cNvPicPr>
+            <a:picLocks noChangeAspect="1" noChangeArrowheads="1"/>
+          </p:cNvPicPr>
+          <p:nvPr/>
+        </p:nvPicPr>
+        <p:blipFill>
+          <a:blip r:embed="rId3">
+            <a:extLst>
+              <a:ext uri="{28A0092B-C50C-407E-A947-70E740481C1C}">
+                <a14:useLocalDpi xmlns:a14="http://schemas.microsoft.com/office/drawing/2010/main" val="0"/>
+              </a:ext>
+            </a:extLst>
+          </a:blip>
+          <a:srcRect/>
+          <a:stretch>
+            <a:fillRect/>
+          </a:stretch>
+        </p:blipFill>
+        <p:spPr bwMode="auto">
+          <a:xfrm>
+            <a:off x="5486400" y="2114547"/>
+            <a:ext cx="5867400" cy="1695451"/>
+          </a:xfrm>
+          <a:prstGeom prst="rect">
+            <a:avLst/>
+          </a:prstGeom>
+          <a:noFill/>
+          <a:extLst>
+            <a:ext uri="{909E8E84-426E-40DD-AFC4-6F175D3DCCD1}">
+              <a14:hiddenFill xmlns:a14="http://schemas.microsoft.com/office/drawing/2010/main">
+                <a:solidFill>
+                  <a:srgbClr val="FFFFFF"/>
+                </a:solidFill>
+              </a14:hiddenFill>
+            </a:ext>
+          </a:extLst>
+        </p:spPr>
+      </p:pic>
+      <p:sp>
+        <p:nvSpPr>
+          <p:cNvPr id="5" name="正方形/長方形 4"/>
+          <p:cNvSpPr/>
+          <p:nvPr/>
+        </p:nvSpPr>
+        <p:spPr>
+          <a:xfrm>
+            <a:off x="6049060" y="6065727"/>
+            <a:ext cx="6096000" cy="646331"/>
+          </a:xfrm>
+          <a:prstGeom prst="rect">
+            <a:avLst/>
+          </a:prstGeom>
+        </p:spPr>
+        <p:txBody>
+          <a:bodyPr>
+            <a:spAutoFit/>
+          </a:bodyPr>
+          <a:lstStyle/>
+          <a:p>
+            <a:r>
+              <a:rPr lang="en-US" altLang="ja-JP" dirty="0">
+                <a:hlinkClick r:id="rId4"/>
+              </a:rPr>
+              <a:t>https://www.boost.org/doc/libs/1_49_0/libs/graph/doc/planar_graphs.html</a:t>
+            </a:r>
+            <a:endParaRPr lang="ja-JP" altLang="en-US" dirty="0"/>
           </a:p>
         </p:txBody>
       </p:sp>
     </p:spTree>
     <p:extLst>
       <p:ext uri="{BB962C8B-B14F-4D97-AF65-F5344CB8AC3E}">
-        <p14:creationId xmlns:p14="http://schemas.microsoft.com/office/powerpoint/2010/main" val="2553716402"/>
+        <p14:creationId xmlns:p14="http://schemas.microsoft.com/office/powerpoint/2010/main" val="2071683285"/>
       </p:ext>
     </p:extLst>
   </p:cSld>
@@ -5554,7 +8225,7 @@
           <a:p>
             <a:r>
               <a:rPr kumimoji="1" lang="en-US" altLang="ja-JP" dirty="0" smtClean="0"/>
-              <a:t>Brownian excursion</a:t>
+              <a:t>Dual Graph</a:t>
             </a:r>
             <a:endParaRPr kumimoji="1" lang="ja-JP" altLang="en-US" dirty="0"/>
           </a:p>
@@ -5575,14 +8246,96 @@
           <a:bodyPr/>
           <a:lstStyle/>
           <a:p>
-            <a:endParaRPr kumimoji="1" lang="ja-JP" altLang="en-US"/>
+            <a:r>
+              <a:rPr kumimoji="1" lang="en-US" altLang="ja-JP" dirty="0" smtClean="0"/>
+              <a:t>Triangular mesh</a:t>
+            </a:r>
+          </a:p>
+          <a:p>
+            <a:r>
+              <a:rPr lang="en-US" altLang="ja-JP" dirty="0" smtClean="0"/>
+              <a:t>Polygon</a:t>
+            </a:r>
+            <a:endParaRPr kumimoji="1" lang="ja-JP" altLang="en-US" dirty="0"/>
+          </a:p>
+        </p:txBody>
+      </p:sp>
+      <p:pic>
+        <p:nvPicPr>
+          <p:cNvPr id="4" name="Picture 2" descr="https://upload.wikimedia.org/wikipedia/commons/thumb/1/15/Dual_graphs.svg/100px-Dual_graphs.svg.png"/>
+          <p:cNvPicPr>
+            <a:picLocks noChangeAspect="1" noChangeArrowheads="1"/>
+          </p:cNvPicPr>
+          <p:nvPr/>
+        </p:nvPicPr>
+        <p:blipFill>
+          <a:blip r:embed="rId2">
+            <a:extLst>
+              <a:ext uri="{28A0092B-C50C-407E-A947-70E740481C1C}">
+                <a14:useLocalDpi xmlns:a14="http://schemas.microsoft.com/office/drawing/2010/main" val="0"/>
+              </a:ext>
+            </a:extLst>
+          </a:blip>
+          <a:srcRect/>
+          <a:stretch>
+            <a:fillRect/>
+          </a:stretch>
+        </p:blipFill>
+        <p:spPr bwMode="auto">
+          <a:xfrm>
+            <a:off x="8721213" y="2020877"/>
+            <a:ext cx="2846633" cy="4156086"/>
+          </a:xfrm>
+          <a:prstGeom prst="rect">
+            <a:avLst/>
+          </a:prstGeom>
+          <a:noFill/>
+          <a:extLst>
+            <a:ext uri="{909E8E84-426E-40DD-AFC4-6F175D3DCCD1}">
+              <a14:hiddenFill xmlns:a14="http://schemas.microsoft.com/office/drawing/2010/main">
+                <a:solidFill>
+                  <a:srgbClr val="FFFFFF"/>
+                </a:solidFill>
+              </a14:hiddenFill>
+            </a:ext>
+          </a:extLst>
+        </p:spPr>
+      </p:pic>
+      <p:sp>
+        <p:nvSpPr>
+          <p:cNvPr id="5" name="正方形/長方形 4"/>
+          <p:cNvSpPr/>
+          <p:nvPr/>
+        </p:nvSpPr>
+        <p:spPr>
+          <a:xfrm>
+            <a:off x="7204941" y="6216794"/>
+            <a:ext cx="4812536" cy="369332"/>
+          </a:xfrm>
+          <a:prstGeom prst="rect">
+            <a:avLst/>
+          </a:prstGeom>
+        </p:spPr>
+        <p:txBody>
+          <a:bodyPr wrap="none">
+            <a:spAutoFit/>
+          </a:bodyPr>
+          <a:lstStyle/>
+          <a:p>
+            <a:r>
+              <a:rPr lang="en-US" altLang="ja-JP" dirty="0">
+                <a:hlinkClick r:id="rId3"/>
+              </a:rPr>
+              <a:t>https://en.wikipedia.org/wiki/Planar_graph</a:t>
+            </a:r>
+            <a:endParaRPr lang="ja-JP" altLang="en-US" dirty="0"/>
           </a:p>
         </p:txBody>
       </p:sp>
     </p:spTree>
     <p:extLst>
       <p:ext uri="{BB962C8B-B14F-4D97-AF65-F5344CB8AC3E}">
-        <p14:creationId xmlns:p14="http://schemas.microsoft.com/office/powerpoint/2010/main" val="235536711"/>
+        <p14:creationId xmlns:p14="http://schemas.microsoft.com/office/powerpoint/2010/main" val="2386994100"/>
       </p:ext>
     </p:extLst>
   </p:cSld>
@@ -5626,35 +8379,45 @@
           <a:p>
             <a:r>
               <a:rPr kumimoji="1" lang="en-US" altLang="ja-JP" dirty="0" smtClean="0"/>
-              <a:t>Brownian motion on Tree</a:t>
+              <a:t>Curvature and Polygon</a:t>
             </a:r>
             <a:endParaRPr kumimoji="1" lang="ja-JP" altLang="en-US" dirty="0"/>
           </a:p>
         </p:txBody>
       </p:sp>
-      <p:sp>
-        <p:nvSpPr>
-          <p:cNvPr id="3" name="コンテンツ プレースホルダー 2"/>
-          <p:cNvSpPr>
-            <a:spLocks noGrp="1"/>
-          </p:cNvSpPr>
+      <p:pic>
+        <p:nvPicPr>
+          <p:cNvPr id="4" name="コンテンツ プレースホルダー 3"/>
+          <p:cNvPicPr>
+            <a:picLocks noGrp="1" noChangeAspect="1"/>
+          </p:cNvPicPr>
           <p:nvPr>
             <p:ph idx="1"/>
           </p:nvPr>
-        </p:nvSpPr>
-        <p:spPr/>
-        <p:txBody>
-          <a:bodyPr/>
-          <a:lstStyle/>
-          <a:p>
-            <a:endParaRPr kumimoji="1" lang="ja-JP" altLang="en-US"/>
-          </a:p>
-        </p:txBody>
-      </p:sp>
+        </p:nvPicPr>
+        <p:blipFill>
+          <a:blip r:embed="rId2" cstate="print">
+            <a:extLst>
+              <a:ext uri="{28A0092B-C50C-407E-A947-70E740481C1C}">
+                <a14:useLocalDpi xmlns:a14="http://schemas.microsoft.com/office/drawing/2010/main" val="0"/>
+              </a:ext>
+            </a:extLst>
+          </a:blip>
+          <a:stretch>
+            <a:fillRect/>
+          </a:stretch>
+        </p:blipFill>
+        <p:spPr>
+          <a:xfrm>
+            <a:off x="5923559" y="2209084"/>
+            <a:ext cx="5801784" cy="4351338"/>
+          </a:xfrm>
+        </p:spPr>
+      </p:pic>
     </p:spTree>
     <p:extLst>
       <p:ext uri="{BB962C8B-B14F-4D97-AF65-F5344CB8AC3E}">
-        <p14:creationId xmlns:p14="http://schemas.microsoft.com/office/powerpoint/2010/main" val="264461747"/>
+        <p14:creationId xmlns:p14="http://schemas.microsoft.com/office/powerpoint/2010/main" val="552391641"/>
       </p:ext>
     </p:extLst>
   </p:cSld>
@@ -5923,4 +8686,265 @@
     </a:ext>
   </a:extLst>
 </a:theme>
+</file>
+
+<file path=ppt/theme/theme2.xml><?xml version="1.0" encoding="utf-8"?>
+<a:theme xmlns:a="http://schemas.openxmlformats.org/drawingml/2006/main" name="Office テーマ">
+  <a:themeElements>
+    <a:clrScheme name="Office">
+      <a:dk1>
+        <a:sysClr val="windowText" lastClr="000000"/>
+      </a:dk1>
+      <a:lt1>
+        <a:sysClr val="window" lastClr="FFFFFF"/>
+      </a:lt1>
+      <a:dk2>
+        <a:srgbClr val="44546A"/>
+      </a:dk2>
+      <a:lt2>
+        <a:srgbClr val="E7E6E6"/>
+      </a:lt2>
+      <a:accent1>
+        <a:srgbClr val="5B9BD5"/>
+      </a:accent1>
+      <a:accent2>
+        <a:srgbClr val="ED7D31"/>
+      </a:accent2>
+      <a:accent3>
+        <a:srgbClr val="A5A5A5"/>
+      </a:accent3>
+      <a:accent4>
+        <a:srgbClr val="FFC000"/>
+      </a:accent4>
+      <a:accent5>
+        <a:srgbClr val="4472C4"/>
+      </a:accent5>
+      <a:accent6>
+        <a:srgbClr val="70AD47"/>
+      </a:accent6>
+      <a:hlink>
+        <a:srgbClr val="0563C1"/>
+      </a:hlink>
+      <a:folHlink>
+        <a:srgbClr val="954F72"/>
+      </a:folHlink>
+    </a:clrScheme>
+    <a:fontScheme name="Office">
+      <a:majorFont>
+        <a:latin typeface="游ゴシック Light" panose="020F0302020204030204"/>
+        <a:ea typeface=""/>
+        <a:cs typeface=""/>
+        <a:font script="Jpan" typeface="游ゴシック Light"/>
+        <a:font script="Hang" typeface="맑은 고딕"/>
+        <a:font script="Hans" typeface="等线 Light"/>
+        <a:font script="Hant" typeface="新細明體"/>
+        <a:font script="Arab" typeface="Times New Roman"/>
+        <a:font script="Hebr" typeface="Times New Roman"/>
+        <a:font script="Thai" typeface="Angsana New"/>
+        <a:font script="Ethi" typeface="Nyala"/>
+        <a:font script="Beng" typeface="Vrinda"/>
+        <a:font script="Gujr" typeface="Shruti"/>
+        <a:font script="Khmr" typeface="MoolBoran"/>
+        <a:font script="Knda" typeface="Tunga"/>
+        <a:font script="Guru" typeface="Raavi"/>
+        <a:font script="Cans" typeface="Euphemia"/>
+        <a:font script="Cher" typeface="Plantagenet Cherokee"/>
+        <a:font script="Yiii" typeface="Microsoft Yi Baiti"/>
+        <a:font script="Tibt" typeface="Microsoft Himalaya"/>
+        <a:font script="Thaa" typeface="MV Boli"/>
+        <a:font script="Deva" typeface="Mangal"/>
+        <a:font script="Telu" typeface="Gautami"/>
+        <a:font script="Taml" typeface="Latha"/>
+        <a:font script="Syrc" typeface="Estrangelo Edessa"/>
+        <a:font script="Orya" typeface="Kalinga"/>
+        <a:font script="Mlym" typeface="Kartika"/>
+        <a:font script="Laoo" typeface="DokChampa"/>
+        <a:font script="Sinh" typeface="Iskoola Pota"/>
+        <a:font script="Mong" typeface="Mongolian Baiti"/>
+        <a:font script="Viet" typeface="Times New Roman"/>
+        <a:font script="Uigh" typeface="Microsoft Uighur"/>
+        <a:font script="Geor" typeface="Sylfaen"/>
+      </a:majorFont>
+      <a:minorFont>
+        <a:latin typeface="游ゴシック" panose="020F0502020204030204"/>
+        <a:ea typeface=""/>
+        <a:cs typeface=""/>
+        <a:font script="Jpan" typeface="游ゴシック"/>
+        <a:font script="Hang" typeface="맑은 고딕"/>
+        <a:font script="Hans" typeface="等线"/>
+        <a:font script="Hant" typeface="新細明體"/>
+        <a:font script="Arab" typeface="Arial"/>
+        <a:font script="Hebr" typeface="Arial"/>
+        <a:font script="Thai" typeface="Cordia New"/>
+        <a:font script="Ethi" typeface="Nyala"/>
+        <a:font script="Beng" typeface="Vrinda"/>
+        <a:font script="Gujr" typeface="Shruti"/>
+        <a:font script="Khmr" typeface="DaunPenh"/>
+        <a:font script="Knda" typeface="Tunga"/>
+        <a:font script="Guru" typeface="Raavi"/>
+        <a:font script="Cans" typeface="Euphemia"/>
+        <a:font script="Cher" typeface="Plantagenet Cherokee"/>
+        <a:font script="Yiii" typeface="Microsoft Yi Baiti"/>
+        <a:font script="Tibt" typeface="Microsoft Himalaya"/>
+        <a:font script="Thaa" typeface="MV Boli"/>
+        <a:font script="Deva" typeface="Mangal"/>
+        <a:font script="Telu" typeface="Gautami"/>
+        <a:font script="Taml" typeface="Latha"/>
+        <a:font script="Syrc" typeface="Estrangelo Edessa"/>
+        <a:font script="Orya" typeface="Kalinga"/>
+        <a:font script="Mlym" typeface="Kartika"/>
+        <a:font script="Laoo" typeface="DokChampa"/>
+        <a:font script="Sinh" typeface="Iskoola Pota"/>
+        <a:font script="Mong" typeface="Mongolian Baiti"/>
+        <a:font script="Viet" typeface="Arial"/>
+        <a:font script="Uigh" typeface="Microsoft Uighur"/>
+        <a:font script="Geor" typeface="Sylfaen"/>
+      </a:minorFont>
+    </a:fontScheme>
+    <a:fmtScheme name="Office">
+      <a:fillStyleLst>
+        <a:solidFill>
+          <a:schemeClr val="phClr"/>
+        </a:solidFill>
+        <a:gradFill rotWithShape="1">
+          <a:gsLst>
+            <a:gs pos="0">
+              <a:schemeClr val="phClr">
+                <a:lumMod val="110000"/>
+                <a:satMod val="105000"/>
+                <a:tint val="67000"/>
+              </a:schemeClr>
+            </a:gs>
+            <a:gs pos="50000">
+              <a:schemeClr val="phClr">
+                <a:lumMod val="105000"/>
+                <a:satMod val="103000"/>
+                <a:tint val="73000"/>
+              </a:schemeClr>
+            </a:gs>
+            <a:gs pos="100000">
+              <a:schemeClr val="phClr">
+                <a:lumMod val="105000"/>
+                <a:satMod val="109000"/>
+                <a:tint val="81000"/>
+              </a:schemeClr>
+            </a:gs>
+          </a:gsLst>
+          <a:lin ang="5400000" scaled="0"/>
+        </a:gradFill>
+        <a:gradFill rotWithShape="1">
+          <a:gsLst>
+            <a:gs pos="0">
+              <a:schemeClr val="phClr">
+                <a:satMod val="103000"/>
+                <a:lumMod val="102000"/>
+                <a:tint val="94000"/>
+              </a:schemeClr>
+            </a:gs>
+            <a:gs pos="50000">
+              <a:schemeClr val="phClr">
+                <a:satMod val="110000"/>
+                <a:lumMod val="100000"/>
+                <a:shade val="100000"/>
+              </a:schemeClr>
+            </a:gs>
+            <a:gs pos="100000">
+              <a:schemeClr val="phClr">
+                <a:lumMod val="99000"/>
+                <a:satMod val="120000"/>
+                <a:shade val="78000"/>
+              </a:schemeClr>
+            </a:gs>
+          </a:gsLst>
+          <a:lin ang="5400000" scaled="0"/>
+        </a:gradFill>
+      </a:fillStyleLst>
+      <a:lnStyleLst>
+        <a:ln w="6350" cap="flat" cmpd="sng" algn="ctr">
+          <a:solidFill>
+            <a:schemeClr val="phClr"/>
+          </a:solidFill>
+          <a:prstDash val="solid"/>
+          <a:miter lim="800000"/>
+        </a:ln>
+        <a:ln w="12700" cap="flat" cmpd="sng" algn="ctr">
+          <a:solidFill>
+            <a:schemeClr val="phClr"/>
+          </a:solidFill>
+          <a:prstDash val="solid"/>
+          <a:miter lim="800000"/>
+        </a:ln>
+        <a:ln w="19050" cap="flat" cmpd="sng" algn="ctr">
+          <a:solidFill>
+            <a:schemeClr val="phClr"/>
+          </a:solidFill>
+          <a:prstDash val="solid"/>
+          <a:miter lim="800000"/>
+        </a:ln>
+      </a:lnStyleLst>
+      <a:effectStyleLst>
+        <a:effectStyle>
+          <a:effectLst/>
+        </a:effectStyle>
+        <a:effectStyle>
+          <a:effectLst/>
+        </a:effectStyle>
+        <a:effectStyle>
+          <a:effectLst>
+            <a:outerShdw blurRad="57150" dist="19050" dir="5400000" algn="ctr" rotWithShape="0">
+              <a:srgbClr val="000000">
+                <a:alpha val="63000"/>
+              </a:srgbClr>
+            </a:outerShdw>
+          </a:effectLst>
+        </a:effectStyle>
+      </a:effectStyleLst>
+      <a:bgFillStyleLst>
+        <a:solidFill>
+          <a:schemeClr val="phClr"/>
+        </a:solidFill>
+        <a:solidFill>
+          <a:schemeClr val="phClr">
+            <a:tint val="95000"/>
+            <a:satMod val="170000"/>
+          </a:schemeClr>
+        </a:solidFill>
+        <a:gradFill rotWithShape="1">
+          <a:gsLst>
+            <a:gs pos="0">
+              <a:schemeClr val="phClr">
+                <a:tint val="93000"/>
+                <a:satMod val="150000"/>
+                <a:shade val="98000"/>
+                <a:lumMod val="102000"/>
+              </a:schemeClr>
+            </a:gs>
+            <a:gs pos="50000">
+              <a:schemeClr val="phClr">
+                <a:tint val="98000"/>
+                <a:satMod val="130000"/>
+                <a:shade val="90000"/>
+                <a:lumMod val="103000"/>
+              </a:schemeClr>
+            </a:gs>
+            <a:gs pos="100000">
+              <a:schemeClr val="phClr">
+                <a:shade val="63000"/>
+                <a:satMod val="120000"/>
+              </a:schemeClr>
+            </a:gs>
+          </a:gsLst>
+          <a:lin ang="5400000" scaled="0"/>
+        </a:gradFill>
+      </a:bgFillStyleLst>
+    </a:fmtScheme>
+  </a:themeElements>
+  <a:objectDefaults/>
+  <a:extraClrSchemeLst/>
+  <a:extLst>
+    <a:ext uri="{05A4C25C-085E-4340-85A3-A5531E510DB2}">
+      <thm15:themeFamily xmlns:thm15="http://schemas.microsoft.com/office/thememl/2012/main" name="Office Theme" id="{62F939B6-93AF-4DB8-9C6B-D6C7DFDC589F}" vid="{4A3C46E8-61CC-4603-A589-7422A47A8E4A}"/>
+    </a:ext>
+  </a:extLst>
+</a:theme>
 </file>
--- a/Lectures2019/MutationOfTriangularMesh.pptx
+++ b/Lectures2019/MutationOfTriangularMesh.pptx
@@ -5,7 +5,7 @@
     <p:sldMasterId id="2147483648" r:id="rId1"/>
   </p:sldMasterIdLst>
   <p:handoutMasterIdLst>
-    <p:handoutMasterId r:id="rId45"/>
+    <p:handoutMasterId r:id="rId47"/>
   </p:handoutMasterIdLst>
   <p:sldIdLst>
     <p:sldId id="256" r:id="rId2"/>
@@ -16,41 +16,43 @@
     <p:sldId id="310" r:id="rId7"/>
     <p:sldId id="267" r:id="rId8"/>
     <p:sldId id="269" r:id="rId9"/>
-    <p:sldId id="278" r:id="rId10"/>
-    <p:sldId id="279" r:id="rId11"/>
-    <p:sldId id="308" r:id="rId12"/>
-    <p:sldId id="303" r:id="rId13"/>
-    <p:sldId id="304" r:id="rId14"/>
-    <p:sldId id="305" r:id="rId15"/>
-    <p:sldId id="306" r:id="rId16"/>
-    <p:sldId id="307" r:id="rId17"/>
-    <p:sldId id="309" r:id="rId18"/>
-    <p:sldId id="294" r:id="rId19"/>
-    <p:sldId id="272" r:id="rId20"/>
-    <p:sldId id="311" r:id="rId21"/>
-    <p:sldId id="275" r:id="rId22"/>
-    <p:sldId id="298" r:id="rId23"/>
-    <p:sldId id="273" r:id="rId24"/>
-    <p:sldId id="291" r:id="rId25"/>
-    <p:sldId id="292" r:id="rId26"/>
-    <p:sldId id="293" r:id="rId27"/>
-    <p:sldId id="276" r:id="rId28"/>
-    <p:sldId id="277" r:id="rId29"/>
-    <p:sldId id="285" r:id="rId30"/>
-    <p:sldId id="283" r:id="rId31"/>
-    <p:sldId id="299" r:id="rId32"/>
-    <p:sldId id="300" r:id="rId33"/>
-    <p:sldId id="301" r:id="rId34"/>
-    <p:sldId id="302" r:id="rId35"/>
-    <p:sldId id="282" r:id="rId36"/>
-    <p:sldId id="280" r:id="rId37"/>
-    <p:sldId id="281" r:id="rId38"/>
-    <p:sldId id="286" r:id="rId39"/>
-    <p:sldId id="284" r:id="rId40"/>
-    <p:sldId id="287" r:id="rId41"/>
-    <p:sldId id="288" r:id="rId42"/>
-    <p:sldId id="289" r:id="rId43"/>
-    <p:sldId id="290" r:id="rId44"/>
+    <p:sldId id="312" r:id="rId10"/>
+    <p:sldId id="278" r:id="rId11"/>
+    <p:sldId id="279" r:id="rId12"/>
+    <p:sldId id="308" r:id="rId13"/>
+    <p:sldId id="303" r:id="rId14"/>
+    <p:sldId id="304" r:id="rId15"/>
+    <p:sldId id="305" r:id="rId16"/>
+    <p:sldId id="306" r:id="rId17"/>
+    <p:sldId id="307" r:id="rId18"/>
+    <p:sldId id="309" r:id="rId19"/>
+    <p:sldId id="294" r:id="rId20"/>
+    <p:sldId id="272" r:id="rId21"/>
+    <p:sldId id="311" r:id="rId22"/>
+    <p:sldId id="275" r:id="rId23"/>
+    <p:sldId id="298" r:id="rId24"/>
+    <p:sldId id="273" r:id="rId25"/>
+    <p:sldId id="291" r:id="rId26"/>
+    <p:sldId id="292" r:id="rId27"/>
+    <p:sldId id="293" r:id="rId28"/>
+    <p:sldId id="276" r:id="rId29"/>
+    <p:sldId id="277" r:id="rId30"/>
+    <p:sldId id="285" r:id="rId31"/>
+    <p:sldId id="313" r:id="rId32"/>
+    <p:sldId id="314" r:id="rId33"/>
+    <p:sldId id="299" r:id="rId34"/>
+    <p:sldId id="300" r:id="rId35"/>
+    <p:sldId id="301" r:id="rId36"/>
+    <p:sldId id="302" r:id="rId37"/>
+    <p:sldId id="282" r:id="rId38"/>
+    <p:sldId id="280" r:id="rId39"/>
+    <p:sldId id="281" r:id="rId40"/>
+    <p:sldId id="286" r:id="rId41"/>
+    <p:sldId id="284" r:id="rId42"/>
+    <p:sldId id="287" r:id="rId43"/>
+    <p:sldId id="288" r:id="rId44"/>
+    <p:sldId id="289" r:id="rId45"/>
+    <p:sldId id="290" r:id="rId46"/>
   </p:sldIdLst>
   <p:sldSz cx="12192000" cy="6858000"/>
   <p:notesSz cx="6735763" cy="9866313"/>
@@ -239,7 +241,7 @@
           <a:p>
             <a:fld id="{38CCC024-2672-404A-A79A-2BEB52B95B1E}" type="datetimeFigureOut">
               <a:rPr kumimoji="1" lang="ja-JP" altLang="en-US" smtClean="0"/>
-              <a:t>2019/9/17</a:t>
+              <a:t>2019/9/18</a:t>
             </a:fld>
             <a:endParaRPr kumimoji="1" lang="ja-JP" altLang="en-US"/>
           </a:p>
@@ -453,7 +455,7 @@
           <a:p>
             <a:fld id="{8C36E4E4-294E-4674-8C96-9900DB209D68}" type="datetimeFigureOut">
               <a:rPr kumimoji="1" lang="ja-JP" altLang="en-US" smtClean="0"/>
-              <a:t>2019/9/17</a:t>
+              <a:t>2019/9/18</a:t>
             </a:fld>
             <a:endParaRPr kumimoji="1" lang="ja-JP" altLang="en-US"/>
           </a:p>
@@ -655,7 +657,7 @@
           <a:p>
             <a:fld id="{8C36E4E4-294E-4674-8C96-9900DB209D68}" type="datetimeFigureOut">
               <a:rPr kumimoji="1" lang="ja-JP" altLang="en-US" smtClean="0"/>
-              <a:t>2019/9/17</a:t>
+              <a:t>2019/9/18</a:t>
             </a:fld>
             <a:endParaRPr kumimoji="1" lang="ja-JP" altLang="en-US"/>
           </a:p>
@@ -867,7 +869,7 @@
           <a:p>
             <a:fld id="{8C36E4E4-294E-4674-8C96-9900DB209D68}" type="datetimeFigureOut">
               <a:rPr kumimoji="1" lang="ja-JP" altLang="en-US" smtClean="0"/>
-              <a:t>2019/9/17</a:t>
+              <a:t>2019/9/18</a:t>
             </a:fld>
             <a:endParaRPr kumimoji="1" lang="ja-JP" altLang="en-US"/>
           </a:p>
@@ -1069,7 +1071,7 @@
           <a:p>
             <a:fld id="{8C36E4E4-294E-4674-8C96-9900DB209D68}" type="datetimeFigureOut">
               <a:rPr kumimoji="1" lang="ja-JP" altLang="en-US" smtClean="0"/>
-              <a:t>2019/9/17</a:t>
+              <a:t>2019/9/18</a:t>
             </a:fld>
             <a:endParaRPr kumimoji="1" lang="ja-JP" altLang="en-US"/>
           </a:p>
@@ -1315,7 +1317,7 @@
           <a:p>
             <a:fld id="{8C36E4E4-294E-4674-8C96-9900DB209D68}" type="datetimeFigureOut">
               <a:rPr kumimoji="1" lang="ja-JP" altLang="en-US" smtClean="0"/>
-              <a:t>2019/9/17</a:t>
+              <a:t>2019/9/18</a:t>
             </a:fld>
             <a:endParaRPr kumimoji="1" lang="ja-JP" altLang="en-US"/>
           </a:p>
@@ -1611,7 +1613,7 @@
           <a:p>
             <a:fld id="{8C36E4E4-294E-4674-8C96-9900DB209D68}" type="datetimeFigureOut">
               <a:rPr kumimoji="1" lang="ja-JP" altLang="en-US" smtClean="0"/>
-              <a:t>2019/9/17</a:t>
+              <a:t>2019/9/18</a:t>
             </a:fld>
             <a:endParaRPr kumimoji="1" lang="ja-JP" altLang="en-US"/>
           </a:p>
@@ -2042,7 +2044,7 @@
           <a:p>
             <a:fld id="{8C36E4E4-294E-4674-8C96-9900DB209D68}" type="datetimeFigureOut">
               <a:rPr kumimoji="1" lang="ja-JP" altLang="en-US" smtClean="0"/>
-              <a:t>2019/9/17</a:t>
+              <a:t>2019/9/18</a:t>
             </a:fld>
             <a:endParaRPr kumimoji="1" lang="ja-JP" altLang="en-US"/>
           </a:p>
@@ -2160,7 +2162,7 @@
           <a:p>
             <a:fld id="{8C36E4E4-294E-4674-8C96-9900DB209D68}" type="datetimeFigureOut">
               <a:rPr kumimoji="1" lang="ja-JP" altLang="en-US" smtClean="0"/>
-              <a:t>2019/9/17</a:t>
+              <a:t>2019/9/18</a:t>
             </a:fld>
             <a:endParaRPr kumimoji="1" lang="ja-JP" altLang="en-US"/>
           </a:p>
@@ -2255,7 +2257,7 @@
           <a:p>
             <a:fld id="{8C36E4E4-294E-4674-8C96-9900DB209D68}" type="datetimeFigureOut">
               <a:rPr kumimoji="1" lang="ja-JP" altLang="en-US" smtClean="0"/>
-              <a:t>2019/9/17</a:t>
+              <a:t>2019/9/18</a:t>
             </a:fld>
             <a:endParaRPr kumimoji="1" lang="ja-JP" altLang="en-US"/>
           </a:p>
@@ -2564,7 +2566,7 @@
           <a:p>
             <a:fld id="{8C36E4E4-294E-4674-8C96-9900DB209D68}" type="datetimeFigureOut">
               <a:rPr kumimoji="1" lang="ja-JP" altLang="en-US" smtClean="0"/>
-              <a:t>2019/9/17</a:t>
+              <a:t>2019/9/18</a:t>
             </a:fld>
             <a:endParaRPr kumimoji="1" lang="ja-JP" altLang="en-US"/>
           </a:p>
@@ -2817,7 +2819,7 @@
           <a:p>
             <a:fld id="{8C36E4E4-294E-4674-8C96-9900DB209D68}" type="datetimeFigureOut">
               <a:rPr kumimoji="1" lang="ja-JP" altLang="en-US" smtClean="0"/>
-              <a:t>2019/9/17</a:t>
+              <a:t>2019/9/18</a:t>
             </a:fld>
             <a:endParaRPr kumimoji="1" lang="ja-JP" altLang="en-US"/>
           </a:p>
@@ -3062,7 +3064,7 @@
           <a:p>
             <a:fld id="{8C36E4E4-294E-4674-8C96-9900DB209D68}" type="datetimeFigureOut">
               <a:rPr kumimoji="1" lang="ja-JP" altLang="en-US" smtClean="0"/>
-              <a:t>2019/9/17</a:t>
+              <a:t>2019/9/18</a:t>
             </a:fld>
             <a:endParaRPr kumimoji="1" lang="ja-JP" altLang="en-US"/>
           </a:p>
@@ -3584,6 +3586,396 @@
           <a:p>
             <a:r>
               <a:rPr kumimoji="1" lang="en-US" altLang="ja-JP" dirty="0" smtClean="0"/>
+              <a:t>Curvature and Polygon</a:t>
+            </a:r>
+            <a:endParaRPr kumimoji="1" lang="ja-JP" altLang="en-US" dirty="0"/>
+          </a:p>
+        </p:txBody>
+      </p:sp>
+      <p:pic>
+        <p:nvPicPr>
+          <p:cNvPr id="4" name="コンテンツ プレースホルダー 3"/>
+          <p:cNvPicPr>
+            <a:picLocks noGrp="1" noChangeAspect="1"/>
+          </p:cNvPicPr>
+          <p:nvPr>
+            <p:ph idx="1"/>
+          </p:nvPr>
+        </p:nvPicPr>
+        <p:blipFill>
+          <a:blip r:embed="rId2" cstate="print">
+            <a:extLst>
+              <a:ext uri="{28A0092B-C50C-407E-A947-70E740481C1C}">
+                <a14:useLocalDpi xmlns:a14="http://schemas.microsoft.com/office/drawing/2010/main" val="0"/>
+              </a:ext>
+            </a:extLst>
+          </a:blip>
+          <a:stretch>
+            <a:fillRect/>
+          </a:stretch>
+        </p:blipFill>
+        <p:spPr>
+          <a:xfrm>
+            <a:off x="7731635" y="18051"/>
+            <a:ext cx="4460365" cy="3345274"/>
+          </a:xfrm>
+        </p:spPr>
+      </p:pic>
+      <p:cxnSp>
+        <p:nvCxnSpPr>
+          <p:cNvPr id="5" name="直線コネクタ 4"/>
+          <p:cNvCxnSpPr/>
+          <p:nvPr/>
+        </p:nvCxnSpPr>
+        <p:spPr>
+          <a:xfrm>
+            <a:off x="8155858" y="2557822"/>
+            <a:ext cx="44245" cy="3646026"/>
+          </a:xfrm>
+          <a:prstGeom prst="line">
+            <a:avLst/>
+          </a:prstGeom>
+          <a:ln w="38100"/>
+        </p:spPr>
+        <p:style>
+          <a:lnRef idx="1">
+            <a:schemeClr val="dk1"/>
+          </a:lnRef>
+          <a:fillRef idx="0">
+            <a:schemeClr val="dk1"/>
+          </a:fillRef>
+          <a:effectRef idx="0">
+            <a:schemeClr val="dk1"/>
+          </a:effectRef>
+          <a:fontRef idx="minor">
+            <a:schemeClr val="tx1"/>
+          </a:fontRef>
+        </p:style>
+      </p:cxnSp>
+      <p:cxnSp>
+        <p:nvCxnSpPr>
+          <p:cNvPr id="6" name="直線コネクタ 5"/>
+          <p:cNvCxnSpPr/>
+          <p:nvPr/>
+        </p:nvCxnSpPr>
+        <p:spPr>
+          <a:xfrm flipH="1">
+            <a:off x="6713895" y="3354951"/>
+            <a:ext cx="2928169" cy="1725561"/>
+          </a:xfrm>
+          <a:prstGeom prst="line">
+            <a:avLst/>
+          </a:prstGeom>
+          <a:ln w="38100"/>
+        </p:spPr>
+        <p:style>
+          <a:lnRef idx="1">
+            <a:schemeClr val="dk1"/>
+          </a:lnRef>
+          <a:fillRef idx="0">
+            <a:schemeClr val="dk1"/>
+          </a:fillRef>
+          <a:effectRef idx="0">
+            <a:schemeClr val="dk1"/>
+          </a:effectRef>
+          <a:fontRef idx="minor">
+            <a:schemeClr val="tx1"/>
+          </a:fontRef>
+        </p:style>
+      </p:cxnSp>
+      <p:cxnSp>
+        <p:nvCxnSpPr>
+          <p:cNvPr id="11" name="直線コネクタ 10"/>
+          <p:cNvCxnSpPr/>
+          <p:nvPr/>
+        </p:nvCxnSpPr>
+        <p:spPr>
+          <a:xfrm>
+            <a:off x="7003026" y="3354951"/>
+            <a:ext cx="2494935" cy="1725561"/>
+          </a:xfrm>
+          <a:prstGeom prst="line">
+            <a:avLst/>
+          </a:prstGeom>
+          <a:ln w="38100"/>
+        </p:spPr>
+        <p:style>
+          <a:lnRef idx="1">
+            <a:schemeClr val="dk1"/>
+          </a:lnRef>
+          <a:fillRef idx="0">
+            <a:schemeClr val="dk1"/>
+          </a:fillRef>
+          <a:effectRef idx="0">
+            <a:schemeClr val="dk1"/>
+          </a:effectRef>
+          <a:fontRef idx="minor">
+            <a:schemeClr val="tx1"/>
+          </a:fontRef>
+        </p:style>
+      </p:cxnSp>
+      <p:sp>
+        <p:nvSpPr>
+          <p:cNvPr id="16" name="コンテンツ プレースホルダー 2"/>
+          <p:cNvSpPr txBox="1">
+            <a:spLocks/>
+          </p:cNvSpPr>
+          <p:nvPr/>
+        </p:nvSpPr>
+        <p:spPr>
+          <a:xfrm>
+            <a:off x="976772" y="1690688"/>
+            <a:ext cx="4898923" cy="4351338"/>
+          </a:xfrm>
+          <a:prstGeom prst="rect">
+            <a:avLst/>
+          </a:prstGeom>
+        </p:spPr>
+        <p:txBody>
+          <a:bodyPr vert="horz" lIns="91440" tIns="45720" rIns="91440" bIns="45720" rtlCol="0">
+            <a:normAutofit/>
+          </a:bodyPr>
+          <a:lstStyle>
+            <a:lvl1pPr marL="228600" indent="-228600" algn="l" defTabSz="914400" rtl="0" eaLnBrk="1" latinLnBrk="0" hangingPunct="1">
+              <a:lnSpc>
+                <a:spcPct val="90000"/>
+              </a:lnSpc>
+              <a:spcBef>
+                <a:spcPts val="1000"/>
+              </a:spcBef>
+              <a:buFont typeface="Arial" panose="020B0604020202020204" pitchFamily="34" charset="0"/>
+              <a:buChar char="•"/>
+              <a:defRPr kumimoji="1" sz="2800" kern="1200">
+                <a:solidFill>
+                  <a:schemeClr val="tx1"/>
+                </a:solidFill>
+                <a:latin typeface="+mn-lt"/>
+                <a:ea typeface="+mn-ea"/>
+                <a:cs typeface="+mn-cs"/>
+              </a:defRPr>
+            </a:lvl1pPr>
+            <a:lvl2pPr marL="685800" indent="-228600" algn="l" defTabSz="914400" rtl="0" eaLnBrk="1" latinLnBrk="0" hangingPunct="1">
+              <a:lnSpc>
+                <a:spcPct val="90000"/>
+              </a:lnSpc>
+              <a:spcBef>
+                <a:spcPts val="500"/>
+              </a:spcBef>
+              <a:buFont typeface="Arial" panose="020B0604020202020204" pitchFamily="34" charset="0"/>
+              <a:buChar char="•"/>
+              <a:defRPr kumimoji="1" sz="2400" kern="1200">
+                <a:solidFill>
+                  <a:schemeClr val="tx1"/>
+                </a:solidFill>
+                <a:latin typeface="+mn-lt"/>
+                <a:ea typeface="+mn-ea"/>
+                <a:cs typeface="+mn-cs"/>
+              </a:defRPr>
+            </a:lvl2pPr>
+            <a:lvl3pPr marL="1143000" indent="-228600" algn="l" defTabSz="914400" rtl="0" eaLnBrk="1" latinLnBrk="0" hangingPunct="1">
+              <a:lnSpc>
+                <a:spcPct val="90000"/>
+              </a:lnSpc>
+              <a:spcBef>
+                <a:spcPts val="500"/>
+              </a:spcBef>
+              <a:buFont typeface="Arial" panose="020B0604020202020204" pitchFamily="34" charset="0"/>
+              <a:buChar char="•"/>
+              <a:defRPr kumimoji="1" sz="2000" kern="1200">
+                <a:solidFill>
+                  <a:schemeClr val="tx1"/>
+                </a:solidFill>
+                <a:latin typeface="+mn-lt"/>
+                <a:ea typeface="+mn-ea"/>
+                <a:cs typeface="+mn-cs"/>
+              </a:defRPr>
+            </a:lvl3pPr>
+            <a:lvl4pPr marL="1600200" indent="-228600" algn="l" defTabSz="914400" rtl="0" eaLnBrk="1" latinLnBrk="0" hangingPunct="1">
+              <a:lnSpc>
+                <a:spcPct val="90000"/>
+              </a:lnSpc>
+              <a:spcBef>
+                <a:spcPts val="500"/>
+              </a:spcBef>
+              <a:buFont typeface="Arial" panose="020B0604020202020204" pitchFamily="34" charset="0"/>
+              <a:buChar char="•"/>
+              <a:defRPr kumimoji="1" sz="1800" kern="1200">
+                <a:solidFill>
+                  <a:schemeClr val="tx1"/>
+                </a:solidFill>
+                <a:latin typeface="+mn-lt"/>
+                <a:ea typeface="+mn-ea"/>
+                <a:cs typeface="+mn-cs"/>
+              </a:defRPr>
+            </a:lvl4pPr>
+            <a:lvl5pPr marL="2057400" indent="-228600" algn="l" defTabSz="914400" rtl="0" eaLnBrk="1" latinLnBrk="0" hangingPunct="1">
+              <a:lnSpc>
+                <a:spcPct val="90000"/>
+              </a:lnSpc>
+              <a:spcBef>
+                <a:spcPts val="500"/>
+              </a:spcBef>
+              <a:buFont typeface="Arial" panose="020B0604020202020204" pitchFamily="34" charset="0"/>
+              <a:buChar char="•"/>
+              <a:defRPr kumimoji="1" sz="1800" kern="1200">
+                <a:solidFill>
+                  <a:schemeClr val="tx1"/>
+                </a:solidFill>
+                <a:latin typeface="+mn-lt"/>
+                <a:ea typeface="+mn-ea"/>
+                <a:cs typeface="+mn-cs"/>
+              </a:defRPr>
+            </a:lvl5pPr>
+            <a:lvl6pPr marL="2514600" indent="-228600" algn="l" defTabSz="914400" rtl="0" eaLnBrk="1" latinLnBrk="0" hangingPunct="1">
+              <a:lnSpc>
+                <a:spcPct val="90000"/>
+              </a:lnSpc>
+              <a:spcBef>
+                <a:spcPts val="500"/>
+              </a:spcBef>
+              <a:buFont typeface="Arial" panose="020B0604020202020204" pitchFamily="34" charset="0"/>
+              <a:buChar char="•"/>
+              <a:defRPr kumimoji="1" sz="1800" kern="1200">
+                <a:solidFill>
+                  <a:schemeClr val="tx1"/>
+                </a:solidFill>
+                <a:latin typeface="+mn-lt"/>
+                <a:ea typeface="+mn-ea"/>
+                <a:cs typeface="+mn-cs"/>
+              </a:defRPr>
+            </a:lvl6pPr>
+            <a:lvl7pPr marL="2971800" indent="-228600" algn="l" defTabSz="914400" rtl="0" eaLnBrk="1" latinLnBrk="0" hangingPunct="1">
+              <a:lnSpc>
+                <a:spcPct val="90000"/>
+              </a:lnSpc>
+              <a:spcBef>
+                <a:spcPts val="500"/>
+              </a:spcBef>
+              <a:buFont typeface="Arial" panose="020B0604020202020204" pitchFamily="34" charset="0"/>
+              <a:buChar char="•"/>
+              <a:defRPr kumimoji="1" sz="1800" kern="1200">
+                <a:solidFill>
+                  <a:schemeClr val="tx1"/>
+                </a:solidFill>
+                <a:latin typeface="+mn-lt"/>
+                <a:ea typeface="+mn-ea"/>
+                <a:cs typeface="+mn-cs"/>
+              </a:defRPr>
+            </a:lvl7pPr>
+            <a:lvl8pPr marL="3429000" indent="-228600" algn="l" defTabSz="914400" rtl="0" eaLnBrk="1" latinLnBrk="0" hangingPunct="1">
+              <a:lnSpc>
+                <a:spcPct val="90000"/>
+              </a:lnSpc>
+              <a:spcBef>
+                <a:spcPts val="500"/>
+              </a:spcBef>
+              <a:buFont typeface="Arial" panose="020B0604020202020204" pitchFamily="34" charset="0"/>
+              <a:buChar char="•"/>
+              <a:defRPr kumimoji="1" sz="1800" kern="1200">
+                <a:solidFill>
+                  <a:schemeClr val="tx1"/>
+                </a:solidFill>
+                <a:latin typeface="+mn-lt"/>
+                <a:ea typeface="+mn-ea"/>
+                <a:cs typeface="+mn-cs"/>
+              </a:defRPr>
+            </a:lvl8pPr>
+            <a:lvl9pPr marL="3886200" indent="-228600" algn="l" defTabSz="914400" rtl="0" eaLnBrk="1" latinLnBrk="0" hangingPunct="1">
+              <a:lnSpc>
+                <a:spcPct val="90000"/>
+              </a:lnSpc>
+              <a:spcBef>
+                <a:spcPts val="500"/>
+              </a:spcBef>
+              <a:buFont typeface="Arial" panose="020B0604020202020204" pitchFamily="34" charset="0"/>
+              <a:buChar char="•"/>
+              <a:defRPr kumimoji="1" sz="1800" kern="1200">
+                <a:solidFill>
+                  <a:schemeClr val="tx1"/>
+                </a:solidFill>
+                <a:latin typeface="+mn-lt"/>
+                <a:ea typeface="+mn-ea"/>
+                <a:cs typeface="+mn-cs"/>
+              </a:defRPr>
+            </a:lvl9pPr>
+          </a:lstStyle>
+          <a:p>
+            <a:r>
+              <a:rPr lang="en-US" altLang="ja-JP" dirty="0" smtClean="0"/>
+              <a:t>6 equilateral triangles make a flat plane.</a:t>
+            </a:r>
+          </a:p>
+          <a:p>
+            <a:r>
+              <a:rPr lang="en-US" altLang="ja-JP" dirty="0" smtClean="0"/>
+              <a:t>&lt; 6 equilateral triangles make concave/convex part.</a:t>
+            </a:r>
+          </a:p>
+          <a:p>
+            <a:r>
+              <a:rPr lang="en-US" altLang="ja-JP" dirty="0" smtClean="0"/>
+              <a:t>&gt; 6 equilateral triangles make redundancy of area … hyperbolic.</a:t>
+            </a:r>
+          </a:p>
+          <a:p>
+            <a:endParaRPr lang="ja-JP" altLang="en-US" dirty="0"/>
+          </a:p>
+        </p:txBody>
+      </p:sp>
+    </p:spTree>
+    <p:extLst>
+      <p:ext uri="{BB962C8B-B14F-4D97-AF65-F5344CB8AC3E}">
+        <p14:creationId xmlns:p14="http://schemas.microsoft.com/office/powerpoint/2010/main" val="552391641"/>
+      </p:ext>
+    </p:extLst>
+  </p:cSld>
+  <p:clrMapOvr>
+    <a:masterClrMapping/>
+  </p:clrMapOvr>
+</p:sld>
+</file>
+
+<file path=ppt/slides/slide11.xml><?xml version="1.0" encoding="utf-8"?>
+<p:sld xmlns:a="http://schemas.openxmlformats.org/drawingml/2006/main" xmlns:r="http://schemas.openxmlformats.org/officeDocument/2006/relationships" xmlns:p="http://schemas.openxmlformats.org/presentationml/2006/main">
+  <p:cSld>
+    <p:spTree>
+      <p:nvGrpSpPr>
+        <p:cNvPr id="1" name=""/>
+        <p:cNvGrpSpPr/>
+        <p:nvPr/>
+      </p:nvGrpSpPr>
+      <p:grpSpPr>
+        <a:xfrm>
+          <a:off x="0" y="0"/>
+          <a:ext cx="0" cy="0"/>
+          <a:chOff x="0" y="0"/>
+          <a:chExt cx="0" cy="0"/>
+        </a:xfrm>
+      </p:grpSpPr>
+      <p:sp>
+        <p:nvSpPr>
+          <p:cNvPr id="2" name="タイトル 1"/>
+          <p:cNvSpPr>
+            <a:spLocks noGrp="1"/>
+          </p:cNvSpPr>
+          <p:nvPr>
+            <p:ph type="title"/>
+          </p:nvPr>
+        </p:nvSpPr>
+        <p:spPr>
+          <a:xfrm>
+            <a:off x="838200" y="94005"/>
+            <a:ext cx="10515600" cy="1325563"/>
+          </a:xfrm>
+        </p:spPr>
+        <p:txBody>
+          <a:bodyPr>
+            <a:normAutofit/>
+          </a:bodyPr>
+          <a:lstStyle/>
+          <a:p>
+            <a:r>
+              <a:rPr kumimoji="1" lang="en-US" altLang="ja-JP" dirty="0" smtClean="0"/>
               <a:t>Hyperbolic geometry &amp; </a:t>
             </a:r>
             <a:r>
@@ -3592,7 +3984,18 @@
             </a:r>
             <a:r>
               <a:rPr kumimoji="1" lang="en-US" altLang="ja-JP" dirty="0" smtClean="0"/>
-              <a:t> Knitting</a:t>
+              <a:t> </a:t>
+            </a:r>
+            <a:r>
+              <a:rPr kumimoji="1" lang="en-US" altLang="ja-JP" dirty="0" smtClean="0"/>
+              <a:t>Knitting</a:t>
+            </a:r>
+            <a:br>
+              <a:rPr kumimoji="1" lang="en-US" altLang="ja-JP" dirty="0" smtClean="0"/>
+            </a:br>
+            <a:r>
+              <a:rPr lang="en-US" altLang="ja-JP" sz="3200" dirty="0" smtClean="0"/>
+              <a:t>Digital/discrete representation of curved surface</a:t>
             </a:r>
             <a:endParaRPr kumimoji="1" lang="ja-JP" altLang="en-US" dirty="0"/>
           </a:p>
@@ -3897,7 +4300,7 @@
 </p:sld>
 </file>
 
-<file path=ppt/slides/slide11.xml><?xml version="1.0" encoding="utf-8"?>
+<file path=ppt/slides/slide12.xml><?xml version="1.0" encoding="utf-8"?>
 <p:sld xmlns:a="http://schemas.openxmlformats.org/drawingml/2006/main" xmlns:r="http://schemas.openxmlformats.org/officeDocument/2006/relationships" xmlns:p="http://schemas.openxmlformats.org/presentationml/2006/main">
   <p:cSld>
     <p:spTree>
@@ -3969,7 +4372,7 @@
 </p:sld>
 </file>
 
-<file path=ppt/slides/slide12.xml><?xml version="1.0" encoding="utf-8"?>
+<file path=ppt/slides/slide13.xml><?xml version="1.0" encoding="utf-8"?>
 <p:sld xmlns:a="http://schemas.openxmlformats.org/drawingml/2006/main" xmlns:r="http://schemas.openxmlformats.org/officeDocument/2006/relationships" xmlns:p="http://schemas.openxmlformats.org/presentationml/2006/main">
   <p:cSld>
     <p:spTree>
@@ -4185,7 +4588,7 @@
 </p:sld>
 </file>
 
-<file path=ppt/slides/slide13.xml><?xml version="1.0" encoding="utf-8"?>
+<file path=ppt/slides/slide14.xml><?xml version="1.0" encoding="utf-8"?>
 <p:sld xmlns:a="http://schemas.openxmlformats.org/drawingml/2006/main" xmlns:r="http://schemas.openxmlformats.org/officeDocument/2006/relationships" xmlns:p="http://schemas.openxmlformats.org/presentationml/2006/main">
   <p:cSld>
     <p:spTree>
@@ -4306,7 +4709,7 @@
 </p:sld>
 </file>
 
-<file path=ppt/slides/slide14.xml><?xml version="1.0" encoding="utf-8"?>
+<file path=ppt/slides/slide15.xml><?xml version="1.0" encoding="utf-8"?>
 <p:sld xmlns:a="http://schemas.openxmlformats.org/drawingml/2006/main" xmlns:r="http://schemas.openxmlformats.org/officeDocument/2006/relationships" xmlns:p="http://schemas.openxmlformats.org/presentationml/2006/main">
   <p:cSld>
     <p:spTree>
@@ -4419,7 +4822,7 @@
 </p:sld>
 </file>
 
-<file path=ppt/slides/slide15.xml><?xml version="1.0" encoding="utf-8"?>
+<file path=ppt/slides/slide16.xml><?xml version="1.0" encoding="utf-8"?>
 <p:sld xmlns:a="http://schemas.openxmlformats.org/drawingml/2006/main" xmlns:r="http://schemas.openxmlformats.org/officeDocument/2006/relationships" xmlns:p="http://schemas.openxmlformats.org/presentationml/2006/main">
   <p:cSld>
     <p:spTree>
@@ -4532,7 +4935,7 @@
 </p:sld>
 </file>
 
-<file path=ppt/slides/slide16.xml><?xml version="1.0" encoding="utf-8"?>
+<file path=ppt/slides/slide17.xml><?xml version="1.0" encoding="utf-8"?>
 <p:sld xmlns:a="http://schemas.openxmlformats.org/drawingml/2006/main" xmlns:r="http://schemas.openxmlformats.org/officeDocument/2006/relationships" xmlns:p="http://schemas.openxmlformats.org/presentationml/2006/main">
   <p:cSld>
     <p:spTree>
@@ -4634,7 +5037,7 @@
 </p:sld>
 </file>
 
-<file path=ppt/slides/slide17.xml><?xml version="1.0" encoding="utf-8"?>
+<file path=ppt/slides/slide18.xml><?xml version="1.0" encoding="utf-8"?>
 <p:sld xmlns:a="http://schemas.openxmlformats.org/drawingml/2006/main" xmlns:r="http://schemas.openxmlformats.org/officeDocument/2006/relationships" xmlns:p="http://schemas.openxmlformats.org/presentationml/2006/main">
   <p:cSld>
     <p:spTree>
@@ -4841,7 +5244,7 @@
 </p:sld>
 </file>
 
-<file path=ppt/slides/slide18.xml><?xml version="1.0" encoding="utf-8"?>
+<file path=ppt/slides/slide19.xml><?xml version="1.0" encoding="utf-8"?>
 <p:sld xmlns:a="http://schemas.openxmlformats.org/drawingml/2006/main" xmlns:r="http://schemas.openxmlformats.org/officeDocument/2006/relationships" xmlns:p="http://schemas.openxmlformats.org/presentationml/2006/main">
   <p:cSld>
     <p:spTree>
@@ -4967,7 +5370,151 @@
 </p:sld>
 </file>
 
-<file path=ppt/slides/slide19.xml><?xml version="1.0" encoding="utf-8"?>
+<file path=ppt/slides/slide2.xml><?xml version="1.0" encoding="utf-8"?>
+<p:sld xmlns:a="http://schemas.openxmlformats.org/drawingml/2006/main" xmlns:r="http://schemas.openxmlformats.org/officeDocument/2006/relationships" xmlns:p="http://schemas.openxmlformats.org/presentationml/2006/main">
+  <p:cSld>
+    <p:spTree>
+      <p:nvGrpSpPr>
+        <p:cNvPr id="1" name=""/>
+        <p:cNvGrpSpPr/>
+        <p:nvPr/>
+      </p:nvGrpSpPr>
+      <p:grpSpPr>
+        <a:xfrm>
+          <a:off x="0" y="0"/>
+          <a:ext cx="0" cy="0"/>
+          <a:chOff x="0" y="0"/>
+          <a:chExt cx="0" cy="0"/>
+        </a:xfrm>
+      </p:grpSpPr>
+      <p:sp>
+        <p:nvSpPr>
+          <p:cNvPr id="2" name="タイトル 1"/>
+          <p:cNvSpPr>
+            <a:spLocks noGrp="1"/>
+          </p:cNvSpPr>
+          <p:nvPr>
+            <p:ph type="title"/>
+          </p:nvPr>
+        </p:nvSpPr>
+        <p:spPr/>
+        <p:txBody>
+          <a:bodyPr/>
+          <a:lstStyle/>
+          <a:p>
+            <a:r>
+              <a:rPr kumimoji="1" lang="en-US" altLang="ja-JP" dirty="0" smtClean="0"/>
+              <a:t>Cell</a:t>
+            </a:r>
+            <a:endParaRPr kumimoji="1" lang="ja-JP" altLang="en-US" dirty="0"/>
+          </a:p>
+        </p:txBody>
+      </p:sp>
+      <p:sp>
+        <p:nvSpPr>
+          <p:cNvPr id="3" name="コンテンツ プレースホルダー 2"/>
+          <p:cNvSpPr>
+            <a:spLocks noGrp="1"/>
+          </p:cNvSpPr>
+          <p:nvPr>
+            <p:ph idx="1"/>
+          </p:nvPr>
+        </p:nvSpPr>
+        <p:spPr/>
+        <p:txBody>
+          <a:bodyPr/>
+          <a:lstStyle/>
+          <a:p>
+            <a:endParaRPr kumimoji="1" lang="ja-JP" altLang="en-US"/>
+          </a:p>
+        </p:txBody>
+      </p:sp>
+      <p:pic>
+        <p:nvPicPr>
+          <p:cNvPr id="1026" name="Picture 2" descr="https://upload.wikimedia.org/wikipedia/commons/1/10/Illu_cell_structure.jpg"/>
+          <p:cNvPicPr>
+            <a:picLocks noChangeAspect="1" noChangeArrowheads="1"/>
+          </p:cNvPicPr>
+          <p:nvPr/>
+        </p:nvPicPr>
+        <p:blipFill>
+          <a:blip r:embed="rId2">
+            <a:extLst>
+              <a:ext uri="{28A0092B-C50C-407E-A947-70E740481C1C}">
+                <a14:useLocalDpi xmlns:a14="http://schemas.microsoft.com/office/drawing/2010/main" val="0"/>
+              </a:ext>
+            </a:extLst>
+          </a:blip>
+          <a:srcRect/>
+          <a:stretch>
+            <a:fillRect/>
+          </a:stretch>
+        </p:blipFill>
+        <p:spPr bwMode="auto">
+          <a:xfrm>
+            <a:off x="2212259" y="570175"/>
+            <a:ext cx="9615948" cy="5381234"/>
+          </a:xfrm>
+          <a:prstGeom prst="rect">
+            <a:avLst/>
+          </a:prstGeom>
+          <a:noFill/>
+          <a:extLst>
+            <a:ext uri="{909E8E84-426E-40DD-AFC4-6F175D3DCCD1}">
+              <a14:hiddenFill xmlns:a14="http://schemas.microsoft.com/office/drawing/2010/main">
+                <a:solidFill>
+                  <a:srgbClr val="FFFFFF"/>
+                </a:solidFill>
+              </a14:hiddenFill>
+            </a:ext>
+          </a:extLst>
+        </p:spPr>
+      </p:pic>
+      <p:sp>
+        <p:nvSpPr>
+          <p:cNvPr id="4" name="正方形/長方形 3"/>
+          <p:cNvSpPr/>
+          <p:nvPr/>
+        </p:nvSpPr>
+        <p:spPr>
+          <a:xfrm>
+            <a:off x="7020233" y="6349616"/>
+            <a:ext cx="4681090" cy="369332"/>
+          </a:xfrm>
+          <a:prstGeom prst="rect">
+            <a:avLst/>
+          </a:prstGeom>
+        </p:spPr>
+        <p:txBody>
+          <a:bodyPr wrap="none">
+            <a:spAutoFit/>
+          </a:bodyPr>
+          <a:lstStyle/>
+          <a:p>
+            <a:r>
+              <a:rPr lang="en-US" altLang="ja-JP" dirty="0">
+                <a:hlinkClick r:id="rId3"/>
+              </a:rPr>
+              <a:t>https://en.wikipedia.org/wiki/Cell_biology</a:t>
+            </a:r>
+            <a:endParaRPr lang="ja-JP" altLang="en-US" dirty="0"/>
+          </a:p>
+        </p:txBody>
+      </p:sp>
+    </p:spTree>
+    <p:extLst>
+      <p:ext uri="{BB962C8B-B14F-4D97-AF65-F5344CB8AC3E}">
+        <p14:creationId xmlns:p14="http://schemas.microsoft.com/office/powerpoint/2010/main" val="43951930"/>
+      </p:ext>
+    </p:extLst>
+  </p:cSld>
+  <p:clrMapOvr>
+    <a:masterClrMapping/>
+  </p:clrMapOvr>
+</p:sld>
+</file>
+
+<file path=ppt/slides/slide20.xml><?xml version="1.0" encoding="utf-8"?>
 <p:sld xmlns:a="http://schemas.openxmlformats.org/drawingml/2006/main" xmlns:r="http://schemas.openxmlformats.org/officeDocument/2006/relationships" xmlns:p="http://schemas.openxmlformats.org/presentationml/2006/main">
   <p:cSld>
     <p:spTree>
@@ -5090,151 +5637,7 @@
 </p:sld>
 </file>
 
-<file path=ppt/slides/slide2.xml><?xml version="1.0" encoding="utf-8"?>
-<p:sld xmlns:a="http://schemas.openxmlformats.org/drawingml/2006/main" xmlns:r="http://schemas.openxmlformats.org/officeDocument/2006/relationships" xmlns:p="http://schemas.openxmlformats.org/presentationml/2006/main">
-  <p:cSld>
-    <p:spTree>
-      <p:nvGrpSpPr>
-        <p:cNvPr id="1" name=""/>
-        <p:cNvGrpSpPr/>
-        <p:nvPr/>
-      </p:nvGrpSpPr>
-      <p:grpSpPr>
-        <a:xfrm>
-          <a:off x="0" y="0"/>
-          <a:ext cx="0" cy="0"/>
-          <a:chOff x="0" y="0"/>
-          <a:chExt cx="0" cy="0"/>
-        </a:xfrm>
-      </p:grpSpPr>
-      <p:sp>
-        <p:nvSpPr>
-          <p:cNvPr id="2" name="タイトル 1"/>
-          <p:cNvSpPr>
-            <a:spLocks noGrp="1"/>
-          </p:cNvSpPr>
-          <p:nvPr>
-            <p:ph type="title"/>
-          </p:nvPr>
-        </p:nvSpPr>
-        <p:spPr/>
-        <p:txBody>
-          <a:bodyPr/>
-          <a:lstStyle/>
-          <a:p>
-            <a:r>
-              <a:rPr kumimoji="1" lang="en-US" altLang="ja-JP" dirty="0" smtClean="0"/>
-              <a:t>Cell</a:t>
-            </a:r>
-            <a:endParaRPr kumimoji="1" lang="ja-JP" altLang="en-US" dirty="0"/>
-          </a:p>
-        </p:txBody>
-      </p:sp>
-      <p:sp>
-        <p:nvSpPr>
-          <p:cNvPr id="3" name="コンテンツ プレースホルダー 2"/>
-          <p:cNvSpPr>
-            <a:spLocks noGrp="1"/>
-          </p:cNvSpPr>
-          <p:nvPr>
-            <p:ph idx="1"/>
-          </p:nvPr>
-        </p:nvSpPr>
-        <p:spPr/>
-        <p:txBody>
-          <a:bodyPr/>
-          <a:lstStyle/>
-          <a:p>
-            <a:endParaRPr kumimoji="1" lang="ja-JP" altLang="en-US"/>
-          </a:p>
-        </p:txBody>
-      </p:sp>
-      <p:pic>
-        <p:nvPicPr>
-          <p:cNvPr id="1026" name="Picture 2" descr="https://upload.wikimedia.org/wikipedia/commons/1/10/Illu_cell_structure.jpg"/>
-          <p:cNvPicPr>
-            <a:picLocks noChangeAspect="1" noChangeArrowheads="1"/>
-          </p:cNvPicPr>
-          <p:nvPr/>
-        </p:nvPicPr>
-        <p:blipFill>
-          <a:blip r:embed="rId2">
-            <a:extLst>
-              <a:ext uri="{28A0092B-C50C-407E-A947-70E740481C1C}">
-                <a14:useLocalDpi xmlns:a14="http://schemas.microsoft.com/office/drawing/2010/main" val="0"/>
-              </a:ext>
-            </a:extLst>
-          </a:blip>
-          <a:srcRect/>
-          <a:stretch>
-            <a:fillRect/>
-          </a:stretch>
-        </p:blipFill>
-        <p:spPr bwMode="auto">
-          <a:xfrm>
-            <a:off x="2212259" y="570175"/>
-            <a:ext cx="9615948" cy="5381234"/>
-          </a:xfrm>
-          <a:prstGeom prst="rect">
-            <a:avLst/>
-          </a:prstGeom>
-          <a:noFill/>
-          <a:extLst>
-            <a:ext uri="{909E8E84-426E-40DD-AFC4-6F175D3DCCD1}">
-              <a14:hiddenFill xmlns:a14="http://schemas.microsoft.com/office/drawing/2010/main">
-                <a:solidFill>
-                  <a:srgbClr val="FFFFFF"/>
-                </a:solidFill>
-              </a14:hiddenFill>
-            </a:ext>
-          </a:extLst>
-        </p:spPr>
-      </p:pic>
-      <p:sp>
-        <p:nvSpPr>
-          <p:cNvPr id="4" name="正方形/長方形 3"/>
-          <p:cNvSpPr/>
-          <p:nvPr/>
-        </p:nvSpPr>
-        <p:spPr>
-          <a:xfrm>
-            <a:off x="7020233" y="6349616"/>
-            <a:ext cx="4681090" cy="369332"/>
-          </a:xfrm>
-          <a:prstGeom prst="rect">
-            <a:avLst/>
-          </a:prstGeom>
-        </p:spPr>
-        <p:txBody>
-          <a:bodyPr wrap="none">
-            <a:spAutoFit/>
-          </a:bodyPr>
-          <a:lstStyle/>
-          <a:p>
-            <a:r>
-              <a:rPr lang="en-US" altLang="ja-JP" dirty="0">
-                <a:hlinkClick r:id="rId3"/>
-              </a:rPr>
-              <a:t>https://en.wikipedia.org/wiki/Cell_biology</a:t>
-            </a:r>
-            <a:endParaRPr lang="ja-JP" altLang="en-US" dirty="0"/>
-          </a:p>
-        </p:txBody>
-      </p:sp>
-    </p:spTree>
-    <p:extLst>
-      <p:ext uri="{BB962C8B-B14F-4D97-AF65-F5344CB8AC3E}">
-        <p14:creationId xmlns:p14="http://schemas.microsoft.com/office/powerpoint/2010/main" val="43951930"/>
-      </p:ext>
-    </p:extLst>
-  </p:cSld>
-  <p:clrMapOvr>
-    <a:masterClrMapping/>
-  </p:clrMapOvr>
-</p:sld>
-</file>
-
-<file path=ppt/slides/slide20.xml><?xml version="1.0" encoding="utf-8"?>
+<file path=ppt/slides/slide21.xml><?xml version="1.0" encoding="utf-8"?>
 <p:sld xmlns:a="http://schemas.openxmlformats.org/drawingml/2006/main" xmlns:r="http://schemas.openxmlformats.org/officeDocument/2006/relationships" xmlns:p="http://schemas.openxmlformats.org/presentationml/2006/main">
   <p:cSld>
     <p:spTree>
@@ -5370,7 +5773,7 @@
 </p:sld>
 </file>
 
-<file path=ppt/slides/slide21.xml><?xml version="1.0" encoding="utf-8"?>
+<file path=ppt/slides/slide22.xml><?xml version="1.0" encoding="utf-8"?>
 <p:sld xmlns:a="http://schemas.openxmlformats.org/drawingml/2006/main" xmlns:r="http://schemas.openxmlformats.org/officeDocument/2006/relationships" xmlns:p="http://schemas.openxmlformats.org/presentationml/2006/main">
   <p:cSld>
     <p:spTree>
@@ -5466,7 +5869,7 @@
 </p:sld>
 </file>
 
-<file path=ppt/slides/slide22.xml><?xml version="1.0" encoding="utf-8"?>
+<file path=ppt/slides/slide23.xml><?xml version="1.0" encoding="utf-8"?>
 <p:sld xmlns:a="http://schemas.openxmlformats.org/drawingml/2006/main" xmlns:r="http://schemas.openxmlformats.org/officeDocument/2006/relationships" xmlns:p="http://schemas.openxmlformats.org/presentationml/2006/main">
   <p:cSld>
     <p:spTree>
@@ -5558,7 +5961,7 @@
 </p:sld>
 </file>
 
-<file path=ppt/slides/slide23.xml><?xml version="1.0" encoding="utf-8"?>
+<file path=ppt/slides/slide24.xml><?xml version="1.0" encoding="utf-8"?>
 <p:sld xmlns:a="http://schemas.openxmlformats.org/drawingml/2006/main" xmlns:r="http://schemas.openxmlformats.org/officeDocument/2006/relationships" xmlns:p="http://schemas.openxmlformats.org/presentationml/2006/main">
   <p:cSld>
     <p:spTree>
@@ -5702,7 +6105,7 @@
 </p:sld>
 </file>
 
-<file path=ppt/slides/slide24.xml><?xml version="1.0" encoding="utf-8"?>
+<file path=ppt/slides/slide25.xml><?xml version="1.0" encoding="utf-8"?>
 <p:sld xmlns:a="http://schemas.openxmlformats.org/drawingml/2006/main" xmlns:r="http://schemas.openxmlformats.org/officeDocument/2006/relationships" xmlns:p="http://schemas.openxmlformats.org/presentationml/2006/main">
   <p:cSld>
     <p:spTree>
@@ -5780,7 +6183,7 @@
 </p:sld>
 </file>
 
-<file path=ppt/slides/slide25.xml><?xml version="1.0" encoding="utf-8"?>
+<file path=ppt/slides/slide26.xml><?xml version="1.0" encoding="utf-8"?>
 <p:sld xmlns:a="http://schemas.openxmlformats.org/drawingml/2006/main" xmlns:r="http://schemas.openxmlformats.org/officeDocument/2006/relationships" xmlns:p="http://schemas.openxmlformats.org/presentationml/2006/main">
   <p:cSld>
     <p:spTree>
@@ -5858,7 +6261,7 @@
 </p:sld>
 </file>
 
-<file path=ppt/slides/slide26.xml><?xml version="1.0" encoding="utf-8"?>
+<file path=ppt/slides/slide27.xml><?xml version="1.0" encoding="utf-8"?>
 <p:sld xmlns:a="http://schemas.openxmlformats.org/drawingml/2006/main" xmlns:r="http://schemas.openxmlformats.org/officeDocument/2006/relationships" xmlns:p="http://schemas.openxmlformats.org/presentationml/2006/main">
   <p:cSld>
     <p:spTree>
@@ -5936,78 +6339,6 @@
 </p:sld>
 </file>
 
-<file path=ppt/slides/slide27.xml><?xml version="1.0" encoding="utf-8"?>
-<p:sld xmlns:a="http://schemas.openxmlformats.org/drawingml/2006/main" xmlns:r="http://schemas.openxmlformats.org/officeDocument/2006/relationships" xmlns:p="http://schemas.openxmlformats.org/presentationml/2006/main">
-  <p:cSld>
-    <p:spTree>
-      <p:nvGrpSpPr>
-        <p:cNvPr id="1" name=""/>
-        <p:cNvGrpSpPr/>
-        <p:nvPr/>
-      </p:nvGrpSpPr>
-      <p:grpSpPr>
-        <a:xfrm>
-          <a:off x="0" y="0"/>
-          <a:ext cx="0" cy="0"/>
-          <a:chOff x="0" y="0"/>
-          <a:chExt cx="0" cy="0"/>
-        </a:xfrm>
-      </p:grpSpPr>
-      <p:sp>
-        <p:nvSpPr>
-          <p:cNvPr id="2" name="タイトル 1"/>
-          <p:cNvSpPr>
-            <a:spLocks noGrp="1"/>
-          </p:cNvSpPr>
-          <p:nvPr>
-            <p:ph type="title"/>
-          </p:nvPr>
-        </p:nvSpPr>
-        <p:spPr/>
-        <p:txBody>
-          <a:bodyPr/>
-          <a:lstStyle/>
-          <a:p>
-            <a:r>
-              <a:rPr kumimoji="1" lang="en-US" altLang="ja-JP" dirty="0" smtClean="0"/>
-              <a:t>Mutation of polygon/dual polygon</a:t>
-            </a:r>
-            <a:endParaRPr kumimoji="1" lang="ja-JP" altLang="en-US" dirty="0"/>
-          </a:p>
-        </p:txBody>
-      </p:sp>
-      <p:sp>
-        <p:nvSpPr>
-          <p:cNvPr id="3" name="コンテンツ プレースホルダー 2"/>
-          <p:cNvSpPr>
-            <a:spLocks noGrp="1"/>
-          </p:cNvSpPr>
-          <p:nvPr>
-            <p:ph idx="1"/>
-          </p:nvPr>
-        </p:nvSpPr>
-        <p:spPr/>
-        <p:txBody>
-          <a:bodyPr/>
-          <a:lstStyle/>
-          <a:p>
-            <a:endParaRPr kumimoji="1" lang="ja-JP" altLang="en-US"/>
-          </a:p>
-        </p:txBody>
-      </p:sp>
-    </p:spTree>
-    <p:extLst>
-      <p:ext uri="{BB962C8B-B14F-4D97-AF65-F5344CB8AC3E}">
-        <p14:creationId xmlns:p14="http://schemas.microsoft.com/office/powerpoint/2010/main" val="1944628863"/>
-      </p:ext>
-    </p:extLst>
-  </p:cSld>
-  <p:clrMapOvr>
-    <a:masterClrMapping/>
-  </p:clrMapOvr>
-</p:sld>
-</file>
-
 <file path=ppt/slides/slide28.xml><?xml version="1.0" encoding="utf-8"?>
 <p:sld xmlns:a="http://schemas.openxmlformats.org/drawingml/2006/main" xmlns:r="http://schemas.openxmlformats.org/officeDocument/2006/relationships" xmlns:p="http://schemas.openxmlformats.org/presentationml/2006/main">
   <p:cSld>
@@ -6042,7 +6373,7 @@
           <a:p>
             <a:r>
               <a:rPr kumimoji="1" lang="en-US" altLang="ja-JP" dirty="0" smtClean="0"/>
-              <a:t>Enumeration of triangular mesh</a:t>
+              <a:t>Mutation of polygon/dual polygon</a:t>
             </a:r>
             <a:endParaRPr kumimoji="1" lang="ja-JP" altLang="en-US" dirty="0"/>
           </a:p>
@@ -6070,7 +6401,7 @@
     </p:spTree>
     <p:extLst>
       <p:ext uri="{BB962C8B-B14F-4D97-AF65-F5344CB8AC3E}">
-        <p14:creationId xmlns:p14="http://schemas.microsoft.com/office/powerpoint/2010/main" val="526203833"/>
+        <p14:creationId xmlns:p14="http://schemas.microsoft.com/office/powerpoint/2010/main" val="1944628863"/>
       </p:ext>
     </p:extLst>
   </p:cSld>
@@ -6112,7 +6443,11 @@
           <a:bodyPr/>
           <a:lstStyle/>
           <a:p>
-            <a:endParaRPr kumimoji="1" lang="ja-JP" altLang="en-US"/>
+            <a:r>
+              <a:rPr kumimoji="1" lang="en-US" altLang="ja-JP" dirty="0" smtClean="0"/>
+              <a:t>Enumeration of triangular mesh</a:t>
+            </a:r>
+            <a:endParaRPr kumimoji="1" lang="ja-JP" altLang="en-US" dirty="0"/>
           </a:p>
         </p:txBody>
       </p:sp>
@@ -6138,7 +6473,7 @@
     </p:spTree>
     <p:extLst>
       <p:ext uri="{BB962C8B-B14F-4D97-AF65-F5344CB8AC3E}">
-        <p14:creationId xmlns:p14="http://schemas.microsoft.com/office/powerpoint/2010/main" val="2510536377"/>
+        <p14:creationId xmlns:p14="http://schemas.microsoft.com/office/powerpoint/2010/main" val="526203833"/>
       </p:ext>
     </p:extLst>
   </p:cSld>
@@ -6350,11 +6685,7 @@
           <a:bodyPr/>
           <a:lstStyle/>
           <a:p>
-            <a:r>
-              <a:rPr kumimoji="1" lang="en-US" altLang="ja-JP" dirty="0" smtClean="0"/>
-              <a:t>Cycles and Ihara’s zeta function</a:t>
-            </a:r>
-            <a:endParaRPr kumimoji="1" lang="ja-JP" altLang="en-US" dirty="0"/>
+            <a:endParaRPr kumimoji="1" lang="ja-JP" altLang="en-US"/>
           </a:p>
         </p:txBody>
       </p:sp>
@@ -6380,7 +6711,7 @@
     </p:spTree>
     <p:extLst>
       <p:ext uri="{BB962C8B-B14F-4D97-AF65-F5344CB8AC3E}">
-        <p14:creationId xmlns:p14="http://schemas.microsoft.com/office/powerpoint/2010/main" val="3157674134"/>
+        <p14:creationId xmlns:p14="http://schemas.microsoft.com/office/powerpoint/2010/main" val="2510536377"/>
       </p:ext>
     </p:extLst>
   </p:cSld>
@@ -6391,6 +6722,222 @@
 </file>
 
 <file path=ppt/slides/slide31.xml><?xml version="1.0" encoding="utf-8"?>
+<p:sld xmlns:a="http://schemas.openxmlformats.org/drawingml/2006/main" xmlns:r="http://schemas.openxmlformats.org/officeDocument/2006/relationships" xmlns:p="http://schemas.openxmlformats.org/presentationml/2006/main">
+  <p:cSld>
+    <p:spTree>
+      <p:nvGrpSpPr>
+        <p:cNvPr id="1" name=""/>
+        <p:cNvGrpSpPr/>
+        <p:nvPr/>
+      </p:nvGrpSpPr>
+      <p:grpSpPr>
+        <a:xfrm>
+          <a:off x="0" y="0"/>
+          <a:ext cx="0" cy="0"/>
+          <a:chOff x="0" y="0"/>
+          <a:chExt cx="0" cy="0"/>
+        </a:xfrm>
+      </p:grpSpPr>
+      <p:sp>
+        <p:nvSpPr>
+          <p:cNvPr id="2" name="タイトル 1"/>
+          <p:cNvSpPr>
+            <a:spLocks noGrp="1"/>
+          </p:cNvSpPr>
+          <p:nvPr>
+            <p:ph type="title"/>
+          </p:nvPr>
+        </p:nvSpPr>
+        <p:spPr/>
+        <p:txBody>
+          <a:bodyPr/>
+          <a:lstStyle/>
+          <a:p>
+            <a:r>
+              <a:rPr kumimoji="1" lang="en-US" altLang="ja-JP" dirty="0" smtClean="0"/>
+              <a:t>Number of cycles and Ihara’s zeta function</a:t>
+            </a:r>
+            <a:endParaRPr kumimoji="1" lang="ja-JP" altLang="en-US" dirty="0"/>
+          </a:p>
+        </p:txBody>
+      </p:sp>
+      <p:sp>
+        <p:nvSpPr>
+          <p:cNvPr id="3" name="コンテンツ プレースホルダー 2"/>
+          <p:cNvSpPr>
+            <a:spLocks noGrp="1"/>
+          </p:cNvSpPr>
+          <p:nvPr>
+            <p:ph idx="1"/>
+          </p:nvPr>
+        </p:nvSpPr>
+        <p:spPr/>
+        <p:txBody>
+          <a:bodyPr/>
+          <a:lstStyle/>
+          <a:p>
+            <a:r>
+              <a:rPr kumimoji="1" lang="en-US" altLang="ja-JP" dirty="0" smtClean="0"/>
+              <a:t>Backtrack-less cycles of graph</a:t>
+            </a:r>
+          </a:p>
+          <a:p>
+            <a:r>
+              <a:rPr lang="en-US" altLang="ja-JP" dirty="0" smtClean="0"/>
+              <a:t>Ihara’s zeta function is a moment-generating function of </a:t>
+            </a:r>
+            <a:r>
+              <a:rPr lang="en-US" altLang="ja-JP" dirty="0" err="1" smtClean="0"/>
+              <a:t>bachtrack</a:t>
+            </a:r>
+            <a:r>
+              <a:rPr lang="en-US" altLang="ja-JP" dirty="0" smtClean="0"/>
+              <a:t>-less cycles.</a:t>
+            </a:r>
+          </a:p>
+          <a:p>
+            <a:endParaRPr lang="en-US" altLang="ja-JP" dirty="0"/>
+          </a:p>
+          <a:p>
+            <a:endParaRPr lang="en-US" altLang="ja-JP" dirty="0" smtClean="0"/>
+          </a:p>
+          <a:p>
+            <a:endParaRPr lang="en-US" altLang="ja-JP" dirty="0"/>
+          </a:p>
+          <a:p>
+            <a:r>
+              <a:rPr lang="en-US" altLang="ja-JP" dirty="0" smtClean="0"/>
+              <a:t>W is a edge connection matrix a graph.</a:t>
+            </a:r>
+          </a:p>
+          <a:p>
+            <a:pPr lvl="1"/>
+            <a:r>
+              <a:rPr lang="en-US" altLang="ja-JP" dirty="0" smtClean="0"/>
+              <a:t>Explanation of W follows. </a:t>
+            </a:r>
+          </a:p>
+          <a:p>
+            <a:endParaRPr kumimoji="1" lang="ja-JP" altLang="en-US" dirty="0"/>
+          </a:p>
+        </p:txBody>
+      </p:sp>
+      <p:pic>
+        <p:nvPicPr>
+          <p:cNvPr id="4" name="図 3"/>
+          <p:cNvPicPr>
+            <a:picLocks noChangeAspect="1"/>
+          </p:cNvPicPr>
+          <p:nvPr/>
+        </p:nvPicPr>
+        <p:blipFill>
+          <a:blip r:embed="rId2"/>
+          <a:stretch>
+            <a:fillRect/>
+          </a:stretch>
+        </p:blipFill>
+        <p:spPr>
+          <a:xfrm>
+            <a:off x="2799889" y="3353567"/>
+            <a:ext cx="5677142" cy="1439658"/>
+          </a:xfrm>
+          <a:prstGeom prst="rect">
+            <a:avLst/>
+          </a:prstGeom>
+        </p:spPr>
+      </p:pic>
+    </p:spTree>
+    <p:extLst>
+      <p:ext uri="{BB962C8B-B14F-4D97-AF65-F5344CB8AC3E}">
+        <p14:creationId xmlns:p14="http://schemas.microsoft.com/office/powerpoint/2010/main" val="4070985276"/>
+      </p:ext>
+    </p:extLst>
+  </p:cSld>
+  <p:clrMapOvr>
+    <a:masterClrMapping/>
+  </p:clrMapOvr>
+</p:sld>
+</file>
+
+<file path=ppt/slides/slide32.xml><?xml version="1.0" encoding="utf-8"?>
+<p:sld xmlns:a="http://schemas.openxmlformats.org/drawingml/2006/main" xmlns:r="http://schemas.openxmlformats.org/officeDocument/2006/relationships" xmlns:p="http://schemas.openxmlformats.org/presentationml/2006/main">
+  <p:cSld>
+    <p:spTree>
+      <p:nvGrpSpPr>
+        <p:cNvPr id="1" name=""/>
+        <p:cNvGrpSpPr/>
+        <p:nvPr/>
+      </p:nvGrpSpPr>
+      <p:grpSpPr>
+        <a:xfrm>
+          <a:off x="0" y="0"/>
+          <a:ext cx="0" cy="0"/>
+          <a:chOff x="0" y="0"/>
+          <a:chExt cx="0" cy="0"/>
+        </a:xfrm>
+      </p:grpSpPr>
+      <p:sp>
+        <p:nvSpPr>
+          <p:cNvPr id="2" name="タイトル 1"/>
+          <p:cNvSpPr>
+            <a:spLocks noGrp="1"/>
+          </p:cNvSpPr>
+          <p:nvPr>
+            <p:ph type="title"/>
+          </p:nvPr>
+        </p:nvSpPr>
+        <p:spPr/>
+        <p:txBody>
+          <a:bodyPr/>
+          <a:lstStyle/>
+          <a:p>
+            <a:endParaRPr kumimoji="1" lang="ja-JP" altLang="en-US"/>
+          </a:p>
+        </p:txBody>
+      </p:sp>
+      <p:pic>
+        <p:nvPicPr>
+          <p:cNvPr id="4" name="コンテンツ プレースホルダー 3"/>
+          <p:cNvPicPr>
+            <a:picLocks noGrp="1" noChangeAspect="1"/>
+          </p:cNvPicPr>
+          <p:nvPr>
+            <p:ph idx="1"/>
+          </p:nvPr>
+        </p:nvPicPr>
+        <p:blipFill>
+          <a:blip r:embed="rId2">
+            <a:extLst>
+              <a:ext uri="{28A0092B-C50C-407E-A947-70E740481C1C}">
+                <a14:useLocalDpi xmlns:a14="http://schemas.microsoft.com/office/drawing/2010/main" val="0"/>
+              </a:ext>
+            </a:extLst>
+          </a:blip>
+          <a:stretch>
+            <a:fillRect/>
+          </a:stretch>
+        </p:blipFill>
+        <p:spPr>
+          <a:xfrm>
+            <a:off x="1771763" y="191729"/>
+            <a:ext cx="8369068" cy="6666271"/>
+          </a:xfrm>
+        </p:spPr>
+      </p:pic>
+    </p:spTree>
+    <p:extLst>
+      <p:ext uri="{BB962C8B-B14F-4D97-AF65-F5344CB8AC3E}">
+        <p14:creationId xmlns:p14="http://schemas.microsoft.com/office/powerpoint/2010/main" val="2691464691"/>
+      </p:ext>
+    </p:extLst>
+  </p:cSld>
+  <p:clrMapOvr>
+    <a:masterClrMapping/>
+  </p:clrMapOvr>
+</p:sld>
+</file>
+
+<file path=ppt/slides/slide33.xml><?xml version="1.0" encoding="utf-8"?>
 <p:sld xmlns:a="http://schemas.openxmlformats.org/drawingml/2006/main" xmlns:r="http://schemas.openxmlformats.org/officeDocument/2006/relationships" xmlns:p="http://schemas.openxmlformats.org/presentationml/2006/main">
   <p:cSld>
     <p:spTree>
@@ -6482,7 +7029,7 @@
 </p:sld>
 </file>
 
-<file path=ppt/slides/slide32.xml><?xml version="1.0" encoding="utf-8"?>
+<file path=ppt/slides/slide34.xml><?xml version="1.0" encoding="utf-8"?>
 <p:sld xmlns:a="http://schemas.openxmlformats.org/drawingml/2006/main" xmlns:r="http://schemas.openxmlformats.org/officeDocument/2006/relationships" xmlns:p="http://schemas.openxmlformats.org/presentationml/2006/main">
   <p:cSld>
     <p:spTree>
@@ -6574,7 +7121,7 @@
 </p:sld>
 </file>
 
-<file path=ppt/slides/slide33.xml><?xml version="1.0" encoding="utf-8"?>
+<file path=ppt/slides/slide35.xml><?xml version="1.0" encoding="utf-8"?>
 <p:sld xmlns:a="http://schemas.openxmlformats.org/drawingml/2006/main" xmlns:r="http://schemas.openxmlformats.org/officeDocument/2006/relationships" xmlns:p="http://schemas.openxmlformats.org/presentationml/2006/main">
   <p:cSld>
     <p:spTree>
@@ -6666,7 +7213,7 @@
 </p:sld>
 </file>
 
-<file path=ppt/slides/slide34.xml><?xml version="1.0" encoding="utf-8"?>
+<file path=ppt/slides/slide36.xml><?xml version="1.0" encoding="utf-8"?>
 <p:sld xmlns:a="http://schemas.openxmlformats.org/drawingml/2006/main" xmlns:r="http://schemas.openxmlformats.org/officeDocument/2006/relationships" xmlns:p="http://schemas.openxmlformats.org/presentationml/2006/main">
   <p:cSld>
     <p:spTree>
@@ -6758,150 +7305,6 @@
 </p:sld>
 </file>
 
-<file path=ppt/slides/slide35.xml><?xml version="1.0" encoding="utf-8"?>
-<p:sld xmlns:a="http://schemas.openxmlformats.org/drawingml/2006/main" xmlns:r="http://schemas.openxmlformats.org/officeDocument/2006/relationships" xmlns:p="http://schemas.openxmlformats.org/presentationml/2006/main">
-  <p:cSld>
-    <p:spTree>
-      <p:nvGrpSpPr>
-        <p:cNvPr id="1" name=""/>
-        <p:cNvGrpSpPr/>
-        <p:nvPr/>
-      </p:nvGrpSpPr>
-      <p:grpSpPr>
-        <a:xfrm>
-          <a:off x="0" y="0"/>
-          <a:ext cx="0" cy="0"/>
-          <a:chOff x="0" y="0"/>
-          <a:chExt cx="0" cy="0"/>
-        </a:xfrm>
-      </p:grpSpPr>
-      <p:sp>
-        <p:nvSpPr>
-          <p:cNvPr id="2" name="タイトル 1"/>
-          <p:cNvSpPr>
-            <a:spLocks noGrp="1"/>
-          </p:cNvSpPr>
-          <p:nvPr>
-            <p:ph type="title"/>
-          </p:nvPr>
-        </p:nvSpPr>
-        <p:spPr/>
-        <p:txBody>
-          <a:bodyPr/>
-          <a:lstStyle/>
-          <a:p>
-            <a:r>
-              <a:rPr kumimoji="1" lang="en-US" altLang="ja-JP" dirty="0" smtClean="0"/>
-              <a:t>Edge-connection matrix</a:t>
-            </a:r>
-            <a:endParaRPr kumimoji="1" lang="ja-JP" altLang="en-US" dirty="0"/>
-          </a:p>
-        </p:txBody>
-      </p:sp>
-      <p:sp>
-        <p:nvSpPr>
-          <p:cNvPr id="3" name="コンテンツ プレースホルダー 2"/>
-          <p:cNvSpPr>
-            <a:spLocks noGrp="1"/>
-          </p:cNvSpPr>
-          <p:nvPr>
-            <p:ph idx="1"/>
-          </p:nvPr>
-        </p:nvSpPr>
-        <p:spPr/>
-        <p:txBody>
-          <a:bodyPr/>
-          <a:lstStyle/>
-          <a:p>
-            <a:endParaRPr kumimoji="1" lang="ja-JP" altLang="en-US"/>
-          </a:p>
-        </p:txBody>
-      </p:sp>
-    </p:spTree>
-    <p:extLst>
-      <p:ext uri="{BB962C8B-B14F-4D97-AF65-F5344CB8AC3E}">
-        <p14:creationId xmlns:p14="http://schemas.microsoft.com/office/powerpoint/2010/main" val="3906608018"/>
-      </p:ext>
-    </p:extLst>
-  </p:cSld>
-  <p:clrMapOvr>
-    <a:masterClrMapping/>
-  </p:clrMapOvr>
-</p:sld>
-</file>
-
-<file path=ppt/slides/slide36.xml><?xml version="1.0" encoding="utf-8"?>
-<p:sld xmlns:a="http://schemas.openxmlformats.org/drawingml/2006/main" xmlns:r="http://schemas.openxmlformats.org/officeDocument/2006/relationships" xmlns:p="http://schemas.openxmlformats.org/presentationml/2006/main">
-  <p:cSld>
-    <p:spTree>
-      <p:nvGrpSpPr>
-        <p:cNvPr id="1" name=""/>
-        <p:cNvGrpSpPr/>
-        <p:nvPr/>
-      </p:nvGrpSpPr>
-      <p:grpSpPr>
-        <a:xfrm>
-          <a:off x="0" y="0"/>
-          <a:ext cx="0" cy="0"/>
-          <a:chOff x="0" y="0"/>
-          <a:chExt cx="0" cy="0"/>
-        </a:xfrm>
-      </p:grpSpPr>
-      <p:sp>
-        <p:nvSpPr>
-          <p:cNvPr id="2" name="タイトル 1"/>
-          <p:cNvSpPr>
-            <a:spLocks noGrp="1"/>
-          </p:cNvSpPr>
-          <p:nvPr>
-            <p:ph type="title"/>
-          </p:nvPr>
-        </p:nvSpPr>
-        <p:spPr/>
-        <p:txBody>
-          <a:bodyPr/>
-          <a:lstStyle/>
-          <a:p>
-            <a:r>
-              <a:rPr kumimoji="1" lang="en-US" altLang="ja-JP" dirty="0" smtClean="0"/>
-              <a:t>Regular graph</a:t>
-            </a:r>
-            <a:endParaRPr kumimoji="1" lang="ja-JP" altLang="en-US" dirty="0"/>
-          </a:p>
-        </p:txBody>
-      </p:sp>
-      <p:sp>
-        <p:nvSpPr>
-          <p:cNvPr id="3" name="コンテンツ プレースホルダー 2"/>
-          <p:cNvSpPr>
-            <a:spLocks noGrp="1"/>
-          </p:cNvSpPr>
-          <p:nvPr>
-            <p:ph idx="1"/>
-          </p:nvPr>
-        </p:nvSpPr>
-        <p:spPr/>
-        <p:txBody>
-          <a:bodyPr/>
-          <a:lstStyle/>
-          <a:p>
-            <a:endParaRPr kumimoji="1" lang="ja-JP" altLang="en-US"/>
-          </a:p>
-        </p:txBody>
-      </p:sp>
-    </p:spTree>
-    <p:extLst>
-      <p:ext uri="{BB962C8B-B14F-4D97-AF65-F5344CB8AC3E}">
-        <p14:creationId xmlns:p14="http://schemas.microsoft.com/office/powerpoint/2010/main" val="42199349"/>
-      </p:ext>
-    </p:extLst>
-  </p:cSld>
-  <p:clrMapOvr>
-    <a:masterClrMapping/>
-  </p:clrMapOvr>
-</p:sld>
-</file>
-
 <file path=ppt/slides/slide37.xml><?xml version="1.0" encoding="utf-8"?>
 <p:sld xmlns:a="http://schemas.openxmlformats.org/drawingml/2006/main" xmlns:r="http://schemas.openxmlformats.org/officeDocument/2006/relationships" xmlns:p="http://schemas.openxmlformats.org/presentationml/2006/main">
   <p:cSld>
@@ -6936,7 +7339,7 @@
           <a:p>
             <a:r>
               <a:rPr kumimoji="1" lang="en-US" altLang="ja-JP" dirty="0" smtClean="0"/>
-              <a:t>3-regular graph</a:t>
+              <a:t>Edge-connection matrix</a:t>
             </a:r>
             <a:endParaRPr kumimoji="1" lang="ja-JP" altLang="en-US" dirty="0"/>
           </a:p>
@@ -6964,7 +7367,7 @@
     </p:spTree>
     <p:extLst>
       <p:ext uri="{BB962C8B-B14F-4D97-AF65-F5344CB8AC3E}">
-        <p14:creationId xmlns:p14="http://schemas.microsoft.com/office/powerpoint/2010/main" val="1078632650"/>
+        <p14:creationId xmlns:p14="http://schemas.microsoft.com/office/powerpoint/2010/main" val="3906608018"/>
       </p:ext>
     </p:extLst>
   </p:cSld>
@@ -7008,7 +7411,7 @@
           <a:p>
             <a:r>
               <a:rPr kumimoji="1" lang="en-US" altLang="ja-JP" dirty="0" smtClean="0"/>
-              <a:t>Edge connection matrix of 3-regular graph</a:t>
+              <a:t>Regular graph</a:t>
             </a:r>
             <a:endParaRPr kumimoji="1" lang="ja-JP" altLang="en-US" dirty="0"/>
           </a:p>
@@ -7029,18 +7432,14 @@
           <a:bodyPr/>
           <a:lstStyle/>
           <a:p>
-            <a:r>
-              <a:rPr kumimoji="1" lang="en-US" altLang="ja-JP" dirty="0" smtClean="0"/>
-              <a:t>Sum of two permutation matrices</a:t>
-            </a:r>
-            <a:endParaRPr kumimoji="1" lang="ja-JP" altLang="en-US" dirty="0"/>
+            <a:endParaRPr kumimoji="1" lang="ja-JP" altLang="en-US"/>
           </a:p>
         </p:txBody>
       </p:sp>
     </p:spTree>
     <p:extLst>
       <p:ext uri="{BB962C8B-B14F-4D97-AF65-F5344CB8AC3E}">
-        <p14:creationId xmlns:p14="http://schemas.microsoft.com/office/powerpoint/2010/main" val="4104105056"/>
+        <p14:creationId xmlns:p14="http://schemas.microsoft.com/office/powerpoint/2010/main" val="42199349"/>
       </p:ext>
     </p:extLst>
   </p:cSld>
@@ -7083,8 +7482,8 @@
           <a:lstStyle/>
           <a:p>
             <a:r>
-              <a:rPr lang="en-US" altLang="ja-JP" dirty="0" smtClean="0"/>
-              <a:t>“Straight path” of 3-regular graph</a:t>
+              <a:rPr kumimoji="1" lang="en-US" altLang="ja-JP" dirty="0" smtClean="0"/>
+              <a:t>3-regular graph</a:t>
             </a:r>
             <a:endParaRPr kumimoji="1" lang="ja-JP" altLang="en-US" dirty="0"/>
           </a:p>
@@ -7112,7 +7511,7 @@
     </p:spTree>
     <p:extLst>
       <p:ext uri="{BB962C8B-B14F-4D97-AF65-F5344CB8AC3E}">
-        <p14:creationId xmlns:p14="http://schemas.microsoft.com/office/powerpoint/2010/main" val="326939466"/>
+        <p14:creationId xmlns:p14="http://schemas.microsoft.com/office/powerpoint/2010/main" val="1078632650"/>
       </p:ext>
     </p:extLst>
   </p:cSld>
@@ -7372,7 +7771,7 @@
           <a:p>
             <a:r>
               <a:rPr kumimoji="1" lang="en-US" altLang="ja-JP" dirty="0" smtClean="0"/>
-              <a:t>“Straight paths” of 3-regular graph </a:t>
+              <a:t>Edge connection matrix of 3-regular graph</a:t>
             </a:r>
             <a:endParaRPr kumimoji="1" lang="ja-JP" altLang="en-US" dirty="0"/>
           </a:p>
@@ -7395,7 +7794,7 @@
           <a:p>
             <a:r>
               <a:rPr kumimoji="1" lang="en-US" altLang="ja-JP" dirty="0" smtClean="0"/>
-              <a:t>Cycles</a:t>
+              <a:t>Sum of two permutation matrices</a:t>
             </a:r>
             <a:endParaRPr kumimoji="1" lang="ja-JP" altLang="en-US" dirty="0"/>
           </a:p>
@@ -7404,7 +7803,7 @@
     </p:spTree>
     <p:extLst>
       <p:ext uri="{BB962C8B-B14F-4D97-AF65-F5344CB8AC3E}">
-        <p14:creationId xmlns:p14="http://schemas.microsoft.com/office/powerpoint/2010/main" val="603586967"/>
+        <p14:creationId xmlns:p14="http://schemas.microsoft.com/office/powerpoint/2010/main" val="4104105056"/>
       </p:ext>
     </p:extLst>
   </p:cSld>
@@ -7448,7 +7847,7 @@
           <a:p>
             <a:r>
               <a:rPr lang="en-US" altLang="ja-JP" dirty="0" smtClean="0"/>
-              <a:t>A set of cycles</a:t>
+              <a:t>“Straight path” of 3-regular graph</a:t>
             </a:r>
             <a:endParaRPr kumimoji="1" lang="ja-JP" altLang="en-US" dirty="0"/>
           </a:p>
@@ -7476,7 +7875,7 @@
     </p:spTree>
     <p:extLst>
       <p:ext uri="{BB962C8B-B14F-4D97-AF65-F5344CB8AC3E}">
-        <p14:creationId xmlns:p14="http://schemas.microsoft.com/office/powerpoint/2010/main" val="3755802631"/>
+        <p14:creationId xmlns:p14="http://schemas.microsoft.com/office/powerpoint/2010/main" val="326939466"/>
       </p:ext>
     </p:extLst>
   </p:cSld>
@@ -7518,6 +7917,154 @@
           <a:bodyPr/>
           <a:lstStyle/>
           <a:p>
+            <a:r>
+              <a:rPr kumimoji="1" lang="en-US" altLang="ja-JP" dirty="0" smtClean="0"/>
+              <a:t>“Straight paths” of 3-regular graph </a:t>
+            </a:r>
+            <a:endParaRPr kumimoji="1" lang="ja-JP" altLang="en-US" dirty="0"/>
+          </a:p>
+        </p:txBody>
+      </p:sp>
+      <p:sp>
+        <p:nvSpPr>
+          <p:cNvPr id="3" name="コンテンツ プレースホルダー 2"/>
+          <p:cNvSpPr>
+            <a:spLocks noGrp="1"/>
+          </p:cNvSpPr>
+          <p:nvPr>
+            <p:ph idx="1"/>
+          </p:nvPr>
+        </p:nvSpPr>
+        <p:spPr/>
+        <p:txBody>
+          <a:bodyPr/>
+          <a:lstStyle/>
+          <a:p>
+            <a:r>
+              <a:rPr kumimoji="1" lang="en-US" altLang="ja-JP" dirty="0" smtClean="0"/>
+              <a:t>Cycles</a:t>
+            </a:r>
+            <a:endParaRPr kumimoji="1" lang="ja-JP" altLang="en-US" dirty="0"/>
+          </a:p>
+        </p:txBody>
+      </p:sp>
+    </p:spTree>
+    <p:extLst>
+      <p:ext uri="{BB962C8B-B14F-4D97-AF65-F5344CB8AC3E}">
+        <p14:creationId xmlns:p14="http://schemas.microsoft.com/office/powerpoint/2010/main" val="603586967"/>
+      </p:ext>
+    </p:extLst>
+  </p:cSld>
+  <p:clrMapOvr>
+    <a:masterClrMapping/>
+  </p:clrMapOvr>
+</p:sld>
+</file>
+
+<file path=ppt/slides/slide43.xml><?xml version="1.0" encoding="utf-8"?>
+<p:sld xmlns:a="http://schemas.openxmlformats.org/drawingml/2006/main" xmlns:r="http://schemas.openxmlformats.org/officeDocument/2006/relationships" xmlns:p="http://schemas.openxmlformats.org/presentationml/2006/main">
+  <p:cSld>
+    <p:spTree>
+      <p:nvGrpSpPr>
+        <p:cNvPr id="1" name=""/>
+        <p:cNvGrpSpPr/>
+        <p:nvPr/>
+      </p:nvGrpSpPr>
+      <p:grpSpPr>
+        <a:xfrm>
+          <a:off x="0" y="0"/>
+          <a:ext cx="0" cy="0"/>
+          <a:chOff x="0" y="0"/>
+          <a:chExt cx="0" cy="0"/>
+        </a:xfrm>
+      </p:grpSpPr>
+      <p:sp>
+        <p:nvSpPr>
+          <p:cNvPr id="2" name="タイトル 1"/>
+          <p:cNvSpPr>
+            <a:spLocks noGrp="1"/>
+          </p:cNvSpPr>
+          <p:nvPr>
+            <p:ph type="title"/>
+          </p:nvPr>
+        </p:nvSpPr>
+        <p:spPr/>
+        <p:txBody>
+          <a:bodyPr/>
+          <a:lstStyle/>
+          <a:p>
+            <a:r>
+              <a:rPr lang="en-US" altLang="ja-JP" dirty="0" smtClean="0"/>
+              <a:t>A set of cycles</a:t>
+            </a:r>
+            <a:endParaRPr kumimoji="1" lang="ja-JP" altLang="en-US" dirty="0"/>
+          </a:p>
+        </p:txBody>
+      </p:sp>
+      <p:sp>
+        <p:nvSpPr>
+          <p:cNvPr id="3" name="コンテンツ プレースホルダー 2"/>
+          <p:cNvSpPr>
+            <a:spLocks noGrp="1"/>
+          </p:cNvSpPr>
+          <p:nvPr>
+            <p:ph idx="1"/>
+          </p:nvPr>
+        </p:nvSpPr>
+        <p:spPr/>
+        <p:txBody>
+          <a:bodyPr/>
+          <a:lstStyle/>
+          <a:p>
+            <a:endParaRPr kumimoji="1" lang="ja-JP" altLang="en-US"/>
+          </a:p>
+        </p:txBody>
+      </p:sp>
+    </p:spTree>
+    <p:extLst>
+      <p:ext uri="{BB962C8B-B14F-4D97-AF65-F5344CB8AC3E}">
+        <p14:creationId xmlns:p14="http://schemas.microsoft.com/office/powerpoint/2010/main" val="3755802631"/>
+      </p:ext>
+    </p:extLst>
+  </p:cSld>
+  <p:clrMapOvr>
+    <a:masterClrMapping/>
+  </p:clrMapOvr>
+</p:sld>
+</file>
+
+<file path=ppt/slides/slide44.xml><?xml version="1.0" encoding="utf-8"?>
+<p:sld xmlns:a="http://schemas.openxmlformats.org/drawingml/2006/main" xmlns:r="http://schemas.openxmlformats.org/officeDocument/2006/relationships" xmlns:p="http://schemas.openxmlformats.org/presentationml/2006/main">
+  <p:cSld>
+    <p:spTree>
+      <p:nvGrpSpPr>
+        <p:cNvPr id="1" name=""/>
+        <p:cNvGrpSpPr/>
+        <p:nvPr/>
+      </p:nvGrpSpPr>
+      <p:grpSpPr>
+        <a:xfrm>
+          <a:off x="0" y="0"/>
+          <a:ext cx="0" cy="0"/>
+          <a:chOff x="0" y="0"/>
+          <a:chExt cx="0" cy="0"/>
+        </a:xfrm>
+      </p:grpSpPr>
+      <p:sp>
+        <p:nvSpPr>
+          <p:cNvPr id="2" name="タイトル 1"/>
+          <p:cNvSpPr>
+            <a:spLocks noGrp="1"/>
+          </p:cNvSpPr>
+          <p:nvPr>
+            <p:ph type="title"/>
+          </p:nvPr>
+        </p:nvSpPr>
+        <p:spPr/>
+        <p:txBody>
+          <a:bodyPr/>
+          <a:lstStyle/>
+          <a:p>
             <a:endParaRPr kumimoji="1" lang="ja-JP" altLang="en-US"/>
           </a:p>
         </p:txBody>
@@ -7554,7 +8101,7 @@
 </p:sld>
 </file>
 
-<file path=ppt/slides/slide43.xml><?xml version="1.0" encoding="utf-8"?>
+<file path=ppt/slides/slide45.xml><?xml version="1.0" encoding="utf-8"?>
 <p:sld xmlns:a="http://schemas.openxmlformats.org/drawingml/2006/main" xmlns:r="http://schemas.openxmlformats.org/officeDocument/2006/relationships" xmlns:p="http://schemas.openxmlformats.org/presentationml/2006/main">
   <p:cSld>
     <p:spTree>
@@ -8032,11 +8579,7 @@
           <a:p>
             <a:r>
               <a:rPr kumimoji="1" lang="en-US" altLang="ja-JP" dirty="0" smtClean="0"/>
-              <a:t>Planar </a:t>
-            </a:r>
-            <a:r>
-              <a:rPr kumimoji="1" lang="en-US" altLang="ja-JP" dirty="0" smtClean="0"/>
-              <a:t>graph and Euler’s formula </a:t>
+              <a:t>Planar graph and Euler’s formula </a:t>
             </a:r>
             <a:endParaRPr kumimoji="1" lang="ja-JP" altLang="en-US" dirty="0"/>
           </a:p>
@@ -8372,14 +8915,21 @@
             <p:ph type="title"/>
           </p:nvPr>
         </p:nvSpPr>
-        <p:spPr/>
-        <p:txBody>
-          <a:bodyPr/>
-          <a:lstStyle/>
-          <a:p>
-            <a:r>
-              <a:rPr kumimoji="1" lang="en-US" altLang="ja-JP" dirty="0" smtClean="0"/>
-              <a:t>Curvature and Polygon</a:t>
+        <p:spPr>
+          <a:xfrm>
+            <a:off x="838200" y="365125"/>
+            <a:ext cx="5444613" cy="1325563"/>
+          </a:xfrm>
+        </p:spPr>
+        <p:txBody>
+          <a:bodyPr>
+            <a:normAutofit fontScale="90000"/>
+          </a:bodyPr>
+          <a:lstStyle/>
+          <a:p>
+            <a:r>
+              <a:rPr lang="en-US" altLang="ja-JP" dirty="0" smtClean="0"/>
+              <a:t>Dual graph of triangular mesh is 3-regular</a:t>
             </a:r>
             <a:endParaRPr kumimoji="1" lang="ja-JP" altLang="en-US" dirty="0"/>
           </a:p>
@@ -8396,7 +8946,7 @@
           </p:nvPr>
         </p:nvPicPr>
         <p:blipFill>
-          <a:blip r:embed="rId2" cstate="print">
+          <a:blip r:embed="rId2">
             <a:extLst>
               <a:ext uri="{28A0092B-C50C-407E-A947-70E740481C1C}">
                 <a14:useLocalDpi xmlns:a14="http://schemas.microsoft.com/office/drawing/2010/main" val="0"/>
@@ -8408,16 +8958,239 @@
           </a:stretch>
         </p:blipFill>
         <p:spPr>
-          <a:xfrm>
-            <a:off x="5923559" y="2209084"/>
-            <a:ext cx="5801784" cy="4351338"/>
+          <a:xfrm rot="16200000">
+            <a:off x="5355899" y="747187"/>
+            <a:ext cx="7344697" cy="5850321"/>
           </a:xfrm>
         </p:spPr>
       </p:pic>
+      <p:sp>
+        <p:nvSpPr>
+          <p:cNvPr id="5" name="コンテンツ プレースホルダー 2"/>
+          <p:cNvSpPr txBox="1">
+            <a:spLocks/>
+          </p:cNvSpPr>
+          <p:nvPr/>
+        </p:nvSpPr>
+        <p:spPr>
+          <a:xfrm>
+            <a:off x="838200" y="1825625"/>
+            <a:ext cx="4898923" cy="4351338"/>
+          </a:xfrm>
+          <a:prstGeom prst="rect">
+            <a:avLst/>
+          </a:prstGeom>
+        </p:spPr>
+        <p:txBody>
+          <a:bodyPr vert="horz" lIns="91440" tIns="45720" rIns="91440" bIns="45720" rtlCol="0">
+            <a:normAutofit/>
+          </a:bodyPr>
+          <a:lstStyle>
+            <a:lvl1pPr marL="228600" indent="-228600" algn="l" defTabSz="914400" rtl="0" eaLnBrk="1" latinLnBrk="0" hangingPunct="1">
+              <a:lnSpc>
+                <a:spcPct val="90000"/>
+              </a:lnSpc>
+              <a:spcBef>
+                <a:spcPts val="1000"/>
+              </a:spcBef>
+              <a:buFont typeface="Arial" panose="020B0604020202020204" pitchFamily="34" charset="0"/>
+              <a:buChar char="•"/>
+              <a:defRPr kumimoji="1" sz="2800" kern="1200">
+                <a:solidFill>
+                  <a:schemeClr val="tx1"/>
+                </a:solidFill>
+                <a:latin typeface="+mn-lt"/>
+                <a:ea typeface="+mn-ea"/>
+                <a:cs typeface="+mn-cs"/>
+              </a:defRPr>
+            </a:lvl1pPr>
+            <a:lvl2pPr marL="685800" indent="-228600" algn="l" defTabSz="914400" rtl="0" eaLnBrk="1" latinLnBrk="0" hangingPunct="1">
+              <a:lnSpc>
+                <a:spcPct val="90000"/>
+              </a:lnSpc>
+              <a:spcBef>
+                <a:spcPts val="500"/>
+              </a:spcBef>
+              <a:buFont typeface="Arial" panose="020B0604020202020204" pitchFamily="34" charset="0"/>
+              <a:buChar char="•"/>
+              <a:defRPr kumimoji="1" sz="2400" kern="1200">
+                <a:solidFill>
+                  <a:schemeClr val="tx1"/>
+                </a:solidFill>
+                <a:latin typeface="+mn-lt"/>
+                <a:ea typeface="+mn-ea"/>
+                <a:cs typeface="+mn-cs"/>
+              </a:defRPr>
+            </a:lvl2pPr>
+            <a:lvl3pPr marL="1143000" indent="-228600" algn="l" defTabSz="914400" rtl="0" eaLnBrk="1" latinLnBrk="0" hangingPunct="1">
+              <a:lnSpc>
+                <a:spcPct val="90000"/>
+              </a:lnSpc>
+              <a:spcBef>
+                <a:spcPts val="500"/>
+              </a:spcBef>
+              <a:buFont typeface="Arial" panose="020B0604020202020204" pitchFamily="34" charset="0"/>
+              <a:buChar char="•"/>
+              <a:defRPr kumimoji="1" sz="2000" kern="1200">
+                <a:solidFill>
+                  <a:schemeClr val="tx1"/>
+                </a:solidFill>
+                <a:latin typeface="+mn-lt"/>
+                <a:ea typeface="+mn-ea"/>
+                <a:cs typeface="+mn-cs"/>
+              </a:defRPr>
+            </a:lvl3pPr>
+            <a:lvl4pPr marL="1600200" indent="-228600" algn="l" defTabSz="914400" rtl="0" eaLnBrk="1" latinLnBrk="0" hangingPunct="1">
+              <a:lnSpc>
+                <a:spcPct val="90000"/>
+              </a:lnSpc>
+              <a:spcBef>
+                <a:spcPts val="500"/>
+              </a:spcBef>
+              <a:buFont typeface="Arial" panose="020B0604020202020204" pitchFamily="34" charset="0"/>
+              <a:buChar char="•"/>
+              <a:defRPr kumimoji="1" sz="1800" kern="1200">
+                <a:solidFill>
+                  <a:schemeClr val="tx1"/>
+                </a:solidFill>
+                <a:latin typeface="+mn-lt"/>
+                <a:ea typeface="+mn-ea"/>
+                <a:cs typeface="+mn-cs"/>
+              </a:defRPr>
+            </a:lvl4pPr>
+            <a:lvl5pPr marL="2057400" indent="-228600" algn="l" defTabSz="914400" rtl="0" eaLnBrk="1" latinLnBrk="0" hangingPunct="1">
+              <a:lnSpc>
+                <a:spcPct val="90000"/>
+              </a:lnSpc>
+              <a:spcBef>
+                <a:spcPts val="500"/>
+              </a:spcBef>
+              <a:buFont typeface="Arial" panose="020B0604020202020204" pitchFamily="34" charset="0"/>
+              <a:buChar char="•"/>
+              <a:defRPr kumimoji="1" sz="1800" kern="1200">
+                <a:solidFill>
+                  <a:schemeClr val="tx1"/>
+                </a:solidFill>
+                <a:latin typeface="+mn-lt"/>
+                <a:ea typeface="+mn-ea"/>
+                <a:cs typeface="+mn-cs"/>
+              </a:defRPr>
+            </a:lvl5pPr>
+            <a:lvl6pPr marL="2514600" indent="-228600" algn="l" defTabSz="914400" rtl="0" eaLnBrk="1" latinLnBrk="0" hangingPunct="1">
+              <a:lnSpc>
+                <a:spcPct val="90000"/>
+              </a:lnSpc>
+              <a:spcBef>
+                <a:spcPts val="500"/>
+              </a:spcBef>
+              <a:buFont typeface="Arial" panose="020B0604020202020204" pitchFamily="34" charset="0"/>
+              <a:buChar char="•"/>
+              <a:defRPr kumimoji="1" sz="1800" kern="1200">
+                <a:solidFill>
+                  <a:schemeClr val="tx1"/>
+                </a:solidFill>
+                <a:latin typeface="+mn-lt"/>
+                <a:ea typeface="+mn-ea"/>
+                <a:cs typeface="+mn-cs"/>
+              </a:defRPr>
+            </a:lvl6pPr>
+            <a:lvl7pPr marL="2971800" indent="-228600" algn="l" defTabSz="914400" rtl="0" eaLnBrk="1" latinLnBrk="0" hangingPunct="1">
+              <a:lnSpc>
+                <a:spcPct val="90000"/>
+              </a:lnSpc>
+              <a:spcBef>
+                <a:spcPts val="500"/>
+              </a:spcBef>
+              <a:buFont typeface="Arial" panose="020B0604020202020204" pitchFamily="34" charset="0"/>
+              <a:buChar char="•"/>
+              <a:defRPr kumimoji="1" sz="1800" kern="1200">
+                <a:solidFill>
+                  <a:schemeClr val="tx1"/>
+                </a:solidFill>
+                <a:latin typeface="+mn-lt"/>
+                <a:ea typeface="+mn-ea"/>
+                <a:cs typeface="+mn-cs"/>
+              </a:defRPr>
+            </a:lvl7pPr>
+            <a:lvl8pPr marL="3429000" indent="-228600" algn="l" defTabSz="914400" rtl="0" eaLnBrk="1" latinLnBrk="0" hangingPunct="1">
+              <a:lnSpc>
+                <a:spcPct val="90000"/>
+              </a:lnSpc>
+              <a:spcBef>
+                <a:spcPts val="500"/>
+              </a:spcBef>
+              <a:buFont typeface="Arial" panose="020B0604020202020204" pitchFamily="34" charset="0"/>
+              <a:buChar char="•"/>
+              <a:defRPr kumimoji="1" sz="1800" kern="1200">
+                <a:solidFill>
+                  <a:schemeClr val="tx1"/>
+                </a:solidFill>
+                <a:latin typeface="+mn-lt"/>
+                <a:ea typeface="+mn-ea"/>
+                <a:cs typeface="+mn-cs"/>
+              </a:defRPr>
+            </a:lvl8pPr>
+            <a:lvl9pPr marL="3886200" indent="-228600" algn="l" defTabSz="914400" rtl="0" eaLnBrk="1" latinLnBrk="0" hangingPunct="1">
+              <a:lnSpc>
+                <a:spcPct val="90000"/>
+              </a:lnSpc>
+              <a:spcBef>
+                <a:spcPts val="500"/>
+              </a:spcBef>
+              <a:buFont typeface="Arial" panose="020B0604020202020204" pitchFamily="34" charset="0"/>
+              <a:buChar char="•"/>
+              <a:defRPr kumimoji="1" sz="1800" kern="1200">
+                <a:solidFill>
+                  <a:schemeClr val="tx1"/>
+                </a:solidFill>
+                <a:latin typeface="+mn-lt"/>
+                <a:ea typeface="+mn-ea"/>
+                <a:cs typeface="+mn-cs"/>
+              </a:defRPr>
+            </a:lvl9pPr>
+          </a:lstStyle>
+          <a:p>
+            <a:r>
+              <a:rPr lang="en-US" altLang="ja-JP" dirty="0" smtClean="0"/>
+              <a:t>Triangular mesh</a:t>
+            </a:r>
+          </a:p>
+          <a:p>
+            <a:pPr lvl="1"/>
+            <a:r>
+              <a:rPr lang="en-US" altLang="ja-JP" dirty="0" smtClean="0"/>
+              <a:t>All faces are triangles</a:t>
+            </a:r>
+          </a:p>
+          <a:p>
+            <a:r>
+              <a:rPr lang="en-US" altLang="ja-JP" dirty="0" smtClean="0"/>
+              <a:t>Dual</a:t>
+            </a:r>
+          </a:p>
+          <a:p>
+            <a:pPr lvl="1"/>
+            <a:r>
+              <a:rPr lang="en-US" altLang="ja-JP" dirty="0" smtClean="0"/>
+              <a:t>Degree of all vertices are 3.</a:t>
+            </a:r>
+          </a:p>
+          <a:p>
+            <a:pPr lvl="1"/>
+            <a:r>
+              <a:rPr lang="en-US" altLang="ja-JP" dirty="0" smtClean="0"/>
+              <a:t>3-regular</a:t>
+            </a:r>
+          </a:p>
+          <a:p>
+            <a:endParaRPr lang="ja-JP" altLang="en-US" dirty="0"/>
+          </a:p>
+        </p:txBody>
+      </p:sp>
     </p:spTree>
     <p:extLst>
       <p:ext uri="{BB962C8B-B14F-4D97-AF65-F5344CB8AC3E}">
-        <p14:creationId xmlns:p14="http://schemas.microsoft.com/office/powerpoint/2010/main" val="552391641"/>
+        <p14:creationId xmlns:p14="http://schemas.microsoft.com/office/powerpoint/2010/main" val="257414946"/>
       </p:ext>
     </p:extLst>
   </p:cSld>
